--- a/digfinalpresentation/measureApp/assets/image/manual.pptx
+++ b/digfinalpresentation/measureApp/assets/image/manual.pptx
@@ -2,14 +2,16 @@
 <file path=ppt/presentation.xml><?xml version="1.0" encoding="utf-8"?>
 <p:presentation xmlns:a="http://schemas.openxmlformats.org/drawingml/2006/main" xmlns:r="http://schemas.openxmlformats.org/officeDocument/2006/relationships" xmlns:p="http://schemas.openxmlformats.org/presentationml/2006/main" saveSubsetFonts="1">
   <p:sldMasterIdLst>
-    <p:sldMasterId id="2147483660" r:id="rId1"/>
+    <p:sldMasterId id="2147483672" r:id="rId1"/>
   </p:sldMasterIdLst>
   <p:sldIdLst>
-    <p:sldId id="256" r:id="rId2"/>
-    <p:sldId id="257" r:id="rId3"/>
-    <p:sldId id="258" r:id="rId4"/>
+    <p:sldId id="259" r:id="rId2"/>
+    <p:sldId id="260" r:id="rId3"/>
+    <p:sldId id="261" r:id="rId4"/>
+    <p:sldId id="262" r:id="rId5"/>
+    <p:sldId id="263" r:id="rId6"/>
   </p:sldIdLst>
-  <p:sldSz cx="6858000" cy="12192000"/>
+  <p:sldSz cx="12192000" cy="6858000"/>
   <p:notesSz cx="6858000" cy="9144000"/>
   <p:defaultTextStyle>
     <a:defPPr>
@@ -106,19 +108,617 @@
       </a:defRPr>
     </a:lvl9pPr>
   </p:defaultTextStyle>
+  <p:extLst>
+    <p:ext uri="{EFAFB233-063F-42B5-8137-9DF3F51BA10A}">
+      <p15:sldGuideLst xmlns:p15="http://schemas.microsoft.com/office/powerpoint/2012/main"/>
+    </p:ext>
+  </p:extLst>
 </p:presentation>
 </file>
 
 <file path=ppt/revisionInfo.xml><?xml version="1.0" encoding="utf-8"?>
 <p1510:revInfo xmlns:a="http://schemas.openxmlformats.org/drawingml/2006/main" xmlns:r="http://schemas.openxmlformats.org/officeDocument/2006/relationships" xmlns:p1510="http://schemas.microsoft.com/office/powerpoint/2015/10/main">
   <p1510:revLst>
-    <p1510:client id="{F1A54EAA-9BC1-485C-878D-A6B60582921A}" v="4" dt="2023-02-12T12:33:08.050"/>
+    <p1510:client id="{4FAD975C-1332-4242-8159-21CB54037348}" v="24" dt="2023-02-19T13:09:36.517"/>
   </p1510:revLst>
 </p1510:revInfo>
 </file>
 
 <file path=ppt/changesInfos/changesInfo1.xml><?xml version="1.0" encoding="utf-8"?>
 <pc:chgInfo xmlns:a="http://schemas.openxmlformats.org/drawingml/2006/main" xmlns:r="http://schemas.openxmlformats.org/officeDocument/2006/relationships" xmlns:ac="http://schemas.microsoft.com/office/drawing/2013/main/command" xmlns:pc="http://schemas.microsoft.com/office/powerpoint/2013/main/command">
+  <pc:docChgLst>
+    <pc:chgData name="緒方 和義" userId="f76643218ff399e9" providerId="LiveId" clId="{4FAD975C-1332-4242-8159-21CB54037348}"/>
+    <pc:docChg chg="custSel addSld delSld modSld sldOrd">
+      <pc:chgData name="緒方 和義" userId="f76643218ff399e9" providerId="LiveId" clId="{4FAD975C-1332-4242-8159-21CB54037348}" dt="2023-02-19T13:11:06.055" v="1651" actId="20577"/>
+      <pc:docMkLst>
+        <pc:docMk/>
+      </pc:docMkLst>
+      <pc:sldChg chg="del">
+        <pc:chgData name="緒方 和義" userId="f76643218ff399e9" providerId="LiveId" clId="{4FAD975C-1332-4242-8159-21CB54037348}" dt="2023-02-19T13:03:43.459" v="958" actId="47"/>
+        <pc:sldMkLst>
+          <pc:docMk/>
+          <pc:sldMk cId="1787514625" sldId="256"/>
+        </pc:sldMkLst>
+      </pc:sldChg>
+      <pc:sldChg chg="del">
+        <pc:chgData name="緒方 和義" userId="f76643218ff399e9" providerId="LiveId" clId="{4FAD975C-1332-4242-8159-21CB54037348}" dt="2023-02-19T13:03:43.459" v="958" actId="47"/>
+        <pc:sldMkLst>
+          <pc:docMk/>
+          <pc:sldMk cId="2269008156" sldId="257"/>
+        </pc:sldMkLst>
+      </pc:sldChg>
+      <pc:sldChg chg="del">
+        <pc:chgData name="緒方 和義" userId="f76643218ff399e9" providerId="LiveId" clId="{4FAD975C-1332-4242-8159-21CB54037348}" dt="2023-02-19T13:03:43.459" v="958" actId="47"/>
+        <pc:sldMkLst>
+          <pc:docMk/>
+          <pc:sldMk cId="2687749560" sldId="258"/>
+        </pc:sldMkLst>
+      </pc:sldChg>
+      <pc:sldChg chg="addSp delSp modSp new mod ord">
+        <pc:chgData name="緒方 和義" userId="f76643218ff399e9" providerId="LiveId" clId="{4FAD975C-1332-4242-8159-21CB54037348}" dt="2023-02-19T12:41:53.565" v="267" actId="115"/>
+        <pc:sldMkLst>
+          <pc:docMk/>
+          <pc:sldMk cId="1919743845" sldId="259"/>
+        </pc:sldMkLst>
+        <pc:spChg chg="del">
+          <ac:chgData name="緒方 和義" userId="f76643218ff399e9" providerId="LiveId" clId="{4FAD975C-1332-4242-8159-21CB54037348}" dt="2023-02-19T12:38:13.907" v="6" actId="478"/>
+          <ac:spMkLst>
+            <pc:docMk/>
+            <pc:sldMk cId="1919743845" sldId="259"/>
+            <ac:spMk id="2" creationId="{3CE695E8-4956-B83B-7C52-FBB8244CDCB1}"/>
+          </ac:spMkLst>
+        </pc:spChg>
+        <pc:spChg chg="del">
+          <ac:chgData name="緒方 和義" userId="f76643218ff399e9" providerId="LiveId" clId="{4FAD975C-1332-4242-8159-21CB54037348}" dt="2023-02-19T12:38:15.282" v="7" actId="478"/>
+          <ac:spMkLst>
+            <pc:docMk/>
+            <pc:sldMk cId="1919743845" sldId="259"/>
+            <ac:spMk id="3" creationId="{0E7C39B3-33A1-858C-563F-85809DBE578F}"/>
+          </ac:spMkLst>
+        </pc:spChg>
+        <pc:spChg chg="add mod">
+          <ac:chgData name="緒方 和義" userId="f76643218ff399e9" providerId="LiveId" clId="{4FAD975C-1332-4242-8159-21CB54037348}" dt="2023-02-19T12:41:53.565" v="267" actId="115"/>
+          <ac:spMkLst>
+            <pc:docMk/>
+            <pc:sldMk cId="1919743845" sldId="259"/>
+            <ac:spMk id="4" creationId="{61D950B6-5465-4B71-222E-B2D9017DE74E}"/>
+          </ac:spMkLst>
+        </pc:spChg>
+        <pc:spChg chg="add mod">
+          <ac:chgData name="緒方 和義" userId="f76643218ff399e9" providerId="LiveId" clId="{4FAD975C-1332-4242-8159-21CB54037348}" dt="2023-02-19T12:41:40.236" v="263" actId="404"/>
+          <ac:spMkLst>
+            <pc:docMk/>
+            <pc:sldMk cId="1919743845" sldId="259"/>
+            <ac:spMk id="5" creationId="{06AFC8DA-F58B-AAE8-0EEE-6BD1D930C843}"/>
+          </ac:spMkLst>
+        </pc:spChg>
+      </pc:sldChg>
+      <pc:sldChg chg="addSp delSp modSp new mod ord">
+        <pc:chgData name="緒方 和義" userId="f76643218ff399e9" providerId="LiveId" clId="{4FAD975C-1332-4242-8159-21CB54037348}" dt="2023-02-19T12:49:37.668" v="552" actId="1076"/>
+        <pc:sldMkLst>
+          <pc:docMk/>
+          <pc:sldMk cId="885263584" sldId="260"/>
+        </pc:sldMkLst>
+        <pc:spChg chg="del">
+          <ac:chgData name="緒方 和義" userId="f76643218ff399e9" providerId="LiveId" clId="{4FAD975C-1332-4242-8159-21CB54037348}" dt="2023-02-19T12:43:24.383" v="268" actId="478"/>
+          <ac:spMkLst>
+            <pc:docMk/>
+            <pc:sldMk cId="885263584" sldId="260"/>
+            <ac:spMk id="2" creationId="{A054558E-336C-31A3-EF45-35FC165C05F7}"/>
+          </ac:spMkLst>
+        </pc:spChg>
+        <pc:spChg chg="del">
+          <ac:chgData name="緒方 和義" userId="f76643218ff399e9" providerId="LiveId" clId="{4FAD975C-1332-4242-8159-21CB54037348}" dt="2023-02-19T12:43:25.303" v="269" actId="478"/>
+          <ac:spMkLst>
+            <pc:docMk/>
+            <pc:sldMk cId="885263584" sldId="260"/>
+            <ac:spMk id="3" creationId="{6359A323-F9B0-65BA-955F-817546F4D1C0}"/>
+          </ac:spMkLst>
+        </pc:spChg>
+        <pc:spChg chg="add mod">
+          <ac:chgData name="緒方 和義" userId="f76643218ff399e9" providerId="LiveId" clId="{4FAD975C-1332-4242-8159-21CB54037348}" dt="2023-02-19T12:44:10.491" v="280" actId="1076"/>
+          <ac:spMkLst>
+            <pc:docMk/>
+            <pc:sldMk cId="885263584" sldId="260"/>
+            <ac:spMk id="7" creationId="{697EA1EE-8BBE-F95B-587D-584F7030E600}"/>
+          </ac:spMkLst>
+        </pc:spChg>
+        <pc:spChg chg="add mod">
+          <ac:chgData name="緒方 和義" userId="f76643218ff399e9" providerId="LiveId" clId="{4FAD975C-1332-4242-8159-21CB54037348}" dt="2023-02-19T12:47:24.215" v="305" actId="2085"/>
+          <ac:spMkLst>
+            <pc:docMk/>
+            <pc:sldMk cId="885263584" sldId="260"/>
+            <ac:spMk id="10" creationId="{496EEF8B-2AA3-FB14-4BD4-C5D9C3E44840}"/>
+          </ac:spMkLst>
+        </pc:spChg>
+        <pc:spChg chg="add mod">
+          <ac:chgData name="緒方 和義" userId="f76643218ff399e9" providerId="LiveId" clId="{4FAD975C-1332-4242-8159-21CB54037348}" dt="2023-02-19T12:47:50.447" v="311" actId="1038"/>
+          <ac:spMkLst>
+            <pc:docMk/>
+            <pc:sldMk cId="885263584" sldId="260"/>
+            <ac:spMk id="11" creationId="{6FF72B3D-6B17-2857-0BAB-E1766BFB276D}"/>
+          </ac:spMkLst>
+        </pc:spChg>
+        <pc:spChg chg="add mod">
+          <ac:chgData name="緒方 和義" userId="f76643218ff399e9" providerId="LiveId" clId="{4FAD975C-1332-4242-8159-21CB54037348}" dt="2023-02-19T12:49:37.668" v="552" actId="1076"/>
+          <ac:spMkLst>
+            <pc:docMk/>
+            <pc:sldMk cId="885263584" sldId="260"/>
+            <ac:spMk id="12" creationId="{17BEF9F5-DCEC-7F34-7A5A-B389EB09987E}"/>
+          </ac:spMkLst>
+        </pc:spChg>
+        <pc:picChg chg="add mod">
+          <ac:chgData name="緒方 和義" userId="f76643218ff399e9" providerId="LiveId" clId="{4FAD975C-1332-4242-8159-21CB54037348}" dt="2023-02-19T12:47:07.268" v="300" actId="1076"/>
+          <ac:picMkLst>
+            <pc:docMk/>
+            <pc:sldMk cId="885263584" sldId="260"/>
+            <ac:picMk id="9" creationId="{C38B1D54-8EC8-CE31-DE23-8F80CC567998}"/>
+          </ac:picMkLst>
+        </pc:picChg>
+        <pc:cxnChg chg="add mod">
+          <ac:chgData name="緒方 和義" userId="f76643218ff399e9" providerId="LiveId" clId="{4FAD975C-1332-4242-8159-21CB54037348}" dt="2023-02-19T12:43:36.065" v="272" actId="1582"/>
+          <ac:cxnSpMkLst>
+            <pc:docMk/>
+            <pc:sldMk cId="885263584" sldId="260"/>
+            <ac:cxnSpMk id="5" creationId="{D70E85B8-DE03-2F0B-A359-DDC33E0BF934}"/>
+          </ac:cxnSpMkLst>
+        </pc:cxnChg>
+      </pc:sldChg>
+      <pc:sldChg chg="addSp delSp modSp add mod">
+        <pc:chgData name="緒方 和義" userId="f76643218ff399e9" providerId="LiveId" clId="{4FAD975C-1332-4242-8159-21CB54037348}" dt="2023-02-19T12:56:22.919" v="885" actId="478"/>
+        <pc:sldMkLst>
+          <pc:docMk/>
+          <pc:sldMk cId="217873406" sldId="261"/>
+        </pc:sldMkLst>
+        <pc:spChg chg="mod">
+          <ac:chgData name="緒方 和義" userId="f76643218ff399e9" providerId="LiveId" clId="{4FAD975C-1332-4242-8159-21CB54037348}" dt="2023-02-19T12:50:01.837" v="592" actId="20577"/>
+          <ac:spMkLst>
+            <pc:docMk/>
+            <pc:sldMk cId="217873406" sldId="261"/>
+            <ac:spMk id="7" creationId="{697EA1EE-8BBE-F95B-587D-584F7030E600}"/>
+          </ac:spMkLst>
+        </pc:spChg>
+        <pc:spChg chg="add mod">
+          <ac:chgData name="緒方 和義" userId="f76643218ff399e9" providerId="LiveId" clId="{4FAD975C-1332-4242-8159-21CB54037348}" dt="2023-02-19T12:56:19.827" v="884" actId="1076"/>
+          <ac:spMkLst>
+            <pc:docMk/>
+            <pc:sldMk cId="217873406" sldId="261"/>
+            <ac:spMk id="8" creationId="{22F831A2-A10D-DB77-81EC-1B030EC7DE84}"/>
+          </ac:spMkLst>
+        </pc:spChg>
+        <pc:spChg chg="del mod ord">
+          <ac:chgData name="緒方 和義" userId="f76643218ff399e9" providerId="LiveId" clId="{4FAD975C-1332-4242-8159-21CB54037348}" dt="2023-02-19T12:53:02.875" v="797" actId="478"/>
+          <ac:spMkLst>
+            <pc:docMk/>
+            <pc:sldMk cId="217873406" sldId="261"/>
+            <ac:spMk id="10" creationId="{496EEF8B-2AA3-FB14-4BD4-C5D9C3E44840}"/>
+          </ac:spMkLst>
+        </pc:spChg>
+        <pc:spChg chg="del mod">
+          <ac:chgData name="緒方 和義" userId="f76643218ff399e9" providerId="LiveId" clId="{4FAD975C-1332-4242-8159-21CB54037348}" dt="2023-02-19T12:56:22.919" v="885" actId="478"/>
+          <ac:spMkLst>
+            <pc:docMk/>
+            <pc:sldMk cId="217873406" sldId="261"/>
+            <ac:spMk id="11" creationId="{6FF72B3D-6B17-2857-0BAB-E1766BFB276D}"/>
+          </ac:spMkLst>
+        </pc:spChg>
+        <pc:spChg chg="mod">
+          <ac:chgData name="緒方 和義" userId="f76643218ff399e9" providerId="LiveId" clId="{4FAD975C-1332-4242-8159-21CB54037348}" dt="2023-02-19T12:56:19.827" v="884" actId="1076"/>
+          <ac:spMkLst>
+            <pc:docMk/>
+            <pc:sldMk cId="217873406" sldId="261"/>
+            <ac:spMk id="12" creationId="{17BEF9F5-DCEC-7F34-7A5A-B389EB09987E}"/>
+          </ac:spMkLst>
+        </pc:spChg>
+        <pc:spChg chg="add mod">
+          <ac:chgData name="緒方 和義" userId="f76643218ff399e9" providerId="LiveId" clId="{4FAD975C-1332-4242-8159-21CB54037348}" dt="2023-02-19T12:56:19.827" v="884" actId="1076"/>
+          <ac:spMkLst>
+            <pc:docMk/>
+            <pc:sldMk cId="217873406" sldId="261"/>
+            <ac:spMk id="13" creationId="{66F6358C-E18A-985F-7C26-C98681249F88}"/>
+          </ac:spMkLst>
+        </pc:spChg>
+        <pc:spChg chg="add mod">
+          <ac:chgData name="緒方 和義" userId="f76643218ff399e9" providerId="LiveId" clId="{4FAD975C-1332-4242-8159-21CB54037348}" dt="2023-02-19T12:56:19.827" v="884" actId="1076"/>
+          <ac:spMkLst>
+            <pc:docMk/>
+            <pc:sldMk cId="217873406" sldId="261"/>
+            <ac:spMk id="19" creationId="{FE80F33A-844F-4873-C5B5-A67B4FFB64F1}"/>
+          </ac:spMkLst>
+        </pc:spChg>
+        <pc:spChg chg="add mod">
+          <ac:chgData name="緒方 和義" userId="f76643218ff399e9" providerId="LiveId" clId="{4FAD975C-1332-4242-8159-21CB54037348}" dt="2023-02-19T12:56:19.827" v="884" actId="1076"/>
+          <ac:spMkLst>
+            <pc:docMk/>
+            <pc:sldMk cId="217873406" sldId="261"/>
+            <ac:spMk id="20" creationId="{9D15AE67-5F55-3AA5-B4FC-5EAD25FCD1BD}"/>
+          </ac:spMkLst>
+        </pc:spChg>
+        <pc:picChg chg="add mod">
+          <ac:chgData name="緒方 和義" userId="f76643218ff399e9" providerId="LiveId" clId="{4FAD975C-1332-4242-8159-21CB54037348}" dt="2023-02-19T12:56:19.827" v="884" actId="1076"/>
+          <ac:picMkLst>
+            <pc:docMk/>
+            <pc:sldMk cId="217873406" sldId="261"/>
+            <ac:picMk id="3" creationId="{43571788-9DE7-7521-77D0-8BC21D8902C0}"/>
+          </ac:picMkLst>
+        </pc:picChg>
+        <pc:picChg chg="add mod">
+          <ac:chgData name="緒方 和義" userId="f76643218ff399e9" providerId="LiveId" clId="{4FAD975C-1332-4242-8159-21CB54037348}" dt="2023-02-19T12:56:19.827" v="884" actId="1076"/>
+          <ac:picMkLst>
+            <pc:docMk/>
+            <pc:sldMk cId="217873406" sldId="261"/>
+            <ac:picMk id="6" creationId="{813CB2D5-C17D-83A3-E5B2-932E109C6B74}"/>
+          </ac:picMkLst>
+        </pc:picChg>
+        <pc:picChg chg="del mod">
+          <ac:chgData name="緒方 和義" userId="f76643218ff399e9" providerId="LiveId" clId="{4FAD975C-1332-4242-8159-21CB54037348}" dt="2023-02-19T12:50:39.674" v="594" actId="478"/>
+          <ac:picMkLst>
+            <pc:docMk/>
+            <pc:sldMk cId="217873406" sldId="261"/>
+            <ac:picMk id="9" creationId="{C38B1D54-8EC8-CE31-DE23-8F80CC567998}"/>
+          </ac:picMkLst>
+        </pc:picChg>
+        <pc:picChg chg="add mod">
+          <ac:chgData name="緒方 和義" userId="f76643218ff399e9" providerId="LiveId" clId="{4FAD975C-1332-4242-8159-21CB54037348}" dt="2023-02-19T12:56:19.827" v="884" actId="1076"/>
+          <ac:picMkLst>
+            <pc:docMk/>
+            <pc:sldMk cId="217873406" sldId="261"/>
+            <ac:picMk id="15" creationId="{7D07B543-C8C6-A22B-2DDF-945A2D4D46BA}"/>
+          </ac:picMkLst>
+        </pc:picChg>
+        <pc:picChg chg="add mod">
+          <ac:chgData name="緒方 和義" userId="f76643218ff399e9" providerId="LiveId" clId="{4FAD975C-1332-4242-8159-21CB54037348}" dt="2023-02-19T12:56:19.827" v="884" actId="1076"/>
+          <ac:picMkLst>
+            <pc:docMk/>
+            <pc:sldMk cId="217873406" sldId="261"/>
+            <ac:picMk id="16" creationId="{3E828C9D-FF9B-0FBF-2DEA-4075932D56AE}"/>
+          </ac:picMkLst>
+        </pc:picChg>
+        <pc:picChg chg="add mod">
+          <ac:chgData name="緒方 和義" userId="f76643218ff399e9" providerId="LiveId" clId="{4FAD975C-1332-4242-8159-21CB54037348}" dt="2023-02-19T12:56:19.827" v="884" actId="1076"/>
+          <ac:picMkLst>
+            <pc:docMk/>
+            <pc:sldMk cId="217873406" sldId="261"/>
+            <ac:picMk id="18" creationId="{FEE44C4C-DA53-D15E-722B-9534BB633FB8}"/>
+          </ac:picMkLst>
+        </pc:picChg>
+        <pc:picChg chg="add mod">
+          <ac:chgData name="緒方 和義" userId="f76643218ff399e9" providerId="LiveId" clId="{4FAD975C-1332-4242-8159-21CB54037348}" dt="2023-02-19T12:56:19.827" v="884" actId="1076"/>
+          <ac:picMkLst>
+            <pc:docMk/>
+            <pc:sldMk cId="217873406" sldId="261"/>
+            <ac:picMk id="21" creationId="{C646F9BC-4543-698D-F3A3-14941CA03F76}"/>
+          </ac:picMkLst>
+        </pc:picChg>
+        <pc:picChg chg="add mod">
+          <ac:chgData name="緒方 和義" userId="f76643218ff399e9" providerId="LiveId" clId="{4FAD975C-1332-4242-8159-21CB54037348}" dt="2023-02-19T12:56:19.827" v="884" actId="1076"/>
+          <ac:picMkLst>
+            <pc:docMk/>
+            <pc:sldMk cId="217873406" sldId="261"/>
+            <ac:picMk id="22" creationId="{9714740B-9F2B-7B4D-5362-34C9B789B446}"/>
+          </ac:picMkLst>
+        </pc:picChg>
+      </pc:sldChg>
+      <pc:sldChg chg="addSp delSp modSp add mod">
+        <pc:chgData name="緒方 和義" userId="f76643218ff399e9" providerId="LiveId" clId="{4FAD975C-1332-4242-8159-21CB54037348}" dt="2023-02-19T13:03:28.162" v="956" actId="1076"/>
+        <pc:sldMkLst>
+          <pc:docMk/>
+          <pc:sldMk cId="434371638" sldId="262"/>
+        </pc:sldMkLst>
+        <pc:spChg chg="mod">
+          <ac:chgData name="緒方 和義" userId="f76643218ff399e9" providerId="LiveId" clId="{4FAD975C-1332-4242-8159-21CB54037348}" dt="2023-02-19T13:00:48.208" v="899" actId="1076"/>
+          <ac:spMkLst>
+            <pc:docMk/>
+            <pc:sldMk cId="434371638" sldId="262"/>
+            <ac:spMk id="7" creationId="{697EA1EE-8BBE-F95B-587D-584F7030E600}"/>
+          </ac:spMkLst>
+        </pc:spChg>
+        <pc:spChg chg="del">
+          <ac:chgData name="緒方 和義" userId="f76643218ff399e9" providerId="LiveId" clId="{4FAD975C-1332-4242-8159-21CB54037348}" dt="2023-02-19T13:02:57.607" v="925" actId="478"/>
+          <ac:spMkLst>
+            <pc:docMk/>
+            <pc:sldMk cId="434371638" sldId="262"/>
+            <ac:spMk id="8" creationId="{22F831A2-A10D-DB77-81EC-1B030EC7DE84}"/>
+          </ac:spMkLst>
+        </pc:spChg>
+        <pc:spChg chg="mod">
+          <ac:chgData name="緒方 和義" userId="f76643218ff399e9" providerId="LiveId" clId="{4FAD975C-1332-4242-8159-21CB54037348}" dt="2023-02-19T13:03:28.162" v="956" actId="1076"/>
+          <ac:spMkLst>
+            <pc:docMk/>
+            <pc:sldMk cId="434371638" sldId="262"/>
+            <ac:spMk id="12" creationId="{17BEF9F5-DCEC-7F34-7A5A-B389EB09987E}"/>
+          </ac:spMkLst>
+        </pc:spChg>
+        <pc:spChg chg="mod">
+          <ac:chgData name="緒方 和義" userId="f76643218ff399e9" providerId="LiveId" clId="{4FAD975C-1332-4242-8159-21CB54037348}" dt="2023-02-19T13:03:23.789" v="955" actId="14100"/>
+          <ac:spMkLst>
+            <pc:docMk/>
+            <pc:sldMk cId="434371638" sldId="262"/>
+            <ac:spMk id="13" creationId="{66F6358C-E18A-985F-7C26-C98681249F88}"/>
+          </ac:spMkLst>
+        </pc:spChg>
+        <pc:spChg chg="mod">
+          <ac:chgData name="緒方 和義" userId="f76643218ff399e9" providerId="LiveId" clId="{4FAD975C-1332-4242-8159-21CB54037348}" dt="2023-02-19T13:03:20.605" v="953" actId="1076"/>
+          <ac:spMkLst>
+            <pc:docMk/>
+            <pc:sldMk cId="434371638" sldId="262"/>
+            <ac:spMk id="19" creationId="{FE80F33A-844F-4873-C5B5-A67B4FFB64F1}"/>
+          </ac:spMkLst>
+        </pc:spChg>
+        <pc:spChg chg="del">
+          <ac:chgData name="緒方 和義" userId="f76643218ff399e9" providerId="LiveId" clId="{4FAD975C-1332-4242-8159-21CB54037348}" dt="2023-02-19T13:02:54.898" v="924" actId="478"/>
+          <ac:spMkLst>
+            <pc:docMk/>
+            <pc:sldMk cId="434371638" sldId="262"/>
+            <ac:spMk id="20" creationId="{9D15AE67-5F55-3AA5-B4FC-5EAD25FCD1BD}"/>
+          </ac:spMkLst>
+        </pc:spChg>
+        <pc:picChg chg="mod">
+          <ac:chgData name="緒方 和義" userId="f76643218ff399e9" providerId="LiveId" clId="{4FAD975C-1332-4242-8159-21CB54037348}" dt="2023-02-19T13:03:28.162" v="956" actId="1076"/>
+          <ac:picMkLst>
+            <pc:docMk/>
+            <pc:sldMk cId="434371638" sldId="262"/>
+            <ac:picMk id="3" creationId="{43571788-9DE7-7521-77D0-8BC21D8902C0}"/>
+          </ac:picMkLst>
+        </pc:picChg>
+        <pc:picChg chg="add mod ord">
+          <ac:chgData name="緒方 和義" userId="f76643218ff399e9" providerId="LiveId" clId="{4FAD975C-1332-4242-8159-21CB54037348}" dt="2023-02-19T13:03:20.605" v="953" actId="1076"/>
+          <ac:picMkLst>
+            <pc:docMk/>
+            <pc:sldMk cId="434371638" sldId="262"/>
+            <ac:picMk id="4" creationId="{1D6E1241-A97C-7D74-D4E3-173F27D93C94}"/>
+          </ac:picMkLst>
+        </pc:picChg>
+        <pc:picChg chg="del">
+          <ac:chgData name="緒方 和義" userId="f76643218ff399e9" providerId="LiveId" clId="{4FAD975C-1332-4242-8159-21CB54037348}" dt="2023-02-19T13:02:34.562" v="916" actId="478"/>
+          <ac:picMkLst>
+            <pc:docMk/>
+            <pc:sldMk cId="434371638" sldId="262"/>
+            <ac:picMk id="6" creationId="{813CB2D5-C17D-83A3-E5B2-932E109C6B74}"/>
+          </ac:picMkLst>
+        </pc:picChg>
+        <pc:picChg chg="mod">
+          <ac:chgData name="緒方 和義" userId="f76643218ff399e9" providerId="LiveId" clId="{4FAD975C-1332-4242-8159-21CB54037348}" dt="2023-02-19T13:03:28.162" v="956" actId="1076"/>
+          <ac:picMkLst>
+            <pc:docMk/>
+            <pc:sldMk cId="434371638" sldId="262"/>
+            <ac:picMk id="15" creationId="{7D07B543-C8C6-A22B-2DDF-945A2D4D46BA}"/>
+          </ac:picMkLst>
+        </pc:picChg>
+        <pc:picChg chg="del">
+          <ac:chgData name="緒方 和義" userId="f76643218ff399e9" providerId="LiveId" clId="{4FAD975C-1332-4242-8159-21CB54037348}" dt="2023-02-19T13:02:35.169" v="917" actId="478"/>
+          <ac:picMkLst>
+            <pc:docMk/>
+            <pc:sldMk cId="434371638" sldId="262"/>
+            <ac:picMk id="16" creationId="{3E828C9D-FF9B-0FBF-2DEA-4075932D56AE}"/>
+          </ac:picMkLst>
+        </pc:picChg>
+        <pc:picChg chg="del">
+          <ac:chgData name="緒方 和義" userId="f76643218ff399e9" providerId="LiveId" clId="{4FAD975C-1332-4242-8159-21CB54037348}" dt="2023-02-19T13:02:54.088" v="923" actId="478"/>
+          <ac:picMkLst>
+            <pc:docMk/>
+            <pc:sldMk cId="434371638" sldId="262"/>
+            <ac:picMk id="18" creationId="{FEE44C4C-DA53-D15E-722B-9534BB633FB8}"/>
+          </ac:picMkLst>
+        </pc:picChg>
+        <pc:picChg chg="mod">
+          <ac:chgData name="緒方 和義" userId="f76643218ff399e9" providerId="LiveId" clId="{4FAD975C-1332-4242-8159-21CB54037348}" dt="2023-02-19T13:03:20.605" v="953" actId="1076"/>
+          <ac:picMkLst>
+            <pc:docMk/>
+            <pc:sldMk cId="434371638" sldId="262"/>
+            <ac:picMk id="21" creationId="{C646F9BC-4543-698D-F3A3-14941CA03F76}"/>
+          </ac:picMkLst>
+        </pc:picChg>
+        <pc:picChg chg="mod">
+          <ac:chgData name="緒方 和義" userId="f76643218ff399e9" providerId="LiveId" clId="{4FAD975C-1332-4242-8159-21CB54037348}" dt="2023-02-19T13:03:20.605" v="953" actId="1076"/>
+          <ac:picMkLst>
+            <pc:docMk/>
+            <pc:sldMk cId="434371638" sldId="262"/>
+            <ac:picMk id="22" creationId="{9714740B-9F2B-7B4D-5362-34C9B789B446}"/>
+          </ac:picMkLst>
+        </pc:picChg>
+      </pc:sldChg>
+      <pc:sldChg chg="addSp delSp modSp add mod">
+        <pc:chgData name="緒方 和義" userId="f76643218ff399e9" providerId="LiveId" clId="{4FAD975C-1332-4242-8159-21CB54037348}" dt="2023-02-19T13:11:06.055" v="1651" actId="20577"/>
+        <pc:sldMkLst>
+          <pc:docMk/>
+          <pc:sldMk cId="721053319" sldId="263"/>
+        </pc:sldMkLst>
+        <pc:spChg chg="add mod">
+          <ac:chgData name="緒方 和義" userId="f76643218ff399e9" providerId="LiveId" clId="{4FAD975C-1332-4242-8159-21CB54037348}" dt="2023-02-19T13:04:17.220" v="1010" actId="115"/>
+          <ac:spMkLst>
+            <pc:docMk/>
+            <pc:sldMk cId="721053319" sldId="263"/>
+            <ac:spMk id="2" creationId="{361274E3-A419-D66F-A112-3F7E30AEC11D}"/>
+          </ac:spMkLst>
+        </pc:spChg>
+        <pc:spChg chg="add mod">
+          <ac:chgData name="緒方 和義" userId="f76643218ff399e9" providerId="LiveId" clId="{4FAD975C-1332-4242-8159-21CB54037348}" dt="2023-02-19T13:05:11.847" v="1056" actId="1076"/>
+          <ac:spMkLst>
+            <pc:docMk/>
+            <pc:sldMk cId="721053319" sldId="263"/>
+            <ac:spMk id="6" creationId="{1F588549-E1BA-6FAB-ED58-7BBE47649521}"/>
+          </ac:spMkLst>
+        </pc:spChg>
+        <pc:spChg chg="mod">
+          <ac:chgData name="緒方 和義" userId="f76643218ff399e9" providerId="LiveId" clId="{4FAD975C-1332-4242-8159-21CB54037348}" dt="2023-02-19T13:03:50.888" v="975" actId="20577"/>
+          <ac:spMkLst>
+            <pc:docMk/>
+            <pc:sldMk cId="721053319" sldId="263"/>
+            <ac:spMk id="7" creationId="{697EA1EE-8BBE-F95B-587D-584F7030E600}"/>
+          </ac:spMkLst>
+        </pc:spChg>
+        <pc:spChg chg="add mod">
+          <ac:chgData name="緒方 和義" userId="f76643218ff399e9" providerId="LiveId" clId="{4FAD975C-1332-4242-8159-21CB54037348}" dt="2023-02-19T13:05:15.902" v="1057" actId="1076"/>
+          <ac:spMkLst>
+            <pc:docMk/>
+            <pc:sldMk cId="721053319" sldId="263"/>
+            <ac:spMk id="8" creationId="{81A1C692-3FC0-A961-CC56-2644D7AFF2BE}"/>
+          </ac:spMkLst>
+        </pc:spChg>
+        <pc:spChg chg="add mod">
+          <ac:chgData name="緒方 和義" userId="f76643218ff399e9" providerId="LiveId" clId="{4FAD975C-1332-4242-8159-21CB54037348}" dt="2023-02-19T13:06:42.447" v="1186" actId="1076"/>
+          <ac:spMkLst>
+            <pc:docMk/>
+            <pc:sldMk cId="721053319" sldId="263"/>
+            <ac:spMk id="11" creationId="{D1E61302-8DBB-9393-71A0-CF1F228A70D7}"/>
+          </ac:spMkLst>
+        </pc:spChg>
+        <pc:spChg chg="del">
+          <ac:chgData name="緒方 和義" userId="f76643218ff399e9" providerId="LiveId" clId="{4FAD975C-1332-4242-8159-21CB54037348}" dt="2023-02-19T13:04:02.977" v="976" actId="478"/>
+          <ac:spMkLst>
+            <pc:docMk/>
+            <pc:sldMk cId="721053319" sldId="263"/>
+            <ac:spMk id="12" creationId="{17BEF9F5-DCEC-7F34-7A5A-B389EB09987E}"/>
+          </ac:spMkLst>
+        </pc:spChg>
+        <pc:spChg chg="del">
+          <ac:chgData name="緒方 和義" userId="f76643218ff399e9" providerId="LiveId" clId="{4FAD975C-1332-4242-8159-21CB54037348}" dt="2023-02-19T13:04:02.977" v="976" actId="478"/>
+          <ac:spMkLst>
+            <pc:docMk/>
+            <pc:sldMk cId="721053319" sldId="263"/>
+            <ac:spMk id="13" creationId="{66F6358C-E18A-985F-7C26-C98681249F88}"/>
+          </ac:spMkLst>
+        </pc:spChg>
+        <pc:spChg chg="del">
+          <ac:chgData name="緒方 和義" userId="f76643218ff399e9" providerId="LiveId" clId="{4FAD975C-1332-4242-8159-21CB54037348}" dt="2023-02-19T13:04:02.977" v="976" actId="478"/>
+          <ac:spMkLst>
+            <pc:docMk/>
+            <pc:sldMk cId="721053319" sldId="263"/>
+            <ac:spMk id="19" creationId="{FE80F33A-844F-4873-C5B5-A67B4FFB64F1}"/>
+          </ac:spMkLst>
+        </pc:spChg>
+        <pc:spChg chg="add mod">
+          <ac:chgData name="緒方 和義" userId="f76643218ff399e9" providerId="LiveId" clId="{4FAD975C-1332-4242-8159-21CB54037348}" dt="2023-02-19T13:07:28.226" v="1326" actId="20577"/>
+          <ac:spMkLst>
+            <pc:docMk/>
+            <pc:sldMk cId="721053319" sldId="263"/>
+            <ac:spMk id="23" creationId="{4A8A40D2-48CD-52DF-0BEA-B1D9668A60EB}"/>
+          </ac:spMkLst>
+        </pc:spChg>
+        <pc:spChg chg="add mod">
+          <ac:chgData name="緒方 和義" userId="f76643218ff399e9" providerId="LiveId" clId="{4FAD975C-1332-4242-8159-21CB54037348}" dt="2023-02-19T13:09:02.564" v="1344" actId="1076"/>
+          <ac:spMkLst>
+            <pc:docMk/>
+            <pc:sldMk cId="721053319" sldId="263"/>
+            <ac:spMk id="27" creationId="{2A10D28C-F683-8D71-E3B5-7986D35978BA}"/>
+          </ac:spMkLst>
+        </pc:spChg>
+        <pc:spChg chg="add mod">
+          <ac:chgData name="緒方 和義" userId="f76643218ff399e9" providerId="LiveId" clId="{4FAD975C-1332-4242-8159-21CB54037348}" dt="2023-02-19T13:11:06.055" v="1651" actId="20577"/>
+          <ac:spMkLst>
+            <pc:docMk/>
+            <pc:sldMk cId="721053319" sldId="263"/>
+            <ac:spMk id="31" creationId="{734A42FF-00E1-033E-B000-FE35BAAB1720}"/>
+          </ac:spMkLst>
+        </pc:spChg>
+        <pc:picChg chg="del">
+          <ac:chgData name="緒方 和義" userId="f76643218ff399e9" providerId="LiveId" clId="{4FAD975C-1332-4242-8159-21CB54037348}" dt="2023-02-19T13:04:02.977" v="976" actId="478"/>
+          <ac:picMkLst>
+            <pc:docMk/>
+            <pc:sldMk cId="721053319" sldId="263"/>
+            <ac:picMk id="3" creationId="{43571788-9DE7-7521-77D0-8BC21D8902C0}"/>
+          </ac:picMkLst>
+        </pc:picChg>
+        <pc:picChg chg="del">
+          <ac:chgData name="緒方 和義" userId="f76643218ff399e9" providerId="LiveId" clId="{4FAD975C-1332-4242-8159-21CB54037348}" dt="2023-02-19T13:04:02.977" v="976" actId="478"/>
+          <ac:picMkLst>
+            <pc:docMk/>
+            <pc:sldMk cId="721053319" sldId="263"/>
+            <ac:picMk id="4" creationId="{1D6E1241-A97C-7D74-D4E3-173F27D93C94}"/>
+          </ac:picMkLst>
+        </pc:picChg>
+        <pc:picChg chg="add mod">
+          <ac:chgData name="緒方 和義" userId="f76643218ff399e9" providerId="LiveId" clId="{4FAD975C-1332-4242-8159-21CB54037348}" dt="2023-02-19T13:05:18.364" v="1058" actId="1076"/>
+          <ac:picMkLst>
+            <pc:docMk/>
+            <pc:sldMk cId="721053319" sldId="263"/>
+            <ac:picMk id="10" creationId="{67D0755D-0A28-622F-8A61-45C54EA522DC}"/>
+          </ac:picMkLst>
+        </pc:picChg>
+        <pc:picChg chg="del">
+          <ac:chgData name="緒方 和義" userId="f76643218ff399e9" providerId="LiveId" clId="{4FAD975C-1332-4242-8159-21CB54037348}" dt="2023-02-19T13:04:02.977" v="976" actId="478"/>
+          <ac:picMkLst>
+            <pc:docMk/>
+            <pc:sldMk cId="721053319" sldId="263"/>
+            <ac:picMk id="15" creationId="{7D07B543-C8C6-A22B-2DDF-945A2D4D46BA}"/>
+          </ac:picMkLst>
+        </pc:picChg>
+        <pc:picChg chg="add mod">
+          <ac:chgData name="緒方 和義" userId="f76643218ff399e9" providerId="LiveId" clId="{4FAD975C-1332-4242-8159-21CB54037348}" dt="2023-02-19T13:06:35.957" v="1185" actId="1076"/>
+          <ac:picMkLst>
+            <pc:docMk/>
+            <pc:sldMk cId="721053319" sldId="263"/>
+            <ac:picMk id="20" creationId="{691A9768-CC3E-FC99-A60B-F59DD090F929}"/>
+          </ac:picMkLst>
+        </pc:picChg>
+        <pc:picChg chg="del">
+          <ac:chgData name="緒方 和義" userId="f76643218ff399e9" providerId="LiveId" clId="{4FAD975C-1332-4242-8159-21CB54037348}" dt="2023-02-19T13:04:02.977" v="976" actId="478"/>
+          <ac:picMkLst>
+            <pc:docMk/>
+            <pc:sldMk cId="721053319" sldId="263"/>
+            <ac:picMk id="21" creationId="{C646F9BC-4543-698D-F3A3-14941CA03F76}"/>
+          </ac:picMkLst>
+        </pc:picChg>
+        <pc:picChg chg="del">
+          <ac:chgData name="緒方 和義" userId="f76643218ff399e9" providerId="LiveId" clId="{4FAD975C-1332-4242-8159-21CB54037348}" dt="2023-02-19T13:04:02.977" v="976" actId="478"/>
+          <ac:picMkLst>
+            <pc:docMk/>
+            <pc:sldMk cId="721053319" sldId="263"/>
+            <ac:picMk id="22" creationId="{9714740B-9F2B-7B4D-5362-34C9B789B446}"/>
+          </ac:picMkLst>
+        </pc:picChg>
+        <pc:picChg chg="add mod">
+          <ac:chgData name="緒方 和義" userId="f76643218ff399e9" providerId="LiveId" clId="{4FAD975C-1332-4242-8159-21CB54037348}" dt="2023-02-19T13:09:01.139" v="1343" actId="1076"/>
+          <ac:picMkLst>
+            <pc:docMk/>
+            <pc:sldMk cId="721053319" sldId="263"/>
+            <ac:picMk id="25" creationId="{8382CA0F-F951-9CC3-B0B7-BDC51C1BB956}"/>
+          </ac:picMkLst>
+        </pc:picChg>
+        <pc:picChg chg="add mod">
+          <ac:chgData name="緒方 和義" userId="f76643218ff399e9" providerId="LiveId" clId="{4FAD975C-1332-4242-8159-21CB54037348}" dt="2023-02-19T13:09:01.139" v="1343" actId="1076"/>
+          <ac:picMkLst>
+            <pc:docMk/>
+            <pc:sldMk cId="721053319" sldId="263"/>
+            <ac:picMk id="26" creationId="{5E35B17D-C4C3-0067-7574-7A5835FA203D}"/>
+          </ac:picMkLst>
+        </pc:picChg>
+        <pc:picChg chg="add mod">
+          <ac:chgData name="緒方 和義" userId="f76643218ff399e9" providerId="LiveId" clId="{4FAD975C-1332-4242-8159-21CB54037348}" dt="2023-02-19T13:09:22.068" v="1350" actId="1076"/>
+          <ac:picMkLst>
+            <pc:docMk/>
+            <pc:sldMk cId="721053319" sldId="263"/>
+            <ac:picMk id="29" creationId="{987C8E8D-AC34-001A-D985-6291646E5EFC}"/>
+          </ac:picMkLst>
+        </pc:picChg>
+        <pc:picChg chg="add mod">
+          <ac:chgData name="緒方 和義" userId="f76643218ff399e9" providerId="LiveId" clId="{4FAD975C-1332-4242-8159-21CB54037348}" dt="2023-02-19T13:09:31.348" v="1355" actId="1076"/>
+          <ac:picMkLst>
+            <pc:docMk/>
+            <pc:sldMk cId="721053319" sldId="263"/>
+            <ac:picMk id="30" creationId="{50EBC807-3BF3-4EBA-7D0D-D637609C5BAD}"/>
+          </ac:picMkLst>
+        </pc:picChg>
+        <pc:cxnChg chg="add mod">
+          <ac:chgData name="緒方 和義" userId="f76643218ff399e9" providerId="LiveId" clId="{4FAD975C-1332-4242-8159-21CB54037348}" dt="2023-02-19T13:06:05.504" v="1174" actId="1076"/>
+          <ac:cxnSpMkLst>
+            <pc:docMk/>
+            <pc:sldMk cId="721053319" sldId="263"/>
+            <ac:cxnSpMk id="16" creationId="{CC739358-16C7-3A2C-57C1-F9444A5E4476}"/>
+          </ac:cxnSpMkLst>
+        </pc:cxnChg>
+        <pc:cxnChg chg="add mod">
+          <ac:chgData name="緒方 和義" userId="f76643218ff399e9" providerId="LiveId" clId="{4FAD975C-1332-4242-8159-21CB54037348}" dt="2023-02-19T13:06:08.097" v="1175" actId="571"/>
+          <ac:cxnSpMkLst>
+            <pc:docMk/>
+            <pc:sldMk cId="721053319" sldId="263"/>
+            <ac:cxnSpMk id="17" creationId="{BA39D129-6204-F386-23EE-BCE6E8E21811}"/>
+          </ac:cxnSpMkLst>
+        </pc:cxnChg>
+      </pc:sldChg>
+    </pc:docChg>
+  </pc:docChgLst>
   <pc:docChgLst>
     <pc:chgData name="緒方 和義" userId="f76643218ff399e9" providerId="LiveId" clId="{F1A54EAA-9BC1-485C-878D-A6B60582921A}"/>
     <pc:docChg chg="addSld modSld">
@@ -229,15 +829,15 @@
         </p:nvSpPr>
         <p:spPr>
           <a:xfrm>
-            <a:off x="514350" y="1995312"/>
-            <a:ext cx="5829300" cy="4244622"/>
+            <a:off x="1524000" y="1122363"/>
+            <a:ext cx="9144000" cy="2387600"/>
           </a:xfrm>
         </p:spPr>
         <p:txBody>
           <a:bodyPr anchor="b"/>
           <a:lstStyle>
             <a:lvl1pPr algn="ctr">
-              <a:defRPr sz="4500"/>
+              <a:defRPr sz="6000"/>
             </a:lvl1pPr>
           </a:lstStyle>
           <a:p>
@@ -261,8 +861,8 @@
         </p:nvSpPr>
         <p:spPr>
           <a:xfrm>
-            <a:off x="857250" y="6403623"/>
-            <a:ext cx="5143500" cy="2943577"/>
+            <a:off x="1524000" y="3602038"/>
+            <a:ext cx="9144000" cy="1655762"/>
           </a:xfrm>
         </p:spPr>
         <p:txBody>
@@ -270,39 +870,39 @@
           <a:lstStyle>
             <a:lvl1pPr marL="0" indent="0" algn="ctr">
               <a:buNone/>
+              <a:defRPr sz="2400"/>
+            </a:lvl1pPr>
+            <a:lvl2pPr marL="457200" indent="0" algn="ctr">
+              <a:buNone/>
+              <a:defRPr sz="2000"/>
+            </a:lvl2pPr>
+            <a:lvl3pPr marL="914400" indent="0" algn="ctr">
+              <a:buNone/>
               <a:defRPr sz="1800"/>
-            </a:lvl1pPr>
-            <a:lvl2pPr marL="342900" indent="0" algn="ctr">
+            </a:lvl3pPr>
+            <a:lvl4pPr marL="1371600" indent="0" algn="ctr">
               <a:buNone/>
-              <a:defRPr sz="1500"/>
-            </a:lvl2pPr>
-            <a:lvl3pPr marL="685800" indent="0" algn="ctr">
+              <a:defRPr sz="1600"/>
+            </a:lvl4pPr>
+            <a:lvl5pPr marL="1828800" indent="0" algn="ctr">
               <a:buNone/>
-              <a:defRPr sz="1350"/>
-            </a:lvl3pPr>
-            <a:lvl4pPr marL="1028700" indent="0" algn="ctr">
+              <a:defRPr sz="1600"/>
+            </a:lvl5pPr>
+            <a:lvl6pPr marL="2286000" indent="0" algn="ctr">
               <a:buNone/>
-              <a:defRPr sz="1200"/>
-            </a:lvl4pPr>
-            <a:lvl5pPr marL="1371600" indent="0" algn="ctr">
+              <a:defRPr sz="1600"/>
+            </a:lvl6pPr>
+            <a:lvl7pPr marL="2743200" indent="0" algn="ctr">
               <a:buNone/>
-              <a:defRPr sz="1200"/>
-            </a:lvl5pPr>
-            <a:lvl6pPr marL="1714500" indent="0" algn="ctr">
+              <a:defRPr sz="1600"/>
+            </a:lvl7pPr>
+            <a:lvl8pPr marL="3200400" indent="0" algn="ctr">
               <a:buNone/>
-              <a:defRPr sz="1200"/>
-            </a:lvl6pPr>
-            <a:lvl7pPr marL="2057400" indent="0" algn="ctr">
+              <a:defRPr sz="1600"/>
+            </a:lvl8pPr>
+            <a:lvl9pPr marL="3657600" indent="0" algn="ctr">
               <a:buNone/>
-              <a:defRPr sz="1200"/>
-            </a:lvl7pPr>
-            <a:lvl8pPr marL="2400300" indent="0" algn="ctr">
-              <a:buNone/>
-              <a:defRPr sz="1200"/>
-            </a:lvl8pPr>
-            <a:lvl9pPr marL="2743200" indent="0" algn="ctr">
-              <a:buNone/>
-              <a:defRPr sz="1200"/>
+              <a:defRPr sz="1600"/>
             </a:lvl9pPr>
           </a:lstStyle>
           <a:p>
@@ -331,7 +931,7 @@
           <a:p>
             <a:fld id="{2A5EC333-3D49-4D2E-9FAB-664F2FE907BE}" type="datetimeFigureOut">
               <a:rPr kumimoji="1" lang="ja-JP" altLang="en-US" smtClean="0"/>
-              <a:t>2023/2/12</a:t>
+              <a:t>2023/2/19</a:t>
             </a:fld>
             <a:endParaRPr kumimoji="1" lang="ja-JP" altLang="en-US"/>
           </a:p>
@@ -382,7 +982,7 @@
     </p:spTree>
     <p:extLst>
       <p:ext uri="{BB962C8B-B14F-4D97-AF65-F5344CB8AC3E}">
-        <p14:creationId xmlns:p14="http://schemas.microsoft.com/office/powerpoint/2010/main" val="1093809911"/>
+        <p14:creationId xmlns:p14="http://schemas.microsoft.com/office/powerpoint/2010/main" val="2511936376"/>
       </p:ext>
     </p:extLst>
   </p:cSld>
@@ -533,7 +1133,7 @@
           <a:p>
             <a:fld id="{2A5EC333-3D49-4D2E-9FAB-664F2FE907BE}" type="datetimeFigureOut">
               <a:rPr kumimoji="1" lang="ja-JP" altLang="en-US" smtClean="0"/>
-              <a:t>2023/2/12</a:t>
+              <a:t>2023/2/19</a:t>
             </a:fld>
             <a:endParaRPr kumimoji="1" lang="ja-JP" altLang="en-US"/>
           </a:p>
@@ -584,7 +1184,7 @@
     </p:spTree>
     <p:extLst>
       <p:ext uri="{BB962C8B-B14F-4D97-AF65-F5344CB8AC3E}">
-        <p14:creationId xmlns:p14="http://schemas.microsoft.com/office/powerpoint/2010/main" val="1961653224"/>
+        <p14:creationId xmlns:p14="http://schemas.microsoft.com/office/powerpoint/2010/main" val="497900018"/>
       </p:ext>
     </p:extLst>
   </p:cSld>
@@ -623,8 +1223,8 @@
         </p:nvSpPr>
         <p:spPr>
           <a:xfrm>
-            <a:off x="4907757" y="649111"/>
-            <a:ext cx="1478756" cy="10332156"/>
+            <a:off x="8724900" y="365125"/>
+            <a:ext cx="2628900" cy="5811838"/>
           </a:xfrm>
         </p:spPr>
         <p:txBody>
@@ -651,8 +1251,8 @@
         </p:nvSpPr>
         <p:spPr>
           <a:xfrm>
-            <a:off x="471488" y="649111"/>
-            <a:ext cx="4350544" cy="10332156"/>
+            <a:off x="838200" y="365125"/>
+            <a:ext cx="7734300" cy="5811838"/>
           </a:xfrm>
         </p:spPr>
         <p:txBody>
@@ -745,7 +1345,7 @@
           <a:p>
             <a:fld id="{2A5EC333-3D49-4D2E-9FAB-664F2FE907BE}" type="datetimeFigureOut">
               <a:rPr kumimoji="1" lang="ja-JP" altLang="en-US" smtClean="0"/>
-              <a:t>2023/2/12</a:t>
+              <a:t>2023/2/19</a:t>
             </a:fld>
             <a:endParaRPr kumimoji="1" lang="ja-JP" altLang="en-US"/>
           </a:p>
@@ -796,7 +1396,7 @@
     </p:spTree>
     <p:extLst>
       <p:ext uri="{BB962C8B-B14F-4D97-AF65-F5344CB8AC3E}">
-        <p14:creationId xmlns:p14="http://schemas.microsoft.com/office/powerpoint/2010/main" val="4053552467"/>
+        <p14:creationId xmlns:p14="http://schemas.microsoft.com/office/powerpoint/2010/main" val="369490350"/>
       </p:ext>
     </p:extLst>
   </p:cSld>
@@ -947,7 +1547,7 @@
           <a:p>
             <a:fld id="{2A5EC333-3D49-4D2E-9FAB-664F2FE907BE}" type="datetimeFigureOut">
               <a:rPr kumimoji="1" lang="ja-JP" altLang="en-US" smtClean="0"/>
-              <a:t>2023/2/12</a:t>
+              <a:t>2023/2/19</a:t>
             </a:fld>
             <a:endParaRPr kumimoji="1" lang="ja-JP" altLang="en-US"/>
           </a:p>
@@ -998,7 +1598,7 @@
     </p:spTree>
     <p:extLst>
       <p:ext uri="{BB962C8B-B14F-4D97-AF65-F5344CB8AC3E}">
-        <p14:creationId xmlns:p14="http://schemas.microsoft.com/office/powerpoint/2010/main" val="3517731872"/>
+        <p14:creationId xmlns:p14="http://schemas.microsoft.com/office/powerpoint/2010/main" val="2243189439"/>
       </p:ext>
     </p:extLst>
   </p:cSld>
@@ -1037,15 +1637,15 @@
         </p:nvSpPr>
         <p:spPr>
           <a:xfrm>
-            <a:off x="467916" y="3039537"/>
-            <a:ext cx="5915025" cy="5071532"/>
+            <a:off x="831850" y="1709738"/>
+            <a:ext cx="10515600" cy="2852737"/>
           </a:xfrm>
         </p:spPr>
         <p:txBody>
           <a:bodyPr anchor="b"/>
           <a:lstStyle>
             <a:lvl1pPr>
-              <a:defRPr sz="4500"/>
+              <a:defRPr sz="6000"/>
             </a:lvl1pPr>
           </a:lstStyle>
           <a:p>
@@ -1069,8 +1669,8 @@
         </p:nvSpPr>
         <p:spPr>
           <a:xfrm>
-            <a:off x="467916" y="8159048"/>
-            <a:ext cx="5915025" cy="2666999"/>
+            <a:off x="831850" y="4589463"/>
+            <a:ext cx="10515600" cy="1500187"/>
           </a:xfrm>
         </p:spPr>
         <p:txBody>
@@ -1078,15 +1678,17 @@
           <a:lstStyle>
             <a:lvl1pPr marL="0" indent="0">
               <a:buNone/>
-              <a:defRPr sz="1800">
+              <a:defRPr sz="2400">
                 <a:solidFill>
-                  <a:schemeClr val="tx1"/>
+                  <a:schemeClr val="tx1">
+                    <a:tint val="75000"/>
+                  </a:schemeClr>
                 </a:solidFill>
               </a:defRPr>
             </a:lvl1pPr>
-            <a:lvl2pPr marL="342900" indent="0">
+            <a:lvl2pPr marL="457200" indent="0">
               <a:buNone/>
-              <a:defRPr sz="1500">
+              <a:defRPr sz="2000">
                 <a:solidFill>
                   <a:schemeClr val="tx1">
                     <a:tint val="75000"/>
@@ -1094,9 +1696,9 @@
                 </a:solidFill>
               </a:defRPr>
             </a:lvl2pPr>
-            <a:lvl3pPr marL="685800" indent="0">
+            <a:lvl3pPr marL="914400" indent="0">
               <a:buNone/>
-              <a:defRPr sz="1350">
+              <a:defRPr sz="1800">
                 <a:solidFill>
                   <a:schemeClr val="tx1">
                     <a:tint val="75000"/>
@@ -1104,9 +1706,9 @@
                 </a:solidFill>
               </a:defRPr>
             </a:lvl3pPr>
-            <a:lvl4pPr marL="1028700" indent="0">
+            <a:lvl4pPr marL="1371600" indent="0">
               <a:buNone/>
-              <a:defRPr sz="1200">
+              <a:defRPr sz="1600">
                 <a:solidFill>
                   <a:schemeClr val="tx1">
                     <a:tint val="75000"/>
@@ -1114,9 +1716,9 @@
                 </a:solidFill>
               </a:defRPr>
             </a:lvl4pPr>
-            <a:lvl5pPr marL="1371600" indent="0">
+            <a:lvl5pPr marL="1828800" indent="0">
               <a:buNone/>
-              <a:defRPr sz="1200">
+              <a:defRPr sz="1600">
                 <a:solidFill>
                   <a:schemeClr val="tx1">
                     <a:tint val="75000"/>
@@ -1124,9 +1726,9 @@
                 </a:solidFill>
               </a:defRPr>
             </a:lvl5pPr>
-            <a:lvl6pPr marL="1714500" indent="0">
+            <a:lvl6pPr marL="2286000" indent="0">
               <a:buNone/>
-              <a:defRPr sz="1200">
+              <a:defRPr sz="1600">
                 <a:solidFill>
                   <a:schemeClr val="tx1">
                     <a:tint val="75000"/>
@@ -1134,9 +1736,9 @@
                 </a:solidFill>
               </a:defRPr>
             </a:lvl6pPr>
-            <a:lvl7pPr marL="2057400" indent="0">
+            <a:lvl7pPr marL="2743200" indent="0">
               <a:buNone/>
-              <a:defRPr sz="1200">
+              <a:defRPr sz="1600">
                 <a:solidFill>
                   <a:schemeClr val="tx1">
                     <a:tint val="75000"/>
@@ -1144,9 +1746,9 @@
                 </a:solidFill>
               </a:defRPr>
             </a:lvl7pPr>
-            <a:lvl8pPr marL="2400300" indent="0">
+            <a:lvl8pPr marL="3200400" indent="0">
               <a:buNone/>
-              <a:defRPr sz="1200">
+              <a:defRPr sz="1600">
                 <a:solidFill>
                   <a:schemeClr val="tx1">
                     <a:tint val="75000"/>
@@ -1154,9 +1756,9 @@
                 </a:solidFill>
               </a:defRPr>
             </a:lvl8pPr>
-            <a:lvl9pPr marL="2743200" indent="0">
+            <a:lvl9pPr marL="3657600" indent="0">
               <a:buNone/>
-              <a:defRPr sz="1200">
+              <a:defRPr sz="1600">
                 <a:solidFill>
                   <a:schemeClr val="tx1">
                     <a:tint val="75000"/>
@@ -1191,7 +1793,7 @@
           <a:p>
             <a:fld id="{2A5EC333-3D49-4D2E-9FAB-664F2FE907BE}" type="datetimeFigureOut">
               <a:rPr kumimoji="1" lang="ja-JP" altLang="en-US" smtClean="0"/>
-              <a:t>2023/2/12</a:t>
+              <a:t>2023/2/19</a:t>
             </a:fld>
             <a:endParaRPr kumimoji="1" lang="ja-JP" altLang="en-US"/>
           </a:p>
@@ -1242,7 +1844,7 @@
     </p:spTree>
     <p:extLst>
       <p:ext uri="{BB962C8B-B14F-4D97-AF65-F5344CB8AC3E}">
-        <p14:creationId xmlns:p14="http://schemas.microsoft.com/office/powerpoint/2010/main" val="3578424232"/>
+        <p14:creationId xmlns:p14="http://schemas.microsoft.com/office/powerpoint/2010/main" val="2497857620"/>
       </p:ext>
     </p:extLst>
   </p:cSld>
@@ -1304,8 +1906,8 @@
         </p:nvSpPr>
         <p:spPr>
           <a:xfrm>
-            <a:off x="471488" y="3245556"/>
-            <a:ext cx="2914650" cy="7735712"/>
+            <a:off x="838200" y="1825625"/>
+            <a:ext cx="5181600" cy="4351338"/>
           </a:xfrm>
         </p:spPr>
         <p:txBody>
@@ -1393,8 +1995,8 @@
         </p:nvSpPr>
         <p:spPr>
           <a:xfrm>
-            <a:off x="3471863" y="3245556"/>
-            <a:ext cx="2914650" cy="7735712"/>
+            <a:off x="6172200" y="1825625"/>
+            <a:ext cx="5181600" cy="4351338"/>
           </a:xfrm>
         </p:spPr>
         <p:txBody>
@@ -1487,7 +2089,7 @@
           <a:p>
             <a:fld id="{2A5EC333-3D49-4D2E-9FAB-664F2FE907BE}" type="datetimeFigureOut">
               <a:rPr kumimoji="1" lang="ja-JP" altLang="en-US" smtClean="0"/>
-              <a:t>2023/2/12</a:t>
+              <a:t>2023/2/19</a:t>
             </a:fld>
             <a:endParaRPr kumimoji="1" lang="ja-JP" altLang="en-US"/>
           </a:p>
@@ -1538,7 +2140,7 @@
     </p:spTree>
     <p:extLst>
       <p:ext uri="{BB962C8B-B14F-4D97-AF65-F5344CB8AC3E}">
-        <p14:creationId xmlns:p14="http://schemas.microsoft.com/office/powerpoint/2010/main" val="1348400190"/>
+        <p14:creationId xmlns:p14="http://schemas.microsoft.com/office/powerpoint/2010/main" val="1436669265"/>
       </p:ext>
     </p:extLst>
   </p:cSld>
@@ -1577,8 +2179,8 @@
         </p:nvSpPr>
         <p:spPr>
           <a:xfrm>
-            <a:off x="472381" y="649114"/>
-            <a:ext cx="5915025" cy="2356556"/>
+            <a:off x="839788" y="365125"/>
+            <a:ext cx="10515600" cy="1325563"/>
           </a:xfrm>
         </p:spPr>
         <p:txBody>
@@ -1605,8 +2207,8 @@
         </p:nvSpPr>
         <p:spPr>
           <a:xfrm>
-            <a:off x="472381" y="2988734"/>
-            <a:ext cx="2901255" cy="1464732"/>
+            <a:off x="839788" y="1681163"/>
+            <a:ext cx="5157787" cy="823912"/>
           </a:xfrm>
         </p:spPr>
         <p:txBody>
@@ -1614,39 +2216,39 @@
           <a:lstStyle>
             <a:lvl1pPr marL="0" indent="0">
               <a:buNone/>
+              <a:defRPr sz="2400" b="1"/>
+            </a:lvl1pPr>
+            <a:lvl2pPr marL="457200" indent="0">
+              <a:buNone/>
+              <a:defRPr sz="2000" b="1"/>
+            </a:lvl2pPr>
+            <a:lvl3pPr marL="914400" indent="0">
+              <a:buNone/>
               <a:defRPr sz="1800" b="1"/>
-            </a:lvl1pPr>
-            <a:lvl2pPr marL="342900" indent="0">
+            </a:lvl3pPr>
+            <a:lvl4pPr marL="1371600" indent="0">
               <a:buNone/>
-              <a:defRPr sz="1500" b="1"/>
-            </a:lvl2pPr>
-            <a:lvl3pPr marL="685800" indent="0">
+              <a:defRPr sz="1600" b="1"/>
+            </a:lvl4pPr>
+            <a:lvl5pPr marL="1828800" indent="0">
               <a:buNone/>
-              <a:defRPr sz="1350" b="1"/>
-            </a:lvl3pPr>
-            <a:lvl4pPr marL="1028700" indent="0">
+              <a:defRPr sz="1600" b="1"/>
+            </a:lvl5pPr>
+            <a:lvl6pPr marL="2286000" indent="0">
               <a:buNone/>
-              <a:defRPr sz="1200" b="1"/>
-            </a:lvl4pPr>
-            <a:lvl5pPr marL="1371600" indent="0">
+              <a:defRPr sz="1600" b="1"/>
+            </a:lvl6pPr>
+            <a:lvl7pPr marL="2743200" indent="0">
               <a:buNone/>
-              <a:defRPr sz="1200" b="1"/>
-            </a:lvl5pPr>
-            <a:lvl6pPr marL="1714500" indent="0">
+              <a:defRPr sz="1600" b="1"/>
+            </a:lvl7pPr>
+            <a:lvl8pPr marL="3200400" indent="0">
               <a:buNone/>
-              <a:defRPr sz="1200" b="1"/>
-            </a:lvl6pPr>
-            <a:lvl7pPr marL="2057400" indent="0">
+              <a:defRPr sz="1600" b="1"/>
+            </a:lvl8pPr>
+            <a:lvl9pPr marL="3657600" indent="0">
               <a:buNone/>
-              <a:defRPr sz="1200" b="1"/>
-            </a:lvl7pPr>
-            <a:lvl8pPr marL="2400300" indent="0">
-              <a:buNone/>
-              <a:defRPr sz="1200" b="1"/>
-            </a:lvl8pPr>
-            <a:lvl9pPr marL="2743200" indent="0">
-              <a:buNone/>
-              <a:defRPr sz="1200" b="1"/>
+              <a:defRPr sz="1600" b="1"/>
             </a:lvl9pPr>
           </a:lstStyle>
           <a:p>
@@ -1670,8 +2272,8 @@
         </p:nvSpPr>
         <p:spPr>
           <a:xfrm>
-            <a:off x="472381" y="4453467"/>
-            <a:ext cx="2901255" cy="6550379"/>
+            <a:off x="839788" y="2505075"/>
+            <a:ext cx="5157787" cy="3684588"/>
           </a:xfrm>
         </p:spPr>
         <p:txBody>
@@ -1759,8 +2361,8 @@
         </p:nvSpPr>
         <p:spPr>
           <a:xfrm>
-            <a:off x="3471863" y="2988734"/>
-            <a:ext cx="2915543" cy="1464732"/>
+            <a:off x="6172200" y="1681163"/>
+            <a:ext cx="5183188" cy="823912"/>
           </a:xfrm>
         </p:spPr>
         <p:txBody>
@@ -1768,39 +2370,39 @@
           <a:lstStyle>
             <a:lvl1pPr marL="0" indent="0">
               <a:buNone/>
+              <a:defRPr sz="2400" b="1"/>
+            </a:lvl1pPr>
+            <a:lvl2pPr marL="457200" indent="0">
+              <a:buNone/>
+              <a:defRPr sz="2000" b="1"/>
+            </a:lvl2pPr>
+            <a:lvl3pPr marL="914400" indent="0">
+              <a:buNone/>
               <a:defRPr sz="1800" b="1"/>
-            </a:lvl1pPr>
-            <a:lvl2pPr marL="342900" indent="0">
+            </a:lvl3pPr>
+            <a:lvl4pPr marL="1371600" indent="0">
               <a:buNone/>
-              <a:defRPr sz="1500" b="1"/>
-            </a:lvl2pPr>
-            <a:lvl3pPr marL="685800" indent="0">
+              <a:defRPr sz="1600" b="1"/>
+            </a:lvl4pPr>
+            <a:lvl5pPr marL="1828800" indent="0">
               <a:buNone/>
-              <a:defRPr sz="1350" b="1"/>
-            </a:lvl3pPr>
-            <a:lvl4pPr marL="1028700" indent="0">
+              <a:defRPr sz="1600" b="1"/>
+            </a:lvl5pPr>
+            <a:lvl6pPr marL="2286000" indent="0">
               <a:buNone/>
-              <a:defRPr sz="1200" b="1"/>
-            </a:lvl4pPr>
-            <a:lvl5pPr marL="1371600" indent="0">
+              <a:defRPr sz="1600" b="1"/>
+            </a:lvl6pPr>
+            <a:lvl7pPr marL="2743200" indent="0">
               <a:buNone/>
-              <a:defRPr sz="1200" b="1"/>
-            </a:lvl5pPr>
-            <a:lvl6pPr marL="1714500" indent="0">
+              <a:defRPr sz="1600" b="1"/>
+            </a:lvl7pPr>
+            <a:lvl8pPr marL="3200400" indent="0">
               <a:buNone/>
-              <a:defRPr sz="1200" b="1"/>
-            </a:lvl6pPr>
-            <a:lvl7pPr marL="2057400" indent="0">
+              <a:defRPr sz="1600" b="1"/>
+            </a:lvl8pPr>
+            <a:lvl9pPr marL="3657600" indent="0">
               <a:buNone/>
-              <a:defRPr sz="1200" b="1"/>
-            </a:lvl7pPr>
-            <a:lvl8pPr marL="2400300" indent="0">
-              <a:buNone/>
-              <a:defRPr sz="1200" b="1"/>
-            </a:lvl8pPr>
-            <a:lvl9pPr marL="2743200" indent="0">
-              <a:buNone/>
-              <a:defRPr sz="1200" b="1"/>
+              <a:defRPr sz="1600" b="1"/>
             </a:lvl9pPr>
           </a:lstStyle>
           <a:p>
@@ -1824,8 +2426,8 @@
         </p:nvSpPr>
         <p:spPr>
           <a:xfrm>
-            <a:off x="3471863" y="4453467"/>
-            <a:ext cx="2915543" cy="6550379"/>
+            <a:off x="6172200" y="2505075"/>
+            <a:ext cx="5183188" cy="3684588"/>
           </a:xfrm>
         </p:spPr>
         <p:txBody>
@@ -1918,7 +2520,7 @@
           <a:p>
             <a:fld id="{2A5EC333-3D49-4D2E-9FAB-664F2FE907BE}" type="datetimeFigureOut">
               <a:rPr kumimoji="1" lang="ja-JP" altLang="en-US" smtClean="0"/>
-              <a:t>2023/2/12</a:t>
+              <a:t>2023/2/19</a:t>
             </a:fld>
             <a:endParaRPr kumimoji="1" lang="ja-JP" altLang="en-US"/>
           </a:p>
@@ -1969,7 +2571,7 @@
     </p:spTree>
     <p:extLst>
       <p:ext uri="{BB962C8B-B14F-4D97-AF65-F5344CB8AC3E}">
-        <p14:creationId xmlns:p14="http://schemas.microsoft.com/office/powerpoint/2010/main" val="4007602009"/>
+        <p14:creationId xmlns:p14="http://schemas.microsoft.com/office/powerpoint/2010/main" val="869478387"/>
       </p:ext>
     </p:extLst>
   </p:cSld>
@@ -2036,7 +2638,7 @@
           <a:p>
             <a:fld id="{2A5EC333-3D49-4D2E-9FAB-664F2FE907BE}" type="datetimeFigureOut">
               <a:rPr kumimoji="1" lang="ja-JP" altLang="en-US" smtClean="0"/>
-              <a:t>2023/2/12</a:t>
+              <a:t>2023/2/19</a:t>
             </a:fld>
             <a:endParaRPr kumimoji="1" lang="ja-JP" altLang="en-US"/>
           </a:p>
@@ -2087,7 +2689,7 @@
     </p:spTree>
     <p:extLst>
       <p:ext uri="{BB962C8B-B14F-4D97-AF65-F5344CB8AC3E}">
-        <p14:creationId xmlns:p14="http://schemas.microsoft.com/office/powerpoint/2010/main" val="3018756110"/>
+        <p14:creationId xmlns:p14="http://schemas.microsoft.com/office/powerpoint/2010/main" val="1236858788"/>
       </p:ext>
     </p:extLst>
   </p:cSld>
@@ -2131,7 +2733,7 @@
           <a:p>
             <a:fld id="{2A5EC333-3D49-4D2E-9FAB-664F2FE907BE}" type="datetimeFigureOut">
               <a:rPr kumimoji="1" lang="ja-JP" altLang="en-US" smtClean="0"/>
-              <a:t>2023/2/12</a:t>
+              <a:t>2023/2/19</a:t>
             </a:fld>
             <a:endParaRPr kumimoji="1" lang="ja-JP" altLang="en-US"/>
           </a:p>
@@ -2182,7 +2784,7 @@
     </p:spTree>
     <p:extLst>
       <p:ext uri="{BB962C8B-B14F-4D97-AF65-F5344CB8AC3E}">
-        <p14:creationId xmlns:p14="http://schemas.microsoft.com/office/powerpoint/2010/main" val="2367502841"/>
+        <p14:creationId xmlns:p14="http://schemas.microsoft.com/office/powerpoint/2010/main" val="3502786575"/>
       </p:ext>
     </p:extLst>
   </p:cSld>
@@ -2221,15 +2823,15 @@
         </p:nvSpPr>
         <p:spPr>
           <a:xfrm>
-            <a:off x="472381" y="812800"/>
-            <a:ext cx="2211884" cy="2844800"/>
+            <a:off x="839788" y="457200"/>
+            <a:ext cx="3932237" cy="1600200"/>
           </a:xfrm>
         </p:spPr>
         <p:txBody>
           <a:bodyPr anchor="b"/>
           <a:lstStyle>
             <a:lvl1pPr>
-              <a:defRPr sz="2400"/>
+              <a:defRPr sz="3200"/>
             </a:lvl1pPr>
           </a:lstStyle>
           <a:p>
@@ -2253,39 +2855,39 @@
         </p:nvSpPr>
         <p:spPr>
           <a:xfrm>
-            <a:off x="2915543" y="1755425"/>
-            <a:ext cx="3471863" cy="8664222"/>
+            <a:off x="5183188" y="987425"/>
+            <a:ext cx="6172200" cy="4873625"/>
           </a:xfrm>
         </p:spPr>
         <p:txBody>
           <a:bodyPr/>
           <a:lstStyle>
             <a:lvl1pPr>
-              <a:defRPr sz="2400"/>
+              <a:defRPr sz="3200"/>
             </a:lvl1pPr>
             <a:lvl2pPr>
-              <a:defRPr sz="2100"/>
+              <a:defRPr sz="2800"/>
             </a:lvl2pPr>
             <a:lvl3pPr>
-              <a:defRPr sz="1800"/>
+              <a:defRPr sz="2400"/>
             </a:lvl3pPr>
             <a:lvl4pPr>
-              <a:defRPr sz="1500"/>
+              <a:defRPr sz="2000"/>
             </a:lvl4pPr>
             <a:lvl5pPr>
-              <a:defRPr sz="1500"/>
+              <a:defRPr sz="2000"/>
             </a:lvl5pPr>
             <a:lvl6pPr>
-              <a:defRPr sz="1500"/>
+              <a:defRPr sz="2000"/>
             </a:lvl6pPr>
             <a:lvl7pPr>
-              <a:defRPr sz="1500"/>
+              <a:defRPr sz="2000"/>
             </a:lvl7pPr>
             <a:lvl8pPr>
-              <a:defRPr sz="1500"/>
+              <a:defRPr sz="2000"/>
             </a:lvl8pPr>
             <a:lvl9pPr>
-              <a:defRPr sz="1500"/>
+              <a:defRPr sz="2000"/>
             </a:lvl9pPr>
           </a:lstStyle>
           <a:p>
@@ -2370,8 +2972,8 @@
         </p:nvSpPr>
         <p:spPr>
           <a:xfrm>
-            <a:off x="472381" y="3657600"/>
-            <a:ext cx="2211884" cy="6776156"/>
+            <a:off x="839788" y="2057400"/>
+            <a:ext cx="3932237" cy="3811588"/>
           </a:xfrm>
         </p:spPr>
         <p:txBody>
@@ -2379,39 +2981,39 @@
           <a:lstStyle>
             <a:lvl1pPr marL="0" indent="0">
               <a:buNone/>
+              <a:defRPr sz="1600"/>
+            </a:lvl1pPr>
+            <a:lvl2pPr marL="457200" indent="0">
+              <a:buNone/>
+              <a:defRPr sz="1400"/>
+            </a:lvl2pPr>
+            <a:lvl3pPr marL="914400" indent="0">
+              <a:buNone/>
               <a:defRPr sz="1200"/>
-            </a:lvl1pPr>
-            <a:lvl2pPr marL="342900" indent="0">
+            </a:lvl3pPr>
+            <a:lvl4pPr marL="1371600" indent="0">
               <a:buNone/>
-              <a:defRPr sz="1050"/>
-            </a:lvl2pPr>
-            <a:lvl3pPr marL="685800" indent="0">
+              <a:defRPr sz="1000"/>
+            </a:lvl4pPr>
+            <a:lvl5pPr marL="1828800" indent="0">
               <a:buNone/>
-              <a:defRPr sz="900"/>
-            </a:lvl3pPr>
-            <a:lvl4pPr marL="1028700" indent="0">
+              <a:defRPr sz="1000"/>
+            </a:lvl5pPr>
+            <a:lvl6pPr marL="2286000" indent="0">
               <a:buNone/>
-              <a:defRPr sz="750"/>
-            </a:lvl4pPr>
-            <a:lvl5pPr marL="1371600" indent="0">
+              <a:defRPr sz="1000"/>
+            </a:lvl6pPr>
+            <a:lvl7pPr marL="2743200" indent="0">
               <a:buNone/>
-              <a:defRPr sz="750"/>
-            </a:lvl5pPr>
-            <a:lvl6pPr marL="1714500" indent="0">
+              <a:defRPr sz="1000"/>
+            </a:lvl7pPr>
+            <a:lvl8pPr marL="3200400" indent="0">
               <a:buNone/>
-              <a:defRPr sz="750"/>
-            </a:lvl6pPr>
-            <a:lvl7pPr marL="2057400" indent="0">
+              <a:defRPr sz="1000"/>
+            </a:lvl8pPr>
+            <a:lvl9pPr marL="3657600" indent="0">
               <a:buNone/>
-              <a:defRPr sz="750"/>
-            </a:lvl7pPr>
-            <a:lvl8pPr marL="2400300" indent="0">
-              <a:buNone/>
-              <a:defRPr sz="750"/>
-            </a:lvl8pPr>
-            <a:lvl9pPr marL="2743200" indent="0">
-              <a:buNone/>
-              <a:defRPr sz="750"/>
+              <a:defRPr sz="1000"/>
             </a:lvl9pPr>
           </a:lstStyle>
           <a:p>
@@ -2440,7 +3042,7 @@
           <a:p>
             <a:fld id="{2A5EC333-3D49-4D2E-9FAB-664F2FE907BE}" type="datetimeFigureOut">
               <a:rPr kumimoji="1" lang="ja-JP" altLang="en-US" smtClean="0"/>
-              <a:t>2023/2/12</a:t>
+              <a:t>2023/2/19</a:t>
             </a:fld>
             <a:endParaRPr kumimoji="1" lang="ja-JP" altLang="en-US"/>
           </a:p>
@@ -2491,7 +3093,7 @@
     </p:spTree>
     <p:extLst>
       <p:ext uri="{BB962C8B-B14F-4D97-AF65-F5344CB8AC3E}">
-        <p14:creationId xmlns:p14="http://schemas.microsoft.com/office/powerpoint/2010/main" val="1348368383"/>
+        <p14:creationId xmlns:p14="http://schemas.microsoft.com/office/powerpoint/2010/main" val="3840159353"/>
       </p:ext>
     </p:extLst>
   </p:cSld>
@@ -2530,15 +3132,15 @@
         </p:nvSpPr>
         <p:spPr>
           <a:xfrm>
-            <a:off x="472381" y="812800"/>
-            <a:ext cx="2211884" cy="2844800"/>
+            <a:off x="839788" y="457200"/>
+            <a:ext cx="3932237" cy="1600200"/>
           </a:xfrm>
         </p:spPr>
         <p:txBody>
           <a:bodyPr anchor="b"/>
           <a:lstStyle>
             <a:lvl1pPr>
-              <a:defRPr sz="2400"/>
+              <a:defRPr sz="3200"/>
             </a:lvl1pPr>
           </a:lstStyle>
           <a:p>
@@ -2562,8 +3164,8 @@
         </p:nvSpPr>
         <p:spPr>
           <a:xfrm>
-            <a:off x="2915543" y="1755425"/>
-            <a:ext cx="3471863" cy="8664222"/>
+            <a:off x="5183188" y="987425"/>
+            <a:ext cx="6172200" cy="4873625"/>
           </a:xfrm>
         </p:spPr>
         <p:txBody>
@@ -2571,39 +3173,39 @@
           <a:lstStyle>
             <a:lvl1pPr marL="0" indent="0">
               <a:buNone/>
+              <a:defRPr sz="3200"/>
+            </a:lvl1pPr>
+            <a:lvl2pPr marL="457200" indent="0">
+              <a:buNone/>
+              <a:defRPr sz="2800"/>
+            </a:lvl2pPr>
+            <a:lvl3pPr marL="914400" indent="0">
+              <a:buNone/>
               <a:defRPr sz="2400"/>
-            </a:lvl1pPr>
-            <a:lvl2pPr marL="342900" indent="0">
+            </a:lvl3pPr>
+            <a:lvl4pPr marL="1371600" indent="0">
               <a:buNone/>
-              <a:defRPr sz="2100"/>
-            </a:lvl2pPr>
-            <a:lvl3pPr marL="685800" indent="0">
+              <a:defRPr sz="2000"/>
+            </a:lvl4pPr>
+            <a:lvl5pPr marL="1828800" indent="0">
               <a:buNone/>
-              <a:defRPr sz="1800"/>
-            </a:lvl3pPr>
-            <a:lvl4pPr marL="1028700" indent="0">
+              <a:defRPr sz="2000"/>
+            </a:lvl5pPr>
+            <a:lvl6pPr marL="2286000" indent="0">
               <a:buNone/>
-              <a:defRPr sz="1500"/>
-            </a:lvl4pPr>
-            <a:lvl5pPr marL="1371600" indent="0">
+              <a:defRPr sz="2000"/>
+            </a:lvl6pPr>
+            <a:lvl7pPr marL="2743200" indent="0">
               <a:buNone/>
-              <a:defRPr sz="1500"/>
-            </a:lvl5pPr>
-            <a:lvl6pPr marL="1714500" indent="0">
+              <a:defRPr sz="2000"/>
+            </a:lvl7pPr>
+            <a:lvl8pPr marL="3200400" indent="0">
               <a:buNone/>
-              <a:defRPr sz="1500"/>
-            </a:lvl6pPr>
-            <a:lvl7pPr marL="2057400" indent="0">
+              <a:defRPr sz="2000"/>
+            </a:lvl8pPr>
+            <a:lvl9pPr marL="3657600" indent="0">
               <a:buNone/>
-              <a:defRPr sz="1500"/>
-            </a:lvl7pPr>
-            <a:lvl8pPr marL="2400300" indent="0">
-              <a:buNone/>
-              <a:defRPr sz="1500"/>
-            </a:lvl8pPr>
-            <a:lvl9pPr marL="2743200" indent="0">
-              <a:buNone/>
-              <a:defRPr sz="1500"/>
+              <a:defRPr sz="2000"/>
             </a:lvl9pPr>
           </a:lstStyle>
           <a:p>
@@ -2627,8 +3229,8 @@
         </p:nvSpPr>
         <p:spPr>
           <a:xfrm>
-            <a:off x="472381" y="3657600"/>
-            <a:ext cx="2211884" cy="6776156"/>
+            <a:off x="839788" y="2057400"/>
+            <a:ext cx="3932237" cy="3811588"/>
           </a:xfrm>
         </p:spPr>
         <p:txBody>
@@ -2636,39 +3238,39 @@
           <a:lstStyle>
             <a:lvl1pPr marL="0" indent="0">
               <a:buNone/>
+              <a:defRPr sz="1600"/>
+            </a:lvl1pPr>
+            <a:lvl2pPr marL="457200" indent="0">
+              <a:buNone/>
+              <a:defRPr sz="1400"/>
+            </a:lvl2pPr>
+            <a:lvl3pPr marL="914400" indent="0">
+              <a:buNone/>
               <a:defRPr sz="1200"/>
-            </a:lvl1pPr>
-            <a:lvl2pPr marL="342900" indent="0">
+            </a:lvl3pPr>
+            <a:lvl4pPr marL="1371600" indent="0">
               <a:buNone/>
-              <a:defRPr sz="1050"/>
-            </a:lvl2pPr>
-            <a:lvl3pPr marL="685800" indent="0">
+              <a:defRPr sz="1000"/>
+            </a:lvl4pPr>
+            <a:lvl5pPr marL="1828800" indent="0">
               <a:buNone/>
-              <a:defRPr sz="900"/>
-            </a:lvl3pPr>
-            <a:lvl4pPr marL="1028700" indent="0">
+              <a:defRPr sz="1000"/>
+            </a:lvl5pPr>
+            <a:lvl6pPr marL="2286000" indent="0">
               <a:buNone/>
-              <a:defRPr sz="750"/>
-            </a:lvl4pPr>
-            <a:lvl5pPr marL="1371600" indent="0">
+              <a:defRPr sz="1000"/>
+            </a:lvl6pPr>
+            <a:lvl7pPr marL="2743200" indent="0">
               <a:buNone/>
-              <a:defRPr sz="750"/>
-            </a:lvl5pPr>
-            <a:lvl6pPr marL="1714500" indent="0">
+              <a:defRPr sz="1000"/>
+            </a:lvl7pPr>
+            <a:lvl8pPr marL="3200400" indent="0">
               <a:buNone/>
-              <a:defRPr sz="750"/>
-            </a:lvl6pPr>
-            <a:lvl7pPr marL="2057400" indent="0">
+              <a:defRPr sz="1000"/>
+            </a:lvl8pPr>
+            <a:lvl9pPr marL="3657600" indent="0">
               <a:buNone/>
-              <a:defRPr sz="750"/>
-            </a:lvl7pPr>
-            <a:lvl8pPr marL="2400300" indent="0">
-              <a:buNone/>
-              <a:defRPr sz="750"/>
-            </a:lvl8pPr>
-            <a:lvl9pPr marL="2743200" indent="0">
-              <a:buNone/>
-              <a:defRPr sz="750"/>
+              <a:defRPr sz="1000"/>
             </a:lvl9pPr>
           </a:lstStyle>
           <a:p>
@@ -2697,7 +3299,7 @@
           <a:p>
             <a:fld id="{2A5EC333-3D49-4D2E-9FAB-664F2FE907BE}" type="datetimeFigureOut">
               <a:rPr kumimoji="1" lang="ja-JP" altLang="en-US" smtClean="0"/>
-              <a:t>2023/2/12</a:t>
+              <a:t>2023/2/19</a:t>
             </a:fld>
             <a:endParaRPr kumimoji="1" lang="ja-JP" altLang="en-US"/>
           </a:p>
@@ -2748,7 +3350,7 @@
     </p:spTree>
     <p:extLst>
       <p:ext uri="{BB962C8B-B14F-4D97-AF65-F5344CB8AC3E}">
-        <p14:creationId xmlns:p14="http://schemas.microsoft.com/office/powerpoint/2010/main" val="2498618477"/>
+        <p14:creationId xmlns:p14="http://schemas.microsoft.com/office/powerpoint/2010/main" val="2523358351"/>
       </p:ext>
     </p:extLst>
   </p:cSld>
@@ -2792,8 +3394,8 @@
         </p:nvSpPr>
         <p:spPr>
           <a:xfrm>
-            <a:off x="471488" y="649114"/>
-            <a:ext cx="5915025" cy="2356556"/>
+            <a:off x="838200" y="365125"/>
+            <a:ext cx="10515600" cy="1325563"/>
           </a:xfrm>
           <a:prstGeom prst="rect">
             <a:avLst/>
@@ -2825,8 +3427,8 @@
         </p:nvSpPr>
         <p:spPr>
           <a:xfrm>
-            <a:off x="471488" y="3245556"/>
-            <a:ext cx="5915025" cy="7735712"/>
+            <a:off x="838200" y="1825625"/>
+            <a:ext cx="10515600" cy="4351338"/>
           </a:xfrm>
           <a:prstGeom prst="rect">
             <a:avLst/>
@@ -2919,8 +3521,8 @@
         </p:nvSpPr>
         <p:spPr>
           <a:xfrm>
-            <a:off x="471488" y="11300181"/>
-            <a:ext cx="1543050" cy="649111"/>
+            <a:off x="838200" y="6356350"/>
+            <a:ext cx="2743200" cy="365125"/>
           </a:xfrm>
           <a:prstGeom prst="rect">
             <a:avLst/>
@@ -2930,7 +3532,7 @@
           <a:bodyPr vert="horz" lIns="91440" tIns="45720" rIns="91440" bIns="45720" rtlCol="0" anchor="ctr"/>
           <a:lstStyle>
             <a:lvl1pPr algn="l">
-              <a:defRPr sz="900">
+              <a:defRPr sz="1200">
                 <a:solidFill>
                   <a:schemeClr val="tx1">
                     <a:tint val="75000"/>
@@ -2942,7 +3544,7 @@
           <a:p>
             <a:fld id="{2A5EC333-3D49-4D2E-9FAB-664F2FE907BE}" type="datetimeFigureOut">
               <a:rPr kumimoji="1" lang="ja-JP" altLang="en-US" smtClean="0"/>
-              <a:t>2023/2/12</a:t>
+              <a:t>2023/2/19</a:t>
             </a:fld>
             <a:endParaRPr kumimoji="1" lang="ja-JP" altLang="en-US"/>
           </a:p>
@@ -2960,8 +3562,8 @@
         </p:nvSpPr>
         <p:spPr>
           <a:xfrm>
-            <a:off x="2271713" y="11300181"/>
-            <a:ext cx="2314575" cy="649111"/>
+            <a:off x="4038600" y="6356350"/>
+            <a:ext cx="4114800" cy="365125"/>
           </a:xfrm>
           <a:prstGeom prst="rect">
             <a:avLst/>
@@ -2971,7 +3573,7 @@
           <a:bodyPr vert="horz" lIns="91440" tIns="45720" rIns="91440" bIns="45720" rtlCol="0" anchor="ctr"/>
           <a:lstStyle>
             <a:lvl1pPr algn="ctr">
-              <a:defRPr sz="900">
+              <a:defRPr sz="1200">
                 <a:solidFill>
                   <a:schemeClr val="tx1">
                     <a:tint val="75000"/>
@@ -2997,8 +3599,8 @@
         </p:nvSpPr>
         <p:spPr>
           <a:xfrm>
-            <a:off x="4843463" y="11300181"/>
-            <a:ext cx="1543050" cy="649111"/>
+            <a:off x="8610600" y="6356350"/>
+            <a:ext cx="2743200" cy="365125"/>
           </a:xfrm>
           <a:prstGeom prst="rect">
             <a:avLst/>
@@ -3008,7 +3610,7 @@
           <a:bodyPr vert="horz" lIns="91440" tIns="45720" rIns="91440" bIns="45720" rtlCol="0" anchor="ctr"/>
           <a:lstStyle>
             <a:lvl1pPr algn="r">
-              <a:defRPr sz="900">
+              <a:defRPr sz="1200">
                 <a:solidFill>
                   <a:schemeClr val="tx1">
                     <a:tint val="75000"/>
@@ -3029,27 +3631,27 @@
     </p:spTree>
     <p:extLst>
       <p:ext uri="{BB962C8B-B14F-4D97-AF65-F5344CB8AC3E}">
-        <p14:creationId xmlns:p14="http://schemas.microsoft.com/office/powerpoint/2010/main" val="3968527275"/>
+        <p14:creationId xmlns:p14="http://schemas.microsoft.com/office/powerpoint/2010/main" val="4158636274"/>
       </p:ext>
     </p:extLst>
   </p:cSld>
   <p:clrMap bg1="lt1" tx1="dk1" bg2="lt2" tx2="dk2" accent1="accent1" accent2="accent2" accent3="accent3" accent4="accent4" accent5="accent5" accent6="accent6" hlink="hlink" folHlink="folHlink"/>
   <p:sldLayoutIdLst>
-    <p:sldLayoutId id="2147483661" r:id="rId1"/>
-    <p:sldLayoutId id="2147483662" r:id="rId2"/>
-    <p:sldLayoutId id="2147483663" r:id="rId3"/>
-    <p:sldLayoutId id="2147483664" r:id="rId4"/>
-    <p:sldLayoutId id="2147483665" r:id="rId5"/>
-    <p:sldLayoutId id="2147483666" r:id="rId6"/>
-    <p:sldLayoutId id="2147483667" r:id="rId7"/>
-    <p:sldLayoutId id="2147483668" r:id="rId8"/>
-    <p:sldLayoutId id="2147483669" r:id="rId9"/>
-    <p:sldLayoutId id="2147483670" r:id="rId10"/>
-    <p:sldLayoutId id="2147483671" r:id="rId11"/>
+    <p:sldLayoutId id="2147483673" r:id="rId1"/>
+    <p:sldLayoutId id="2147483674" r:id="rId2"/>
+    <p:sldLayoutId id="2147483675" r:id="rId3"/>
+    <p:sldLayoutId id="2147483676" r:id="rId4"/>
+    <p:sldLayoutId id="2147483677" r:id="rId5"/>
+    <p:sldLayoutId id="2147483678" r:id="rId6"/>
+    <p:sldLayoutId id="2147483679" r:id="rId7"/>
+    <p:sldLayoutId id="2147483680" r:id="rId8"/>
+    <p:sldLayoutId id="2147483681" r:id="rId9"/>
+    <p:sldLayoutId id="2147483682" r:id="rId10"/>
+    <p:sldLayoutId id="2147483683" r:id="rId11"/>
   </p:sldLayoutIdLst>
   <p:txStyles>
     <p:titleStyle>
-      <a:lvl1pPr algn="l" defTabSz="685800" rtl="0" eaLnBrk="1" latinLnBrk="0" hangingPunct="1">
+      <a:lvl1pPr algn="l" defTabSz="914400" rtl="0" eaLnBrk="1" latinLnBrk="0" hangingPunct="1">
         <a:lnSpc>
           <a:spcPct val="90000"/>
         </a:lnSpc>
@@ -3057,7 +3659,7 @@
           <a:spcPct val="0"/>
         </a:spcBef>
         <a:buNone/>
-        <a:defRPr kumimoji="1" sz="3300" kern="1200">
+        <a:defRPr kumimoji="1" sz="4400" kern="1200">
           <a:solidFill>
             <a:schemeClr val="tx1"/>
           </a:solidFill>
@@ -3068,16 +3670,16 @@
       </a:lvl1pPr>
     </p:titleStyle>
     <p:bodyStyle>
-      <a:lvl1pPr marL="171450" indent="-171450" algn="l" defTabSz="685800" rtl="0" eaLnBrk="1" latinLnBrk="0" hangingPunct="1">
+      <a:lvl1pPr marL="228600" indent="-228600" algn="l" defTabSz="914400" rtl="0" eaLnBrk="1" latinLnBrk="0" hangingPunct="1">
         <a:lnSpc>
           <a:spcPct val="90000"/>
         </a:lnSpc>
         <a:spcBef>
-          <a:spcPts val="750"/>
+          <a:spcPts val="1000"/>
         </a:spcBef>
         <a:buFont typeface="Arial" panose="020B0604020202020204" pitchFamily="34" charset="0"/>
         <a:buChar char="•"/>
-        <a:defRPr kumimoji="1" sz="2100" kern="1200">
+        <a:defRPr kumimoji="1" sz="2800" kern="1200">
           <a:solidFill>
             <a:schemeClr val="tx1"/>
           </a:solidFill>
@@ -3086,12 +3688,48 @@
           <a:cs typeface="+mn-cs"/>
         </a:defRPr>
       </a:lvl1pPr>
-      <a:lvl2pPr marL="514350" indent="-171450" algn="l" defTabSz="685800" rtl="0" eaLnBrk="1" latinLnBrk="0" hangingPunct="1">
+      <a:lvl2pPr marL="685800" indent="-228600" algn="l" defTabSz="914400" rtl="0" eaLnBrk="1" latinLnBrk="0" hangingPunct="1">
         <a:lnSpc>
           <a:spcPct val="90000"/>
         </a:lnSpc>
         <a:spcBef>
-          <a:spcPts val="375"/>
+          <a:spcPts val="500"/>
+        </a:spcBef>
+        <a:buFont typeface="Arial" panose="020B0604020202020204" pitchFamily="34" charset="0"/>
+        <a:buChar char="•"/>
+        <a:defRPr kumimoji="1" sz="2400" kern="1200">
+          <a:solidFill>
+            <a:schemeClr val="tx1"/>
+          </a:solidFill>
+          <a:latin typeface="+mn-lt"/>
+          <a:ea typeface="+mn-ea"/>
+          <a:cs typeface="+mn-cs"/>
+        </a:defRPr>
+      </a:lvl2pPr>
+      <a:lvl3pPr marL="1143000" indent="-228600" algn="l" defTabSz="914400" rtl="0" eaLnBrk="1" latinLnBrk="0" hangingPunct="1">
+        <a:lnSpc>
+          <a:spcPct val="90000"/>
+        </a:lnSpc>
+        <a:spcBef>
+          <a:spcPts val="500"/>
+        </a:spcBef>
+        <a:buFont typeface="Arial" panose="020B0604020202020204" pitchFamily="34" charset="0"/>
+        <a:buChar char="•"/>
+        <a:defRPr kumimoji="1" sz="2000" kern="1200">
+          <a:solidFill>
+            <a:schemeClr val="tx1"/>
+          </a:solidFill>
+          <a:latin typeface="+mn-lt"/>
+          <a:ea typeface="+mn-ea"/>
+          <a:cs typeface="+mn-cs"/>
+        </a:defRPr>
+      </a:lvl3pPr>
+      <a:lvl4pPr marL="1600200" indent="-228600" algn="l" defTabSz="914400" rtl="0" eaLnBrk="1" latinLnBrk="0" hangingPunct="1">
+        <a:lnSpc>
+          <a:spcPct val="90000"/>
+        </a:lnSpc>
+        <a:spcBef>
+          <a:spcPts val="500"/>
         </a:spcBef>
         <a:buFont typeface="Arial" panose="020B0604020202020204" pitchFamily="34" charset="0"/>
         <a:buChar char="•"/>
@@ -3103,53 +3741,17 @@
           <a:ea typeface="+mn-ea"/>
           <a:cs typeface="+mn-cs"/>
         </a:defRPr>
-      </a:lvl2pPr>
-      <a:lvl3pPr marL="857250" indent="-171450" algn="l" defTabSz="685800" rtl="0" eaLnBrk="1" latinLnBrk="0" hangingPunct="1">
+      </a:lvl4pPr>
+      <a:lvl5pPr marL="2057400" indent="-228600" algn="l" defTabSz="914400" rtl="0" eaLnBrk="1" latinLnBrk="0" hangingPunct="1">
         <a:lnSpc>
           <a:spcPct val="90000"/>
         </a:lnSpc>
         <a:spcBef>
-          <a:spcPts val="375"/>
+          <a:spcPts val="500"/>
         </a:spcBef>
         <a:buFont typeface="Arial" panose="020B0604020202020204" pitchFamily="34" charset="0"/>
         <a:buChar char="•"/>
-        <a:defRPr kumimoji="1" sz="1500" kern="1200">
-          <a:solidFill>
-            <a:schemeClr val="tx1"/>
-          </a:solidFill>
-          <a:latin typeface="+mn-lt"/>
-          <a:ea typeface="+mn-ea"/>
-          <a:cs typeface="+mn-cs"/>
-        </a:defRPr>
-      </a:lvl3pPr>
-      <a:lvl4pPr marL="1200150" indent="-171450" algn="l" defTabSz="685800" rtl="0" eaLnBrk="1" latinLnBrk="0" hangingPunct="1">
-        <a:lnSpc>
-          <a:spcPct val="90000"/>
-        </a:lnSpc>
-        <a:spcBef>
-          <a:spcPts val="375"/>
-        </a:spcBef>
-        <a:buFont typeface="Arial" panose="020B0604020202020204" pitchFamily="34" charset="0"/>
-        <a:buChar char="•"/>
-        <a:defRPr kumimoji="1" sz="1350" kern="1200">
-          <a:solidFill>
-            <a:schemeClr val="tx1"/>
-          </a:solidFill>
-          <a:latin typeface="+mn-lt"/>
-          <a:ea typeface="+mn-ea"/>
-          <a:cs typeface="+mn-cs"/>
-        </a:defRPr>
-      </a:lvl4pPr>
-      <a:lvl5pPr marL="1543050" indent="-171450" algn="l" defTabSz="685800" rtl="0" eaLnBrk="1" latinLnBrk="0" hangingPunct="1">
-        <a:lnSpc>
-          <a:spcPct val="90000"/>
-        </a:lnSpc>
-        <a:spcBef>
-          <a:spcPts val="375"/>
-        </a:spcBef>
-        <a:buFont typeface="Arial" panose="020B0604020202020204" pitchFamily="34" charset="0"/>
-        <a:buChar char="•"/>
-        <a:defRPr kumimoji="1" sz="1350" kern="1200">
+        <a:defRPr kumimoji="1" sz="1800" kern="1200">
           <a:solidFill>
             <a:schemeClr val="tx1"/>
           </a:solidFill>
@@ -3158,16 +3760,16 @@
           <a:cs typeface="+mn-cs"/>
         </a:defRPr>
       </a:lvl5pPr>
-      <a:lvl6pPr marL="1885950" indent="-171450" algn="l" defTabSz="685800" rtl="0" eaLnBrk="1" latinLnBrk="0" hangingPunct="1">
+      <a:lvl6pPr marL="2514600" indent="-228600" algn="l" defTabSz="914400" rtl="0" eaLnBrk="1" latinLnBrk="0" hangingPunct="1">
         <a:lnSpc>
           <a:spcPct val="90000"/>
         </a:lnSpc>
         <a:spcBef>
-          <a:spcPts val="375"/>
+          <a:spcPts val="500"/>
         </a:spcBef>
         <a:buFont typeface="Arial" panose="020B0604020202020204" pitchFamily="34" charset="0"/>
         <a:buChar char="•"/>
-        <a:defRPr kumimoji="1" sz="1350" kern="1200">
+        <a:defRPr kumimoji="1" sz="1800" kern="1200">
           <a:solidFill>
             <a:schemeClr val="tx1"/>
           </a:solidFill>
@@ -3176,16 +3778,16 @@
           <a:cs typeface="+mn-cs"/>
         </a:defRPr>
       </a:lvl6pPr>
-      <a:lvl7pPr marL="2228850" indent="-171450" algn="l" defTabSz="685800" rtl="0" eaLnBrk="1" latinLnBrk="0" hangingPunct="1">
+      <a:lvl7pPr marL="2971800" indent="-228600" algn="l" defTabSz="914400" rtl="0" eaLnBrk="1" latinLnBrk="0" hangingPunct="1">
         <a:lnSpc>
           <a:spcPct val="90000"/>
         </a:lnSpc>
         <a:spcBef>
-          <a:spcPts val="375"/>
+          <a:spcPts val="500"/>
         </a:spcBef>
         <a:buFont typeface="Arial" panose="020B0604020202020204" pitchFamily="34" charset="0"/>
         <a:buChar char="•"/>
-        <a:defRPr kumimoji="1" sz="1350" kern="1200">
+        <a:defRPr kumimoji="1" sz="1800" kern="1200">
           <a:solidFill>
             <a:schemeClr val="tx1"/>
           </a:solidFill>
@@ -3194,16 +3796,16 @@
           <a:cs typeface="+mn-cs"/>
         </a:defRPr>
       </a:lvl7pPr>
-      <a:lvl8pPr marL="2571750" indent="-171450" algn="l" defTabSz="685800" rtl="0" eaLnBrk="1" latinLnBrk="0" hangingPunct="1">
+      <a:lvl8pPr marL="3429000" indent="-228600" algn="l" defTabSz="914400" rtl="0" eaLnBrk="1" latinLnBrk="0" hangingPunct="1">
         <a:lnSpc>
           <a:spcPct val="90000"/>
         </a:lnSpc>
         <a:spcBef>
-          <a:spcPts val="375"/>
+          <a:spcPts val="500"/>
         </a:spcBef>
         <a:buFont typeface="Arial" panose="020B0604020202020204" pitchFamily="34" charset="0"/>
         <a:buChar char="•"/>
-        <a:defRPr kumimoji="1" sz="1350" kern="1200">
+        <a:defRPr kumimoji="1" sz="1800" kern="1200">
           <a:solidFill>
             <a:schemeClr val="tx1"/>
           </a:solidFill>
@@ -3212,16 +3814,16 @@
           <a:cs typeface="+mn-cs"/>
         </a:defRPr>
       </a:lvl8pPr>
-      <a:lvl9pPr marL="2914650" indent="-171450" algn="l" defTabSz="685800" rtl="0" eaLnBrk="1" latinLnBrk="0" hangingPunct="1">
+      <a:lvl9pPr marL="3886200" indent="-228600" algn="l" defTabSz="914400" rtl="0" eaLnBrk="1" latinLnBrk="0" hangingPunct="1">
         <a:lnSpc>
           <a:spcPct val="90000"/>
         </a:lnSpc>
         <a:spcBef>
-          <a:spcPts val="375"/>
+          <a:spcPts val="500"/>
         </a:spcBef>
         <a:buFont typeface="Arial" panose="020B0604020202020204" pitchFamily="34" charset="0"/>
         <a:buChar char="•"/>
-        <a:defRPr kumimoji="1" sz="1350" kern="1200">
+        <a:defRPr kumimoji="1" sz="1800" kern="1200">
           <a:solidFill>
             <a:schemeClr val="tx1"/>
           </a:solidFill>
@@ -3235,8 +3837,8 @@
       <a:defPPr>
         <a:defRPr lang="en-US"/>
       </a:defPPr>
-      <a:lvl1pPr marL="0" algn="l" defTabSz="685800" rtl="0" eaLnBrk="1" latinLnBrk="0" hangingPunct="1">
-        <a:defRPr kumimoji="1" sz="1350" kern="1200">
+      <a:lvl1pPr marL="0" algn="l" defTabSz="914400" rtl="0" eaLnBrk="1" latinLnBrk="0" hangingPunct="1">
+        <a:defRPr kumimoji="1" sz="1800" kern="1200">
           <a:solidFill>
             <a:schemeClr val="tx1"/>
           </a:solidFill>
@@ -3245,8 +3847,8 @@
           <a:cs typeface="+mn-cs"/>
         </a:defRPr>
       </a:lvl1pPr>
-      <a:lvl2pPr marL="342900" algn="l" defTabSz="685800" rtl="0" eaLnBrk="1" latinLnBrk="0" hangingPunct="1">
-        <a:defRPr kumimoji="1" sz="1350" kern="1200">
+      <a:lvl2pPr marL="457200" algn="l" defTabSz="914400" rtl="0" eaLnBrk="1" latinLnBrk="0" hangingPunct="1">
+        <a:defRPr kumimoji="1" sz="1800" kern="1200">
           <a:solidFill>
             <a:schemeClr val="tx1"/>
           </a:solidFill>
@@ -3255,8 +3857,8 @@
           <a:cs typeface="+mn-cs"/>
         </a:defRPr>
       </a:lvl2pPr>
-      <a:lvl3pPr marL="685800" algn="l" defTabSz="685800" rtl="0" eaLnBrk="1" latinLnBrk="0" hangingPunct="1">
-        <a:defRPr kumimoji="1" sz="1350" kern="1200">
+      <a:lvl3pPr marL="914400" algn="l" defTabSz="914400" rtl="0" eaLnBrk="1" latinLnBrk="0" hangingPunct="1">
+        <a:defRPr kumimoji="1" sz="1800" kern="1200">
           <a:solidFill>
             <a:schemeClr val="tx1"/>
           </a:solidFill>
@@ -3265,8 +3867,8 @@
           <a:cs typeface="+mn-cs"/>
         </a:defRPr>
       </a:lvl3pPr>
-      <a:lvl4pPr marL="1028700" algn="l" defTabSz="685800" rtl="0" eaLnBrk="1" latinLnBrk="0" hangingPunct="1">
-        <a:defRPr kumimoji="1" sz="1350" kern="1200">
+      <a:lvl4pPr marL="1371600" algn="l" defTabSz="914400" rtl="0" eaLnBrk="1" latinLnBrk="0" hangingPunct="1">
+        <a:defRPr kumimoji="1" sz="1800" kern="1200">
           <a:solidFill>
             <a:schemeClr val="tx1"/>
           </a:solidFill>
@@ -3275,8 +3877,8 @@
           <a:cs typeface="+mn-cs"/>
         </a:defRPr>
       </a:lvl4pPr>
-      <a:lvl5pPr marL="1371600" algn="l" defTabSz="685800" rtl="0" eaLnBrk="1" latinLnBrk="0" hangingPunct="1">
-        <a:defRPr kumimoji="1" sz="1350" kern="1200">
+      <a:lvl5pPr marL="1828800" algn="l" defTabSz="914400" rtl="0" eaLnBrk="1" latinLnBrk="0" hangingPunct="1">
+        <a:defRPr kumimoji="1" sz="1800" kern="1200">
           <a:solidFill>
             <a:schemeClr val="tx1"/>
           </a:solidFill>
@@ -3285,8 +3887,8 @@
           <a:cs typeface="+mn-cs"/>
         </a:defRPr>
       </a:lvl5pPr>
-      <a:lvl6pPr marL="1714500" algn="l" defTabSz="685800" rtl="0" eaLnBrk="1" latinLnBrk="0" hangingPunct="1">
-        <a:defRPr kumimoji="1" sz="1350" kern="1200">
+      <a:lvl6pPr marL="2286000" algn="l" defTabSz="914400" rtl="0" eaLnBrk="1" latinLnBrk="0" hangingPunct="1">
+        <a:defRPr kumimoji="1" sz="1800" kern="1200">
           <a:solidFill>
             <a:schemeClr val="tx1"/>
           </a:solidFill>
@@ -3295,8 +3897,8 @@
           <a:cs typeface="+mn-cs"/>
         </a:defRPr>
       </a:lvl6pPr>
-      <a:lvl7pPr marL="2057400" algn="l" defTabSz="685800" rtl="0" eaLnBrk="1" latinLnBrk="0" hangingPunct="1">
-        <a:defRPr kumimoji="1" sz="1350" kern="1200">
+      <a:lvl7pPr marL="2743200" algn="l" defTabSz="914400" rtl="0" eaLnBrk="1" latinLnBrk="0" hangingPunct="1">
+        <a:defRPr kumimoji="1" sz="1800" kern="1200">
           <a:solidFill>
             <a:schemeClr val="tx1"/>
           </a:solidFill>
@@ -3305,8 +3907,8 @@
           <a:cs typeface="+mn-cs"/>
         </a:defRPr>
       </a:lvl7pPr>
-      <a:lvl8pPr marL="2400300" algn="l" defTabSz="685800" rtl="0" eaLnBrk="1" latinLnBrk="0" hangingPunct="1">
-        <a:defRPr kumimoji="1" sz="1350" kern="1200">
+      <a:lvl8pPr marL="3200400" algn="l" defTabSz="914400" rtl="0" eaLnBrk="1" latinLnBrk="0" hangingPunct="1">
+        <a:defRPr kumimoji="1" sz="1800" kern="1200">
           <a:solidFill>
             <a:schemeClr val="tx1"/>
           </a:solidFill>
@@ -3315,8 +3917,8 @@
           <a:cs typeface="+mn-cs"/>
         </a:defRPr>
       </a:lvl8pPr>
-      <a:lvl9pPr marL="2743200" algn="l" defTabSz="685800" rtl="0" eaLnBrk="1" latinLnBrk="0" hangingPunct="1">
-        <a:defRPr kumimoji="1" sz="1350" kern="1200">
+      <a:lvl9pPr marL="3657600" algn="l" defTabSz="914400" rtl="0" eaLnBrk="1" latinLnBrk="0" hangingPunct="1">
+        <a:defRPr kumimoji="1" sz="1800" kern="1200">
           <a:solidFill>
             <a:schemeClr val="tx1"/>
           </a:solidFill>
@@ -3352,7 +3954,7 @@
           <p:cNvPr id="4" name="テキスト ボックス 3">
             <a:extLst>
               <a:ext uri="{FF2B5EF4-FFF2-40B4-BE49-F238E27FC236}">
-                <a16:creationId xmlns:a16="http://schemas.microsoft.com/office/drawing/2014/main" id="{B1B2F5F1-D75F-A4A0-B509-77F82BC3B75F}"/>
+                <a16:creationId xmlns:a16="http://schemas.microsoft.com/office/drawing/2014/main" id="{61D950B6-5465-4B71-222E-B2D9017DE74E}"/>
               </a:ext>
             </a:extLst>
           </p:cNvPr>
@@ -3361,8 +3963,8 @@
         </p:nvSpPr>
         <p:spPr>
           <a:xfrm>
-            <a:off x="655320" y="746760"/>
-            <a:ext cx="1338828" cy="7848302"/>
+            <a:off x="4157007" y="406400"/>
+            <a:ext cx="3877985" cy="584775"/>
           </a:xfrm>
           <a:prstGeom prst="rect">
             <a:avLst/>
@@ -3376,123 +3978,9 @@
           <a:lstStyle/>
           <a:p>
             <a:r>
-              <a:rPr kumimoji="1" lang="ja-JP" altLang="en-US" dirty="0"/>
-              <a:t>ああああ</a:t>
-            </a:r>
-            <a:endParaRPr kumimoji="1" lang="en-US" altLang="ja-JP" dirty="0"/>
-          </a:p>
-          <a:p>
-            <a:endParaRPr kumimoji="1" lang="en-US" altLang="ja-JP" dirty="0"/>
-          </a:p>
-          <a:p>
-            <a:endParaRPr kumimoji="1" lang="en-US" altLang="ja-JP" dirty="0"/>
-          </a:p>
-          <a:p>
-            <a:endParaRPr kumimoji="1" lang="en-US" altLang="ja-JP" dirty="0"/>
-          </a:p>
-          <a:p>
-            <a:r>
-              <a:rPr kumimoji="1" lang="ja-JP" altLang="en-US" dirty="0"/>
-              <a:t>あ</a:t>
-            </a:r>
-            <a:endParaRPr kumimoji="1" lang="en-US" altLang="ja-JP" dirty="0"/>
-          </a:p>
-          <a:p>
-            <a:endParaRPr kumimoji="1" lang="en-US" altLang="ja-JP" dirty="0"/>
-          </a:p>
-          <a:p>
-            <a:r>
-              <a:rPr kumimoji="1" lang="ja-JP" altLang="en-US" dirty="0"/>
-              <a:t>あああああ</a:t>
-            </a:r>
-            <a:endParaRPr kumimoji="1" lang="en-US" altLang="ja-JP" dirty="0"/>
-          </a:p>
-          <a:p>
-            <a:endParaRPr kumimoji="1" lang="en-US" altLang="ja-JP" dirty="0"/>
-          </a:p>
-          <a:p>
-            <a:endParaRPr kumimoji="1" lang="en-US" altLang="ja-JP" dirty="0"/>
-          </a:p>
-          <a:p>
-            <a:endParaRPr kumimoji="1" lang="en-US" altLang="ja-JP" dirty="0"/>
-          </a:p>
-          <a:p>
-            <a:r>
-              <a:rPr kumimoji="1" lang="ja-JP" altLang="en-US" dirty="0"/>
-              <a:t>ああ</a:t>
-            </a:r>
-            <a:endParaRPr kumimoji="1" lang="en-US" altLang="ja-JP" dirty="0"/>
-          </a:p>
-          <a:p>
-            <a:endParaRPr kumimoji="1" lang="en-US" altLang="ja-JP" dirty="0"/>
-          </a:p>
-          <a:p>
-            <a:endParaRPr kumimoji="1" lang="en-US" altLang="ja-JP" dirty="0"/>
-          </a:p>
-          <a:p>
-            <a:endParaRPr kumimoji="1" lang="en-US" altLang="ja-JP" dirty="0"/>
-          </a:p>
-          <a:p>
-            <a:r>
-              <a:rPr kumimoji="1" lang="ja-JP" altLang="en-US" dirty="0"/>
-              <a:t>ああ</a:t>
-            </a:r>
-            <a:endParaRPr kumimoji="1" lang="en-US" altLang="ja-JP" dirty="0"/>
-          </a:p>
-          <a:p>
-            <a:endParaRPr kumimoji="1" lang="en-US" altLang="ja-JP" dirty="0"/>
-          </a:p>
-          <a:p>
-            <a:endParaRPr kumimoji="1" lang="en-US" altLang="ja-JP" dirty="0"/>
-          </a:p>
-          <a:p>
-            <a:r>
-              <a:rPr kumimoji="1" lang="ja-JP" altLang="en-US" dirty="0"/>
-              <a:t>あ</a:t>
-            </a:r>
-            <a:endParaRPr kumimoji="1" lang="en-US" altLang="ja-JP" dirty="0"/>
-          </a:p>
-          <a:p>
-            <a:r>
-              <a:rPr kumimoji="1" lang="ja-JP" altLang="en-US" dirty="0"/>
-              <a:t>あああ</a:t>
-            </a:r>
-            <a:endParaRPr kumimoji="1" lang="en-US" altLang="ja-JP" dirty="0"/>
-          </a:p>
-          <a:p>
-            <a:endParaRPr kumimoji="1" lang="en-US" altLang="ja-JP" dirty="0"/>
-          </a:p>
-          <a:p>
-            <a:endParaRPr kumimoji="1" lang="en-US" altLang="ja-JP" dirty="0"/>
-          </a:p>
-          <a:p>
-            <a:endParaRPr kumimoji="1" lang="en-US" altLang="ja-JP" dirty="0"/>
-          </a:p>
-          <a:p>
-            <a:r>
-              <a:rPr kumimoji="1" lang="ja-JP" altLang="en-US" dirty="0"/>
-              <a:t>ああ</a:t>
-            </a:r>
-            <a:endParaRPr kumimoji="1" lang="en-US" altLang="ja-JP" dirty="0"/>
-          </a:p>
-          <a:p>
-            <a:endParaRPr kumimoji="1" lang="en-US" altLang="ja-JP" dirty="0"/>
-          </a:p>
-          <a:p>
-            <a:endParaRPr kumimoji="1" lang="en-US" altLang="ja-JP" dirty="0"/>
-          </a:p>
-          <a:p>
-            <a:r>
-              <a:rPr kumimoji="1" lang="ja-JP" altLang="en-US" dirty="0"/>
-              <a:t>あああ</a:t>
-            </a:r>
-            <a:endParaRPr kumimoji="1" lang="en-US" altLang="ja-JP" dirty="0"/>
-          </a:p>
-          <a:p>
-            <a:endParaRPr kumimoji="1" lang="en-US" altLang="ja-JP" dirty="0"/>
-          </a:p>
-          <a:p>
-            <a:endParaRPr kumimoji="1" lang="ja-JP" altLang="en-US" dirty="0"/>
+              <a:rPr kumimoji="1" lang="ja-JP" altLang="en-US" sz="3200" b="1" u="sng" dirty="0"/>
+              <a:t>測定アプリの使い方</a:t>
+            </a:r>
           </a:p>
         </p:txBody>
       </p:sp>
@@ -3501,7 +3989,7 @@
           <p:cNvPr id="5" name="テキスト ボックス 4">
             <a:extLst>
               <a:ext uri="{FF2B5EF4-FFF2-40B4-BE49-F238E27FC236}">
-                <a16:creationId xmlns:a16="http://schemas.microsoft.com/office/drawing/2014/main" id="{04942045-4654-2E18-2597-634BEA19395E}"/>
+                <a16:creationId xmlns:a16="http://schemas.microsoft.com/office/drawing/2014/main" id="{06AFC8DA-F58B-AAE8-0EEE-6BD1D930C843}"/>
               </a:ext>
             </a:extLst>
           </p:cNvPr>
@@ -3510,8 +3998,8 @@
         </p:nvSpPr>
         <p:spPr>
           <a:xfrm>
-            <a:off x="6096000" y="121920"/>
-            <a:ext cx="498855" cy="461665"/>
+            <a:off x="1534160" y="1351280"/>
+            <a:ext cx="3877985" cy="5640455"/>
           </a:xfrm>
           <a:prstGeom prst="rect">
             <a:avLst/>
@@ -3524,10 +4012,111 @@
           </a:bodyPr>
           <a:lstStyle/>
           <a:p>
+            <a:pPr marL="342900" indent="-342900">
+              <a:lnSpc>
+                <a:spcPct val="200000"/>
+              </a:lnSpc>
+              <a:buAutoNum type="arabicDbPeriod"/>
+            </a:pPr>
+            <a:r>
+              <a:rPr kumimoji="1" lang="ja-JP" altLang="en-US" sz="2400" dirty="0"/>
+              <a:t>対象の画像を貼り付け</a:t>
+            </a:r>
+            <a:endParaRPr kumimoji="1" lang="en-US" altLang="ja-JP" sz="2400" dirty="0"/>
+          </a:p>
+          <a:p>
+            <a:pPr marL="342900" indent="-342900">
+              <a:lnSpc>
+                <a:spcPct val="200000"/>
+              </a:lnSpc>
+              <a:buAutoNum type="arabicDbPeriod"/>
+            </a:pPr>
+            <a:r>
+              <a:rPr kumimoji="1" lang="ja-JP" altLang="en-US" sz="2400" dirty="0"/>
+              <a:t>既存寸法の設定</a:t>
+            </a:r>
+            <a:endParaRPr kumimoji="1" lang="en-US" altLang="ja-JP" sz="2400" dirty="0"/>
+          </a:p>
+          <a:p>
+            <a:pPr marL="342900" indent="-342900">
+              <a:lnSpc>
+                <a:spcPct val="200000"/>
+              </a:lnSpc>
+              <a:buAutoNum type="arabicDbPeriod"/>
+            </a:pPr>
+            <a:r>
+              <a:rPr kumimoji="1" lang="ja-JP" altLang="en-US" sz="2400" dirty="0"/>
+              <a:t>測定</a:t>
+            </a:r>
+            <a:endParaRPr kumimoji="1" lang="en-US" altLang="ja-JP" sz="2400" dirty="0"/>
+          </a:p>
+          <a:p>
+            <a:pPr marL="342900" indent="-342900">
+              <a:lnSpc>
+                <a:spcPct val="200000"/>
+              </a:lnSpc>
+              <a:buAutoNum type="arabicDbPeriod"/>
+            </a:pPr>
+            <a:r>
+              <a:rPr kumimoji="1" lang="ja-JP" altLang="en-US" sz="2400" dirty="0"/>
+              <a:t>その他</a:t>
+            </a:r>
+            <a:endParaRPr kumimoji="1" lang="en-US" altLang="ja-JP" sz="2400" dirty="0"/>
+          </a:p>
+          <a:p>
+            <a:pPr>
+              <a:lnSpc>
+                <a:spcPct val="200000"/>
+              </a:lnSpc>
+            </a:pPr>
             <a:r>
               <a:rPr kumimoji="1" lang="en-US" altLang="ja-JP" sz="2400" dirty="0"/>
-              <a:t>P1</a:t>
-            </a:r>
+              <a:t>	</a:t>
+            </a:r>
+            <a:r>
+              <a:rPr kumimoji="1" lang="ja-JP" altLang="en-US" dirty="0"/>
+              <a:t>ー測定ラベルの移動</a:t>
+            </a:r>
+            <a:endParaRPr kumimoji="1" lang="en-US" altLang="ja-JP" dirty="0"/>
+          </a:p>
+          <a:p>
+            <a:pPr>
+              <a:lnSpc>
+                <a:spcPct val="200000"/>
+              </a:lnSpc>
+            </a:pPr>
+            <a:r>
+              <a:rPr kumimoji="1" lang="en-US" altLang="ja-JP" dirty="0"/>
+              <a:t>	</a:t>
+            </a:r>
+            <a:r>
+              <a:rPr kumimoji="1" lang="ja-JP" altLang="en-US" dirty="0"/>
+              <a:t>ー測定ラベルの削除</a:t>
+            </a:r>
+            <a:endParaRPr kumimoji="1" lang="en-US" altLang="ja-JP" dirty="0"/>
+          </a:p>
+          <a:p>
+            <a:pPr>
+              <a:lnSpc>
+                <a:spcPct val="200000"/>
+              </a:lnSpc>
+            </a:pPr>
+            <a:r>
+              <a:rPr kumimoji="1" lang="en-US" altLang="ja-JP" dirty="0"/>
+              <a:t>	</a:t>
+            </a:r>
+            <a:r>
+              <a:rPr kumimoji="1" lang="ja-JP" altLang="en-US" dirty="0"/>
+              <a:t>ー測定結果のスタイル変更</a:t>
+            </a:r>
+            <a:endParaRPr kumimoji="1" lang="en-US" altLang="ja-JP" dirty="0"/>
+          </a:p>
+          <a:p>
+            <a:pPr>
+              <a:lnSpc>
+                <a:spcPct val="200000"/>
+              </a:lnSpc>
+            </a:pPr>
             <a:endParaRPr kumimoji="1" lang="ja-JP" altLang="en-US" sz="2400" dirty="0"/>
           </a:p>
         </p:txBody>
@@ -3535,7 +4124,7 @@
     </p:spTree>
     <p:extLst>
       <p:ext uri="{BB962C8B-B14F-4D97-AF65-F5344CB8AC3E}">
-        <p14:creationId xmlns:p14="http://schemas.microsoft.com/office/powerpoint/2010/main" val="1787514625"/>
+        <p14:creationId xmlns:p14="http://schemas.microsoft.com/office/powerpoint/2010/main" val="1919743845"/>
       </p:ext>
     </p:extLst>
   </p:cSld>
@@ -3562,12 +4151,53 @@
           <a:chExt cx="0" cy="0"/>
         </a:xfrm>
       </p:grpSpPr>
-      <p:sp>
-        <p:nvSpPr>
-          <p:cNvPr id="4" name="テキスト ボックス 3">
+      <p:cxnSp>
+        <p:nvCxnSpPr>
+          <p:cNvPr id="5" name="直線コネクタ 4">
             <a:extLst>
               <a:ext uri="{FF2B5EF4-FFF2-40B4-BE49-F238E27FC236}">
-                <a16:creationId xmlns:a16="http://schemas.microsoft.com/office/drawing/2014/main" id="{B1B2F5F1-D75F-A4A0-B509-77F82BC3B75F}"/>
+                <a16:creationId xmlns:a16="http://schemas.microsoft.com/office/drawing/2014/main" id="{D70E85B8-DE03-2F0B-A359-DDC33E0BF934}"/>
+              </a:ext>
+            </a:extLst>
+          </p:cNvPr>
+          <p:cNvCxnSpPr/>
+          <p:nvPr/>
+        </p:nvCxnSpPr>
+        <p:spPr>
+          <a:xfrm>
+            <a:off x="0" y="640080"/>
+            <a:ext cx="12192000" cy="0"/>
+          </a:xfrm>
+          <a:prstGeom prst="line">
+            <a:avLst/>
+          </a:prstGeom>
+          <a:ln w="28575">
+            <a:solidFill>
+              <a:schemeClr val="tx1"/>
+            </a:solidFill>
+          </a:ln>
+        </p:spPr>
+        <p:style>
+          <a:lnRef idx="1">
+            <a:schemeClr val="accent1"/>
+          </a:lnRef>
+          <a:fillRef idx="0">
+            <a:schemeClr val="accent1"/>
+          </a:fillRef>
+          <a:effectRef idx="0">
+            <a:schemeClr val="accent1"/>
+          </a:effectRef>
+          <a:fontRef idx="minor">
+            <a:schemeClr val="tx1"/>
+          </a:fontRef>
+        </p:style>
+      </p:cxnSp>
+      <p:sp>
+        <p:nvSpPr>
+          <p:cNvPr id="7" name="テキスト ボックス 6">
+            <a:extLst>
+              <a:ext uri="{FF2B5EF4-FFF2-40B4-BE49-F238E27FC236}">
+                <a16:creationId xmlns:a16="http://schemas.microsoft.com/office/drawing/2014/main" id="{697EA1EE-8BBE-F95B-587D-584F7030E600}"/>
               </a:ext>
             </a:extLst>
           </p:cNvPr>
@@ -3576,152 +4206,179 @@
         </p:nvSpPr>
         <p:spPr>
           <a:xfrm>
-            <a:off x="655320" y="746760"/>
-            <a:ext cx="1338828" cy="7848302"/>
+            <a:off x="4467860" y="0"/>
+            <a:ext cx="3256280" cy="630942"/>
           </a:xfrm>
           <a:prstGeom prst="rect">
             <a:avLst/>
           </a:prstGeom>
-          <a:solidFill>
-            <a:schemeClr val="accent4">
-              <a:lumMod val="20000"/>
-              <a:lumOff val="80000"/>
-            </a:schemeClr>
-          </a:solidFill>
-        </p:spPr>
-        <p:txBody>
-          <a:bodyPr wrap="none" rtlCol="0">
+          <a:noFill/>
+        </p:spPr>
+        <p:txBody>
+          <a:bodyPr wrap="square">
             <a:spAutoFit/>
           </a:bodyPr>
           <a:lstStyle/>
           <a:p>
-            <a:r>
-              <a:rPr kumimoji="1" lang="ja-JP" altLang="en-US" dirty="0"/>
-              <a:t>ああああ</a:t>
-            </a:r>
-            <a:endParaRPr kumimoji="1" lang="en-US" altLang="ja-JP" dirty="0"/>
-          </a:p>
-          <a:p>
-            <a:endParaRPr kumimoji="1" lang="en-US" altLang="ja-JP" dirty="0"/>
-          </a:p>
-          <a:p>
-            <a:endParaRPr kumimoji="1" lang="en-US" altLang="ja-JP" dirty="0"/>
-          </a:p>
-          <a:p>
-            <a:endParaRPr kumimoji="1" lang="en-US" altLang="ja-JP" dirty="0"/>
-          </a:p>
-          <a:p>
-            <a:r>
-              <a:rPr kumimoji="1" lang="ja-JP" altLang="en-US" dirty="0"/>
-              <a:t>あ</a:t>
-            </a:r>
-            <a:endParaRPr kumimoji="1" lang="en-US" altLang="ja-JP" dirty="0"/>
-          </a:p>
-          <a:p>
-            <a:endParaRPr kumimoji="1" lang="en-US" altLang="ja-JP" dirty="0"/>
-          </a:p>
-          <a:p>
-            <a:r>
-              <a:rPr kumimoji="1" lang="ja-JP" altLang="en-US" dirty="0"/>
-              <a:t>あああああ</a:t>
-            </a:r>
-            <a:endParaRPr kumimoji="1" lang="en-US" altLang="ja-JP" dirty="0"/>
-          </a:p>
-          <a:p>
-            <a:endParaRPr kumimoji="1" lang="en-US" altLang="ja-JP" dirty="0"/>
-          </a:p>
-          <a:p>
-            <a:endParaRPr kumimoji="1" lang="en-US" altLang="ja-JP" dirty="0"/>
-          </a:p>
-          <a:p>
-            <a:endParaRPr kumimoji="1" lang="en-US" altLang="ja-JP" dirty="0"/>
-          </a:p>
-          <a:p>
-            <a:r>
-              <a:rPr kumimoji="1" lang="ja-JP" altLang="en-US" dirty="0"/>
-              <a:t>ああ</a:t>
-            </a:r>
-            <a:endParaRPr kumimoji="1" lang="en-US" altLang="ja-JP" dirty="0"/>
-          </a:p>
-          <a:p>
-            <a:endParaRPr kumimoji="1" lang="en-US" altLang="ja-JP" dirty="0"/>
-          </a:p>
-          <a:p>
-            <a:endParaRPr kumimoji="1" lang="en-US" altLang="ja-JP" dirty="0"/>
-          </a:p>
-          <a:p>
-            <a:endParaRPr kumimoji="1" lang="en-US" altLang="ja-JP" dirty="0"/>
-          </a:p>
-          <a:p>
-            <a:r>
-              <a:rPr kumimoji="1" lang="ja-JP" altLang="en-US" dirty="0"/>
-              <a:t>ああ</a:t>
-            </a:r>
-            <a:endParaRPr kumimoji="1" lang="en-US" altLang="ja-JP" dirty="0"/>
-          </a:p>
-          <a:p>
-            <a:endParaRPr kumimoji="1" lang="en-US" altLang="ja-JP" dirty="0"/>
-          </a:p>
-          <a:p>
-            <a:endParaRPr kumimoji="1" lang="en-US" altLang="ja-JP" dirty="0"/>
-          </a:p>
-          <a:p>
-            <a:r>
-              <a:rPr kumimoji="1" lang="ja-JP" altLang="en-US" dirty="0"/>
-              <a:t>あ</a:t>
-            </a:r>
-            <a:endParaRPr kumimoji="1" lang="en-US" altLang="ja-JP" dirty="0"/>
-          </a:p>
-          <a:p>
-            <a:r>
-              <a:rPr kumimoji="1" lang="ja-JP" altLang="en-US" dirty="0"/>
-              <a:t>あああ</a:t>
-            </a:r>
-            <a:endParaRPr kumimoji="1" lang="en-US" altLang="ja-JP" dirty="0"/>
-          </a:p>
-          <a:p>
-            <a:endParaRPr kumimoji="1" lang="en-US" altLang="ja-JP" dirty="0"/>
-          </a:p>
-          <a:p>
-            <a:endParaRPr kumimoji="1" lang="en-US" altLang="ja-JP" dirty="0"/>
-          </a:p>
-          <a:p>
-            <a:endParaRPr kumimoji="1" lang="en-US" altLang="ja-JP" dirty="0"/>
-          </a:p>
-          <a:p>
-            <a:r>
-              <a:rPr kumimoji="1" lang="ja-JP" altLang="en-US" dirty="0"/>
-              <a:t>ああ</a:t>
-            </a:r>
-            <a:endParaRPr kumimoji="1" lang="en-US" altLang="ja-JP" dirty="0"/>
-          </a:p>
-          <a:p>
-            <a:endParaRPr kumimoji="1" lang="en-US" altLang="ja-JP" dirty="0"/>
-          </a:p>
-          <a:p>
-            <a:endParaRPr kumimoji="1" lang="en-US" altLang="ja-JP" dirty="0"/>
-          </a:p>
-          <a:p>
-            <a:r>
-              <a:rPr kumimoji="1" lang="ja-JP" altLang="en-US" dirty="0"/>
-              <a:t>あああ</a:t>
-            </a:r>
-            <a:endParaRPr kumimoji="1" lang="en-US" altLang="ja-JP" dirty="0"/>
-          </a:p>
-          <a:p>
-            <a:endParaRPr kumimoji="1" lang="en-US" altLang="ja-JP" dirty="0"/>
-          </a:p>
-          <a:p>
-            <a:endParaRPr kumimoji="1" lang="ja-JP" altLang="en-US" dirty="0"/>
-          </a:p>
-        </p:txBody>
-      </p:sp>
-      <p:sp>
-        <p:nvSpPr>
-          <p:cNvPr id="5" name="テキスト ボックス 4">
+            <a:pPr marL="342900" indent="-342900">
+              <a:lnSpc>
+                <a:spcPct val="200000"/>
+              </a:lnSpc>
+              <a:buAutoNum type="arabicDbPeriod"/>
+            </a:pPr>
+            <a:r>
+              <a:rPr kumimoji="1" lang="ja-JP" altLang="en-US" sz="2000" b="1" dirty="0"/>
+              <a:t>対象の画像を貼り付け</a:t>
+            </a:r>
+            <a:endParaRPr kumimoji="1" lang="en-US" altLang="ja-JP" sz="2000" b="1" dirty="0"/>
+          </a:p>
+        </p:txBody>
+      </p:sp>
+      <p:pic>
+        <p:nvPicPr>
+          <p:cNvPr id="9" name="図 8">
             <a:extLst>
               <a:ext uri="{FF2B5EF4-FFF2-40B4-BE49-F238E27FC236}">
-                <a16:creationId xmlns:a16="http://schemas.microsoft.com/office/drawing/2014/main" id="{04942045-4654-2E18-2597-634BEA19395E}"/>
+                <a16:creationId xmlns:a16="http://schemas.microsoft.com/office/drawing/2014/main" id="{C38B1D54-8EC8-CE31-DE23-8F80CC567998}"/>
+              </a:ext>
+            </a:extLst>
+          </p:cNvPr>
+          <p:cNvPicPr>
+            <a:picLocks noChangeAspect="1"/>
+          </p:cNvPicPr>
+          <p:nvPr/>
+        </p:nvPicPr>
+        <p:blipFill>
+          <a:blip r:embed="rId2"/>
+          <a:stretch>
+            <a:fillRect/>
+          </a:stretch>
+        </p:blipFill>
+        <p:spPr>
+          <a:xfrm>
+            <a:off x="347980" y="903534"/>
+            <a:ext cx="7376160" cy="3721412"/>
+          </a:xfrm>
+          <a:prstGeom prst="rect">
+            <a:avLst/>
+          </a:prstGeom>
+          <a:ln w="47625">
+            <a:solidFill>
+              <a:schemeClr val="tx1"/>
+            </a:solidFill>
+          </a:ln>
+        </p:spPr>
+      </p:pic>
+      <p:sp>
+        <p:nvSpPr>
+          <p:cNvPr id="10" name="矢印: 右 9">
+            <a:extLst>
+              <a:ext uri="{FF2B5EF4-FFF2-40B4-BE49-F238E27FC236}">
+                <a16:creationId xmlns:a16="http://schemas.microsoft.com/office/drawing/2014/main" id="{496EEF8B-2AA3-FB14-4BD4-C5D9C3E44840}"/>
+              </a:ext>
+            </a:extLst>
+          </p:cNvPr>
+          <p:cNvSpPr/>
+          <p:nvPr/>
+        </p:nvSpPr>
+        <p:spPr>
+          <a:xfrm rot="13478098">
+            <a:off x="5343953" y="3698239"/>
+            <a:ext cx="609600" cy="568960"/>
+          </a:xfrm>
+          <a:prstGeom prst="rightArrow">
+            <a:avLst/>
+          </a:prstGeom>
+          <a:solidFill>
+            <a:srgbClr val="FF0000"/>
+          </a:solidFill>
+          <a:ln>
+            <a:noFill/>
+          </a:ln>
+        </p:spPr>
+        <p:style>
+          <a:lnRef idx="2">
+            <a:schemeClr val="accent1">
+              <a:shade val="50000"/>
+            </a:schemeClr>
+          </a:lnRef>
+          <a:fillRef idx="1">
+            <a:schemeClr val="accent1"/>
+          </a:fillRef>
+          <a:effectRef idx="0">
+            <a:schemeClr val="accent1"/>
+          </a:effectRef>
+          <a:fontRef idx="minor">
+            <a:schemeClr val="lt1"/>
+          </a:fontRef>
+        </p:style>
+        <p:txBody>
+          <a:bodyPr rtlCol="0" anchor="ctr"/>
+          <a:lstStyle/>
+          <a:p>
+            <a:pPr algn="ctr"/>
+            <a:endParaRPr kumimoji="1" lang="ja-JP" altLang="en-US"/>
+          </a:p>
+        </p:txBody>
+      </p:sp>
+      <p:sp>
+        <p:nvSpPr>
+          <p:cNvPr id="11" name="正方形/長方形 10">
+            <a:extLst>
+              <a:ext uri="{FF2B5EF4-FFF2-40B4-BE49-F238E27FC236}">
+                <a16:creationId xmlns:a16="http://schemas.microsoft.com/office/drawing/2014/main" id="{6FF72B3D-6B17-2857-0BAB-E1766BFB276D}"/>
+              </a:ext>
+            </a:extLst>
+          </p:cNvPr>
+          <p:cNvSpPr/>
+          <p:nvPr/>
+        </p:nvSpPr>
+        <p:spPr>
+          <a:xfrm>
+            <a:off x="368300" y="1808480"/>
+            <a:ext cx="7302500" cy="2743200"/>
+          </a:xfrm>
+          <a:prstGeom prst="rect">
+            <a:avLst/>
+          </a:prstGeom>
+          <a:noFill/>
+          <a:ln w="38100">
+            <a:solidFill>
+              <a:srgbClr val="FF0000"/>
+            </a:solidFill>
+          </a:ln>
+        </p:spPr>
+        <p:style>
+          <a:lnRef idx="2">
+            <a:schemeClr val="accent1">
+              <a:shade val="50000"/>
+            </a:schemeClr>
+          </a:lnRef>
+          <a:fillRef idx="1">
+            <a:schemeClr val="accent1"/>
+          </a:fillRef>
+          <a:effectRef idx="0">
+            <a:schemeClr val="accent1"/>
+          </a:effectRef>
+          <a:fontRef idx="minor">
+            <a:schemeClr val="lt1"/>
+          </a:fontRef>
+        </p:style>
+        <p:txBody>
+          <a:bodyPr rtlCol="0" anchor="ctr"/>
+          <a:lstStyle/>
+          <a:p>
+            <a:pPr algn="ctr"/>
+            <a:endParaRPr kumimoji="1" lang="ja-JP" altLang="en-US"/>
+          </a:p>
+        </p:txBody>
+      </p:sp>
+      <p:sp>
+        <p:nvSpPr>
+          <p:cNvPr id="12" name="テキスト ボックス 11">
+            <a:extLst>
+              <a:ext uri="{FF2B5EF4-FFF2-40B4-BE49-F238E27FC236}">
+                <a16:creationId xmlns:a16="http://schemas.microsoft.com/office/drawing/2014/main" id="{17BEF9F5-DCEC-7F34-7A5A-B389EB09987E}"/>
               </a:ext>
             </a:extLst>
           </p:cNvPr>
@@ -3730,8 +4387,8 @@
         </p:nvSpPr>
         <p:spPr>
           <a:xfrm>
-            <a:off x="6096000" y="121920"/>
-            <a:ext cx="498855" cy="461665"/>
+            <a:off x="457200" y="5199797"/>
+            <a:ext cx="6261651" cy="923330"/>
           </a:xfrm>
           <a:prstGeom prst="rect">
             <a:avLst/>
@@ -3745,17 +4402,66 @@
           <a:lstStyle/>
           <a:p>
             <a:r>
-              <a:rPr kumimoji="1" lang="en-US" altLang="ja-JP" sz="2400" dirty="0"/>
-              <a:t>P2</a:t>
-            </a:r>
-            <a:endParaRPr kumimoji="1" lang="ja-JP" altLang="en-US" sz="2400" dirty="0"/>
+              <a:rPr kumimoji="1" lang="ja-JP" altLang="en-US" dirty="0"/>
+              <a:t>①　赤枠の領域内に画像を貼り付け。下記どちらでも可。</a:t>
+            </a:r>
+            <a:endParaRPr kumimoji="1" lang="en-US" altLang="ja-JP" dirty="0"/>
+          </a:p>
+          <a:p>
+            <a:r>
+              <a:rPr kumimoji="1" lang="ja-JP" altLang="en-US" dirty="0"/>
+              <a:t>　　</a:t>
+            </a:r>
+            <a:r>
+              <a:rPr kumimoji="1" lang="en-US" altLang="ja-JP" dirty="0"/>
+              <a:t>ⅰ</a:t>
+            </a:r>
+            <a:r>
+              <a:rPr kumimoji="1" lang="ja-JP" altLang="en-US" dirty="0"/>
+              <a:t>）</a:t>
+            </a:r>
+            <a:r>
+              <a:rPr kumimoji="1" lang="en-US" altLang="ja-JP" dirty="0"/>
+              <a:t>PNG or JPEG</a:t>
+            </a:r>
+            <a:r>
+              <a:rPr kumimoji="1" lang="ja-JP" altLang="en-US" dirty="0"/>
+              <a:t>ファイルをドラッグ＆ドロップ</a:t>
+            </a:r>
+            <a:endParaRPr kumimoji="1" lang="en-US" altLang="ja-JP" dirty="0"/>
+          </a:p>
+          <a:p>
+            <a:r>
+              <a:rPr kumimoji="1" lang="en-US" altLang="ja-JP" dirty="0"/>
+              <a:t>	ⅱ</a:t>
+            </a:r>
+            <a:r>
+              <a:rPr kumimoji="1" lang="ja-JP" altLang="en-US" dirty="0"/>
+              <a:t>）事前にスクショをとっておき、</a:t>
+            </a:r>
+            <a:r>
+              <a:rPr kumimoji="1" lang="en-US" altLang="ja-JP" dirty="0"/>
+              <a:t>Ctr </a:t>
+            </a:r>
+            <a:r>
+              <a:rPr kumimoji="1" lang="ja-JP" altLang="en-US" dirty="0"/>
+              <a:t>＋</a:t>
+            </a:r>
+            <a:r>
+              <a:rPr kumimoji="1" lang="en-US" altLang="ja-JP" dirty="0"/>
+              <a:t>v </a:t>
+            </a:r>
+            <a:r>
+              <a:rPr kumimoji="1" lang="ja-JP" altLang="en-US" dirty="0"/>
+              <a:t>でペースト</a:t>
+            </a:r>
           </a:p>
         </p:txBody>
       </p:sp>
     </p:spTree>
     <p:extLst>
       <p:ext uri="{BB962C8B-B14F-4D97-AF65-F5344CB8AC3E}">
-        <p14:creationId xmlns:p14="http://schemas.microsoft.com/office/powerpoint/2010/main" val="2269008156"/>
+        <p14:creationId xmlns:p14="http://schemas.microsoft.com/office/powerpoint/2010/main" val="885263584"/>
       </p:ext>
     </p:extLst>
   </p:cSld>
@@ -3782,12 +4488,53 @@
           <a:chExt cx="0" cy="0"/>
         </a:xfrm>
       </p:grpSpPr>
-      <p:sp>
-        <p:nvSpPr>
-          <p:cNvPr id="4" name="テキスト ボックス 3">
+      <p:cxnSp>
+        <p:nvCxnSpPr>
+          <p:cNvPr id="5" name="直線コネクタ 4">
             <a:extLst>
               <a:ext uri="{FF2B5EF4-FFF2-40B4-BE49-F238E27FC236}">
-                <a16:creationId xmlns:a16="http://schemas.microsoft.com/office/drawing/2014/main" id="{B1B2F5F1-D75F-A4A0-B509-77F82BC3B75F}"/>
+                <a16:creationId xmlns:a16="http://schemas.microsoft.com/office/drawing/2014/main" id="{D70E85B8-DE03-2F0B-A359-DDC33E0BF934}"/>
+              </a:ext>
+            </a:extLst>
+          </p:cNvPr>
+          <p:cNvCxnSpPr/>
+          <p:nvPr/>
+        </p:nvCxnSpPr>
+        <p:spPr>
+          <a:xfrm>
+            <a:off x="0" y="640080"/>
+            <a:ext cx="12192000" cy="0"/>
+          </a:xfrm>
+          <a:prstGeom prst="line">
+            <a:avLst/>
+          </a:prstGeom>
+          <a:ln w="28575">
+            <a:solidFill>
+              <a:schemeClr val="tx1"/>
+            </a:solidFill>
+          </a:ln>
+        </p:spPr>
+        <p:style>
+          <a:lnRef idx="1">
+            <a:schemeClr val="accent1"/>
+          </a:lnRef>
+          <a:fillRef idx="0">
+            <a:schemeClr val="accent1"/>
+          </a:fillRef>
+          <a:effectRef idx="0">
+            <a:schemeClr val="accent1"/>
+          </a:effectRef>
+          <a:fontRef idx="minor">
+            <a:schemeClr val="tx1"/>
+          </a:fontRef>
+        </p:style>
+      </p:cxnSp>
+      <p:sp>
+        <p:nvSpPr>
+          <p:cNvPr id="7" name="テキスト ボックス 6">
+            <a:extLst>
+              <a:ext uri="{FF2B5EF4-FFF2-40B4-BE49-F238E27FC236}">
+                <a16:creationId xmlns:a16="http://schemas.microsoft.com/office/drawing/2014/main" id="{697EA1EE-8BBE-F95B-587D-584F7030E600}"/>
               </a:ext>
             </a:extLst>
           </p:cNvPr>
@@ -3796,152 +4543,39 @@
         </p:nvSpPr>
         <p:spPr>
           <a:xfrm>
-            <a:off x="655320" y="746760"/>
-            <a:ext cx="1338828" cy="7848302"/>
+            <a:off x="4467860" y="0"/>
+            <a:ext cx="3256280" cy="630942"/>
           </a:xfrm>
           <a:prstGeom prst="rect">
             <a:avLst/>
           </a:prstGeom>
-          <a:solidFill>
-            <a:schemeClr val="accent6">
-              <a:lumMod val="40000"/>
-              <a:lumOff val="60000"/>
-            </a:schemeClr>
-          </a:solidFill>
-        </p:spPr>
-        <p:txBody>
-          <a:bodyPr wrap="none" rtlCol="0">
+          <a:noFill/>
+        </p:spPr>
+        <p:txBody>
+          <a:bodyPr wrap="square">
             <a:spAutoFit/>
           </a:bodyPr>
           <a:lstStyle/>
           <a:p>
-            <a:r>
-              <a:rPr kumimoji="1" lang="ja-JP" altLang="en-US" dirty="0"/>
-              <a:t>ああああ</a:t>
-            </a:r>
-            <a:endParaRPr kumimoji="1" lang="en-US" altLang="ja-JP" dirty="0"/>
-          </a:p>
-          <a:p>
-            <a:endParaRPr kumimoji="1" lang="en-US" altLang="ja-JP" dirty="0"/>
-          </a:p>
-          <a:p>
-            <a:endParaRPr kumimoji="1" lang="en-US" altLang="ja-JP" dirty="0"/>
-          </a:p>
-          <a:p>
-            <a:endParaRPr kumimoji="1" lang="en-US" altLang="ja-JP" dirty="0"/>
-          </a:p>
-          <a:p>
-            <a:r>
-              <a:rPr kumimoji="1" lang="ja-JP" altLang="en-US" dirty="0"/>
-              <a:t>あ</a:t>
-            </a:r>
-            <a:endParaRPr kumimoji="1" lang="en-US" altLang="ja-JP" dirty="0"/>
-          </a:p>
-          <a:p>
-            <a:endParaRPr kumimoji="1" lang="en-US" altLang="ja-JP" dirty="0"/>
-          </a:p>
-          <a:p>
-            <a:r>
-              <a:rPr kumimoji="1" lang="ja-JP" altLang="en-US" dirty="0"/>
-              <a:t>あああああ</a:t>
-            </a:r>
-            <a:endParaRPr kumimoji="1" lang="en-US" altLang="ja-JP" dirty="0"/>
-          </a:p>
-          <a:p>
-            <a:endParaRPr kumimoji="1" lang="en-US" altLang="ja-JP" dirty="0"/>
-          </a:p>
-          <a:p>
-            <a:endParaRPr kumimoji="1" lang="en-US" altLang="ja-JP" dirty="0"/>
-          </a:p>
-          <a:p>
-            <a:endParaRPr kumimoji="1" lang="en-US" altLang="ja-JP" dirty="0"/>
-          </a:p>
-          <a:p>
-            <a:r>
-              <a:rPr kumimoji="1" lang="ja-JP" altLang="en-US" dirty="0"/>
-              <a:t>ああ</a:t>
-            </a:r>
-            <a:endParaRPr kumimoji="1" lang="en-US" altLang="ja-JP" dirty="0"/>
-          </a:p>
-          <a:p>
-            <a:endParaRPr kumimoji="1" lang="en-US" altLang="ja-JP" dirty="0"/>
-          </a:p>
-          <a:p>
-            <a:endParaRPr kumimoji="1" lang="en-US" altLang="ja-JP" dirty="0"/>
-          </a:p>
-          <a:p>
-            <a:endParaRPr kumimoji="1" lang="en-US" altLang="ja-JP" dirty="0"/>
-          </a:p>
-          <a:p>
-            <a:r>
-              <a:rPr kumimoji="1" lang="ja-JP" altLang="en-US" dirty="0"/>
-              <a:t>ああ</a:t>
-            </a:r>
-            <a:endParaRPr kumimoji="1" lang="en-US" altLang="ja-JP" dirty="0"/>
-          </a:p>
-          <a:p>
-            <a:endParaRPr kumimoji="1" lang="en-US" altLang="ja-JP" dirty="0"/>
-          </a:p>
-          <a:p>
-            <a:endParaRPr kumimoji="1" lang="en-US" altLang="ja-JP" dirty="0"/>
-          </a:p>
-          <a:p>
-            <a:r>
-              <a:rPr kumimoji="1" lang="ja-JP" altLang="en-US" dirty="0"/>
-              <a:t>あ</a:t>
-            </a:r>
-            <a:endParaRPr kumimoji="1" lang="en-US" altLang="ja-JP" dirty="0"/>
-          </a:p>
-          <a:p>
-            <a:r>
-              <a:rPr kumimoji="1" lang="ja-JP" altLang="en-US" dirty="0"/>
-              <a:t>あああ</a:t>
-            </a:r>
-            <a:endParaRPr kumimoji="1" lang="en-US" altLang="ja-JP" dirty="0"/>
-          </a:p>
-          <a:p>
-            <a:endParaRPr kumimoji="1" lang="en-US" altLang="ja-JP" dirty="0"/>
-          </a:p>
-          <a:p>
-            <a:endParaRPr kumimoji="1" lang="en-US" altLang="ja-JP" dirty="0"/>
-          </a:p>
-          <a:p>
-            <a:endParaRPr kumimoji="1" lang="en-US" altLang="ja-JP" dirty="0"/>
-          </a:p>
-          <a:p>
-            <a:r>
-              <a:rPr kumimoji="1" lang="ja-JP" altLang="en-US" dirty="0"/>
-              <a:t>ああ</a:t>
-            </a:r>
-            <a:endParaRPr kumimoji="1" lang="en-US" altLang="ja-JP" dirty="0"/>
-          </a:p>
-          <a:p>
-            <a:endParaRPr kumimoji="1" lang="en-US" altLang="ja-JP" dirty="0"/>
-          </a:p>
-          <a:p>
-            <a:endParaRPr kumimoji="1" lang="en-US" altLang="ja-JP" dirty="0"/>
-          </a:p>
-          <a:p>
-            <a:r>
-              <a:rPr kumimoji="1" lang="ja-JP" altLang="en-US" dirty="0"/>
-              <a:t>あああ</a:t>
-            </a:r>
-            <a:endParaRPr kumimoji="1" lang="en-US" altLang="ja-JP" dirty="0"/>
-          </a:p>
-          <a:p>
-            <a:endParaRPr kumimoji="1" lang="en-US" altLang="ja-JP" dirty="0"/>
-          </a:p>
-          <a:p>
-            <a:endParaRPr kumimoji="1" lang="ja-JP" altLang="en-US" dirty="0"/>
-          </a:p>
-        </p:txBody>
-      </p:sp>
-      <p:sp>
-        <p:nvSpPr>
-          <p:cNvPr id="5" name="テキスト ボックス 4">
+            <a:pPr>
+              <a:lnSpc>
+                <a:spcPct val="200000"/>
+              </a:lnSpc>
+            </a:pPr>
+            <a:r>
+              <a:rPr kumimoji="1" lang="ja-JP" altLang="en-US" sz="2000" b="1" dirty="0"/>
+              <a:t>２．既存寸法の設定</a:t>
+            </a:r>
+            <a:endParaRPr kumimoji="1" lang="en-US" altLang="ja-JP" sz="2000" b="1" dirty="0"/>
+          </a:p>
+        </p:txBody>
+      </p:sp>
+      <p:sp>
+        <p:nvSpPr>
+          <p:cNvPr id="12" name="テキスト ボックス 11">
             <a:extLst>
               <a:ext uri="{FF2B5EF4-FFF2-40B4-BE49-F238E27FC236}">
-                <a16:creationId xmlns:a16="http://schemas.microsoft.com/office/drawing/2014/main" id="{04942045-4654-2E18-2597-634BEA19395E}"/>
+                <a16:creationId xmlns:a16="http://schemas.microsoft.com/office/drawing/2014/main" id="{17BEF9F5-DCEC-7F34-7A5A-B389EB09987E}"/>
               </a:ext>
             </a:extLst>
           </p:cNvPr>
@@ -3950,8 +4584,8 @@
         </p:nvSpPr>
         <p:spPr>
           <a:xfrm>
-            <a:off x="6096000" y="121920"/>
-            <a:ext cx="498855" cy="461665"/>
+            <a:off x="224553" y="4453669"/>
+            <a:ext cx="2492990" cy="646331"/>
           </a:xfrm>
           <a:prstGeom prst="rect">
             <a:avLst/>
@@ -3965,17 +4599,1578 @@
           <a:lstStyle/>
           <a:p>
             <a:r>
-              <a:rPr kumimoji="1" lang="en-US" altLang="ja-JP" sz="2400" dirty="0"/>
-              <a:t>P3</a:t>
-            </a:r>
-            <a:endParaRPr kumimoji="1" lang="ja-JP" altLang="en-US" sz="2400" dirty="0"/>
-          </a:p>
-        </p:txBody>
-      </p:sp>
+              <a:rPr kumimoji="1" lang="ja-JP" altLang="en-US" dirty="0"/>
+              <a:t>①右上の「初期設定」</a:t>
+            </a:r>
+            <a:endParaRPr kumimoji="1" lang="en-US" altLang="ja-JP" dirty="0"/>
+          </a:p>
+          <a:p>
+            <a:r>
+              <a:rPr kumimoji="1" lang="ja-JP" altLang="en-US" dirty="0"/>
+              <a:t>　をクリック</a:t>
+            </a:r>
+          </a:p>
+        </p:txBody>
+      </p:sp>
+      <p:pic>
+        <p:nvPicPr>
+          <p:cNvPr id="3" name="図 2">
+            <a:extLst>
+              <a:ext uri="{FF2B5EF4-FFF2-40B4-BE49-F238E27FC236}">
+                <a16:creationId xmlns:a16="http://schemas.microsoft.com/office/drawing/2014/main" id="{43571788-9DE7-7521-77D0-8BC21D8902C0}"/>
+              </a:ext>
+            </a:extLst>
+          </p:cNvPr>
+          <p:cNvPicPr>
+            <a:picLocks noChangeAspect="1"/>
+          </p:cNvPicPr>
+          <p:nvPr/>
+        </p:nvPicPr>
+        <p:blipFill>
+          <a:blip r:embed="rId2"/>
+          <a:stretch>
+            <a:fillRect/>
+          </a:stretch>
+        </p:blipFill>
+        <p:spPr>
+          <a:xfrm>
+            <a:off x="294769" y="1963651"/>
+            <a:ext cx="2081659" cy="1530418"/>
+          </a:xfrm>
+          <a:prstGeom prst="rect">
+            <a:avLst/>
+          </a:prstGeom>
+        </p:spPr>
+      </p:pic>
+      <p:pic>
+        <p:nvPicPr>
+          <p:cNvPr id="6" name="図 5">
+            <a:extLst>
+              <a:ext uri="{FF2B5EF4-FFF2-40B4-BE49-F238E27FC236}">
+                <a16:creationId xmlns:a16="http://schemas.microsoft.com/office/drawing/2014/main" id="{813CB2D5-C17D-83A3-E5B2-932E109C6B74}"/>
+              </a:ext>
+            </a:extLst>
+          </p:cNvPr>
+          <p:cNvPicPr>
+            <a:picLocks noChangeAspect="1"/>
+          </p:cNvPicPr>
+          <p:nvPr/>
+        </p:nvPicPr>
+        <p:blipFill>
+          <a:blip r:embed="rId3"/>
+          <a:stretch>
+            <a:fillRect/>
+          </a:stretch>
+        </p:blipFill>
+        <p:spPr>
+          <a:xfrm>
+            <a:off x="3576913" y="1963640"/>
+            <a:ext cx="3714751" cy="1544819"/>
+          </a:xfrm>
+          <a:prstGeom prst="rect">
+            <a:avLst/>
+          </a:prstGeom>
+        </p:spPr>
+      </p:pic>
+      <p:sp>
+        <p:nvSpPr>
+          <p:cNvPr id="8" name="テキスト ボックス 7">
+            <a:extLst>
+              <a:ext uri="{FF2B5EF4-FFF2-40B4-BE49-F238E27FC236}">
+                <a16:creationId xmlns:a16="http://schemas.microsoft.com/office/drawing/2014/main" id="{22F831A2-A10D-DB77-81EC-1B030EC7DE84}"/>
+              </a:ext>
+            </a:extLst>
+          </p:cNvPr>
+          <p:cNvSpPr txBox="1"/>
+          <p:nvPr/>
+        </p:nvSpPr>
+        <p:spPr>
+          <a:xfrm>
+            <a:off x="3411139" y="4404083"/>
+            <a:ext cx="4046301" cy="923330"/>
+          </a:xfrm>
+          <a:prstGeom prst="rect">
+            <a:avLst/>
+          </a:prstGeom>
+          <a:noFill/>
+        </p:spPr>
+        <p:txBody>
+          <a:bodyPr wrap="none" rtlCol="0">
+            <a:spAutoFit/>
+          </a:bodyPr>
+          <a:lstStyle/>
+          <a:p>
+            <a:r>
+              <a:rPr kumimoji="1" lang="ja-JP" altLang="en-US" dirty="0"/>
+              <a:t>②画面中央のラベルに従って、</a:t>
+            </a:r>
+            <a:endParaRPr kumimoji="1" lang="en-US" altLang="ja-JP" dirty="0"/>
+          </a:p>
+          <a:p>
+            <a:r>
+              <a:rPr kumimoji="1" lang="ja-JP" altLang="en-US" dirty="0"/>
+              <a:t>　方向</a:t>
+            </a:r>
+            <a:r>
+              <a:rPr kumimoji="1" lang="en-US" altLang="ja-JP" dirty="0"/>
+              <a:t>/</a:t>
+            </a:r>
+            <a:r>
+              <a:rPr kumimoji="1" lang="ja-JP" altLang="en-US" dirty="0"/>
+              <a:t>基準寸法を入力後、</a:t>
+            </a:r>
+            <a:r>
+              <a:rPr kumimoji="1" lang="en-US" altLang="ja-JP" dirty="0"/>
+              <a:t>OK</a:t>
+            </a:r>
+            <a:r>
+              <a:rPr kumimoji="1" lang="ja-JP" altLang="en-US" dirty="0"/>
+              <a:t>ボタン</a:t>
+            </a:r>
+            <a:endParaRPr kumimoji="1" lang="en-US" altLang="ja-JP" dirty="0"/>
+          </a:p>
+          <a:p>
+            <a:r>
+              <a:rPr kumimoji="1" lang="ja-JP" altLang="en-US" dirty="0"/>
+              <a:t>　をクリック</a:t>
+            </a:r>
+          </a:p>
+        </p:txBody>
+      </p:sp>
+      <p:sp>
+        <p:nvSpPr>
+          <p:cNvPr id="13" name="矢印: 右 12">
+            <a:extLst>
+              <a:ext uri="{FF2B5EF4-FFF2-40B4-BE49-F238E27FC236}">
+                <a16:creationId xmlns:a16="http://schemas.microsoft.com/office/drawing/2014/main" id="{66F6358C-E18A-985F-7C26-C98681249F88}"/>
+              </a:ext>
+            </a:extLst>
+          </p:cNvPr>
+          <p:cNvSpPr/>
+          <p:nvPr/>
+        </p:nvSpPr>
+        <p:spPr>
+          <a:xfrm>
+            <a:off x="2787759" y="2599097"/>
+            <a:ext cx="609634" cy="223516"/>
+          </a:xfrm>
+          <a:prstGeom prst="rightArrow">
+            <a:avLst/>
+          </a:prstGeom>
+          <a:solidFill>
+            <a:schemeClr val="tx1"/>
+          </a:solidFill>
+          <a:ln>
+            <a:solidFill>
+              <a:schemeClr val="bg1"/>
+            </a:solidFill>
+          </a:ln>
+        </p:spPr>
+        <p:style>
+          <a:lnRef idx="2">
+            <a:schemeClr val="accent1">
+              <a:shade val="50000"/>
+            </a:schemeClr>
+          </a:lnRef>
+          <a:fillRef idx="1">
+            <a:schemeClr val="accent1"/>
+          </a:fillRef>
+          <a:effectRef idx="0">
+            <a:schemeClr val="accent1"/>
+          </a:effectRef>
+          <a:fontRef idx="minor">
+            <a:schemeClr val="lt1"/>
+          </a:fontRef>
+        </p:style>
+        <p:txBody>
+          <a:bodyPr rtlCol="0" anchor="ctr"/>
+          <a:lstStyle/>
+          <a:p>
+            <a:pPr algn="ctr"/>
+            <a:endParaRPr kumimoji="1" lang="ja-JP" altLang="en-US"/>
+          </a:p>
+        </p:txBody>
+      </p:sp>
+      <p:pic>
+        <p:nvPicPr>
+          <p:cNvPr id="15" name="図 14">
+            <a:extLst>
+              <a:ext uri="{FF2B5EF4-FFF2-40B4-BE49-F238E27FC236}">
+                <a16:creationId xmlns:a16="http://schemas.microsoft.com/office/drawing/2014/main" id="{7D07B543-C8C6-A22B-2DDF-945A2D4D46BA}"/>
+              </a:ext>
+            </a:extLst>
+          </p:cNvPr>
+          <p:cNvPicPr>
+            <a:picLocks noChangeAspect="1"/>
+          </p:cNvPicPr>
+          <p:nvPr/>
+        </p:nvPicPr>
+        <p:blipFill>
+          <a:blip r:embed="rId4"/>
+          <a:stretch>
+            <a:fillRect/>
+          </a:stretch>
+        </p:blipFill>
+        <p:spPr>
+          <a:xfrm rot="14829248">
+            <a:off x="1902356" y="2035120"/>
+            <a:ext cx="569599" cy="881266"/>
+          </a:xfrm>
+          <a:prstGeom prst="rect">
+            <a:avLst/>
+          </a:prstGeom>
+        </p:spPr>
+      </p:pic>
+      <p:pic>
+        <p:nvPicPr>
+          <p:cNvPr id="16" name="図 15">
+            <a:extLst>
+              <a:ext uri="{FF2B5EF4-FFF2-40B4-BE49-F238E27FC236}">
+                <a16:creationId xmlns:a16="http://schemas.microsoft.com/office/drawing/2014/main" id="{3E828C9D-FF9B-0FBF-2DEA-4075932D56AE}"/>
+              </a:ext>
+            </a:extLst>
+          </p:cNvPr>
+          <p:cNvPicPr>
+            <a:picLocks noChangeAspect="1"/>
+          </p:cNvPicPr>
+          <p:nvPr/>
+        </p:nvPicPr>
+        <p:blipFill>
+          <a:blip r:embed="rId4"/>
+          <a:stretch>
+            <a:fillRect/>
+          </a:stretch>
+        </p:blipFill>
+        <p:spPr>
+          <a:xfrm rot="14829248">
+            <a:off x="6194822" y="2161004"/>
+            <a:ext cx="569599" cy="881266"/>
+          </a:xfrm>
+          <a:prstGeom prst="rect">
+            <a:avLst/>
+          </a:prstGeom>
+        </p:spPr>
+      </p:pic>
+      <p:pic>
+        <p:nvPicPr>
+          <p:cNvPr id="18" name="図 17">
+            <a:extLst>
+              <a:ext uri="{FF2B5EF4-FFF2-40B4-BE49-F238E27FC236}">
+                <a16:creationId xmlns:a16="http://schemas.microsoft.com/office/drawing/2014/main" id="{FEE44C4C-DA53-D15E-722B-9534BB633FB8}"/>
+              </a:ext>
+            </a:extLst>
+          </p:cNvPr>
+          <p:cNvPicPr>
+            <a:picLocks noChangeAspect="1"/>
+          </p:cNvPicPr>
+          <p:nvPr/>
+        </p:nvPicPr>
+        <p:blipFill>
+          <a:blip r:embed="rId5"/>
+          <a:stretch>
+            <a:fillRect/>
+          </a:stretch>
+        </p:blipFill>
+        <p:spPr>
+          <a:xfrm>
+            <a:off x="8048532" y="1344466"/>
+            <a:ext cx="3562720" cy="2606564"/>
+          </a:xfrm>
+          <a:prstGeom prst="rect">
+            <a:avLst/>
+          </a:prstGeom>
+        </p:spPr>
+      </p:pic>
+      <p:sp>
+        <p:nvSpPr>
+          <p:cNvPr id="19" name="テキスト ボックス 18">
+            <a:extLst>
+              <a:ext uri="{FF2B5EF4-FFF2-40B4-BE49-F238E27FC236}">
+                <a16:creationId xmlns:a16="http://schemas.microsoft.com/office/drawing/2014/main" id="{FE80F33A-844F-4873-C5B5-A67B4FFB64F1}"/>
+              </a:ext>
+            </a:extLst>
+          </p:cNvPr>
+          <p:cNvSpPr txBox="1"/>
+          <p:nvPr/>
+        </p:nvSpPr>
+        <p:spPr>
+          <a:xfrm>
+            <a:off x="7806741" y="4404083"/>
+            <a:ext cx="3967753" cy="369332"/>
+          </a:xfrm>
+          <a:prstGeom prst="rect">
+            <a:avLst/>
+          </a:prstGeom>
+          <a:noFill/>
+        </p:spPr>
+        <p:txBody>
+          <a:bodyPr wrap="none" rtlCol="0">
+            <a:spAutoFit/>
+          </a:bodyPr>
+          <a:lstStyle/>
+          <a:p>
+            <a:r>
+              <a:rPr kumimoji="1" lang="ja-JP" altLang="en-US" dirty="0"/>
+              <a:t>③基準にしたい始点</a:t>
+            </a:r>
+            <a:r>
+              <a:rPr kumimoji="1" lang="en-US" altLang="ja-JP" dirty="0"/>
+              <a:t>/</a:t>
+            </a:r>
+            <a:r>
+              <a:rPr kumimoji="1" lang="ja-JP" altLang="en-US" dirty="0"/>
+              <a:t>終点をクリック</a:t>
+            </a:r>
+          </a:p>
+        </p:txBody>
+      </p:sp>
+      <p:sp>
+        <p:nvSpPr>
+          <p:cNvPr id="20" name="矢印: 右 19">
+            <a:extLst>
+              <a:ext uri="{FF2B5EF4-FFF2-40B4-BE49-F238E27FC236}">
+                <a16:creationId xmlns:a16="http://schemas.microsoft.com/office/drawing/2014/main" id="{9D15AE67-5F55-3AA5-B4FC-5EAD25FCD1BD}"/>
+              </a:ext>
+            </a:extLst>
+          </p:cNvPr>
+          <p:cNvSpPr/>
+          <p:nvPr/>
+        </p:nvSpPr>
+        <p:spPr>
+          <a:xfrm>
+            <a:off x="7471182" y="2599097"/>
+            <a:ext cx="508452" cy="223513"/>
+          </a:xfrm>
+          <a:prstGeom prst="rightArrow">
+            <a:avLst/>
+          </a:prstGeom>
+          <a:solidFill>
+            <a:schemeClr val="tx1"/>
+          </a:solidFill>
+          <a:ln>
+            <a:solidFill>
+              <a:schemeClr val="bg1"/>
+            </a:solidFill>
+          </a:ln>
+        </p:spPr>
+        <p:style>
+          <a:lnRef idx="2">
+            <a:schemeClr val="accent1">
+              <a:shade val="50000"/>
+            </a:schemeClr>
+          </a:lnRef>
+          <a:fillRef idx="1">
+            <a:schemeClr val="accent1"/>
+          </a:fillRef>
+          <a:effectRef idx="0">
+            <a:schemeClr val="accent1"/>
+          </a:effectRef>
+          <a:fontRef idx="minor">
+            <a:schemeClr val="lt1"/>
+          </a:fontRef>
+        </p:style>
+        <p:txBody>
+          <a:bodyPr rtlCol="0" anchor="ctr"/>
+          <a:lstStyle/>
+          <a:p>
+            <a:pPr algn="ctr"/>
+            <a:endParaRPr kumimoji="1" lang="ja-JP" altLang="en-US"/>
+          </a:p>
+        </p:txBody>
+      </p:sp>
+      <p:pic>
+        <p:nvPicPr>
+          <p:cNvPr id="21" name="図 20">
+            <a:extLst>
+              <a:ext uri="{FF2B5EF4-FFF2-40B4-BE49-F238E27FC236}">
+                <a16:creationId xmlns:a16="http://schemas.microsoft.com/office/drawing/2014/main" id="{C646F9BC-4543-698D-F3A3-14941CA03F76}"/>
+              </a:ext>
+            </a:extLst>
+          </p:cNvPr>
+          <p:cNvPicPr>
+            <a:picLocks noChangeAspect="1"/>
+          </p:cNvPicPr>
+          <p:nvPr/>
+        </p:nvPicPr>
+        <p:blipFill>
+          <a:blip r:embed="rId4"/>
+          <a:stretch>
+            <a:fillRect/>
+          </a:stretch>
+        </p:blipFill>
+        <p:spPr>
+          <a:xfrm rot="11349670">
+            <a:off x="8705280" y="1929794"/>
+            <a:ext cx="326129" cy="504577"/>
+          </a:xfrm>
+          <a:prstGeom prst="rect">
+            <a:avLst/>
+          </a:prstGeom>
+        </p:spPr>
+      </p:pic>
+      <p:pic>
+        <p:nvPicPr>
+          <p:cNvPr id="22" name="図 21">
+            <a:extLst>
+              <a:ext uri="{FF2B5EF4-FFF2-40B4-BE49-F238E27FC236}">
+                <a16:creationId xmlns:a16="http://schemas.microsoft.com/office/drawing/2014/main" id="{9714740B-9F2B-7B4D-5362-34C9B789B446}"/>
+              </a:ext>
+            </a:extLst>
+          </p:cNvPr>
+          <p:cNvPicPr>
+            <a:picLocks noChangeAspect="1"/>
+          </p:cNvPicPr>
+          <p:nvPr/>
+        </p:nvPicPr>
+        <p:blipFill>
+          <a:blip r:embed="rId4"/>
+          <a:stretch>
+            <a:fillRect/>
+          </a:stretch>
+        </p:blipFill>
+        <p:spPr>
+          <a:xfrm rot="11349670">
+            <a:off x="10351200" y="1929794"/>
+            <a:ext cx="326129" cy="504577"/>
+          </a:xfrm>
+          <a:prstGeom prst="rect">
+            <a:avLst/>
+          </a:prstGeom>
+        </p:spPr>
+      </p:pic>
     </p:spTree>
     <p:extLst>
       <p:ext uri="{BB962C8B-B14F-4D97-AF65-F5344CB8AC3E}">
-        <p14:creationId xmlns:p14="http://schemas.microsoft.com/office/powerpoint/2010/main" val="2687749560"/>
+        <p14:creationId xmlns:p14="http://schemas.microsoft.com/office/powerpoint/2010/main" val="217873406"/>
+      </p:ext>
+    </p:extLst>
+  </p:cSld>
+  <p:clrMapOvr>
+    <a:masterClrMapping/>
+  </p:clrMapOvr>
+</p:sld>
+</file>
+
+<file path=ppt/slides/slide4.xml><?xml version="1.0" encoding="utf-8"?>
+<p:sld xmlns:a="http://schemas.openxmlformats.org/drawingml/2006/main" xmlns:r="http://schemas.openxmlformats.org/officeDocument/2006/relationships" xmlns:p="http://schemas.openxmlformats.org/presentationml/2006/main">
+  <p:cSld>
+    <p:spTree>
+      <p:nvGrpSpPr>
+        <p:cNvPr id="1" name=""/>
+        <p:cNvGrpSpPr/>
+        <p:nvPr/>
+      </p:nvGrpSpPr>
+      <p:grpSpPr>
+        <a:xfrm>
+          <a:off x="0" y="0"/>
+          <a:ext cx="0" cy="0"/>
+          <a:chOff x="0" y="0"/>
+          <a:chExt cx="0" cy="0"/>
+        </a:xfrm>
+      </p:grpSpPr>
+      <p:pic>
+        <p:nvPicPr>
+          <p:cNvPr id="4" name="図 3">
+            <a:extLst>
+              <a:ext uri="{FF2B5EF4-FFF2-40B4-BE49-F238E27FC236}">
+                <a16:creationId xmlns:a16="http://schemas.microsoft.com/office/drawing/2014/main" id="{1D6E1241-A97C-7D74-D4E3-173F27D93C94}"/>
+              </a:ext>
+            </a:extLst>
+          </p:cNvPr>
+          <p:cNvPicPr>
+            <a:picLocks noChangeAspect="1"/>
+          </p:cNvPicPr>
+          <p:nvPr/>
+        </p:nvPicPr>
+        <p:blipFill>
+          <a:blip r:embed="rId2"/>
+          <a:stretch>
+            <a:fillRect/>
+          </a:stretch>
+        </p:blipFill>
+        <p:spPr>
+          <a:xfrm>
+            <a:off x="6446067" y="1179256"/>
+            <a:ext cx="3872487" cy="3099207"/>
+          </a:xfrm>
+          <a:prstGeom prst="rect">
+            <a:avLst/>
+          </a:prstGeom>
+        </p:spPr>
+      </p:pic>
+      <p:cxnSp>
+        <p:nvCxnSpPr>
+          <p:cNvPr id="5" name="直線コネクタ 4">
+            <a:extLst>
+              <a:ext uri="{FF2B5EF4-FFF2-40B4-BE49-F238E27FC236}">
+                <a16:creationId xmlns:a16="http://schemas.microsoft.com/office/drawing/2014/main" id="{D70E85B8-DE03-2F0B-A359-DDC33E0BF934}"/>
+              </a:ext>
+            </a:extLst>
+          </p:cNvPr>
+          <p:cNvCxnSpPr/>
+          <p:nvPr/>
+        </p:nvCxnSpPr>
+        <p:spPr>
+          <a:xfrm>
+            <a:off x="0" y="640080"/>
+            <a:ext cx="12192000" cy="0"/>
+          </a:xfrm>
+          <a:prstGeom prst="line">
+            <a:avLst/>
+          </a:prstGeom>
+          <a:ln w="28575">
+            <a:solidFill>
+              <a:schemeClr val="tx1"/>
+            </a:solidFill>
+          </a:ln>
+        </p:spPr>
+        <p:style>
+          <a:lnRef idx="1">
+            <a:schemeClr val="accent1"/>
+          </a:lnRef>
+          <a:fillRef idx="0">
+            <a:schemeClr val="accent1"/>
+          </a:fillRef>
+          <a:effectRef idx="0">
+            <a:schemeClr val="accent1"/>
+          </a:effectRef>
+          <a:fontRef idx="minor">
+            <a:schemeClr val="tx1"/>
+          </a:fontRef>
+        </p:style>
+      </p:cxnSp>
+      <p:sp>
+        <p:nvSpPr>
+          <p:cNvPr id="7" name="テキスト ボックス 6">
+            <a:extLst>
+              <a:ext uri="{FF2B5EF4-FFF2-40B4-BE49-F238E27FC236}">
+                <a16:creationId xmlns:a16="http://schemas.microsoft.com/office/drawing/2014/main" id="{697EA1EE-8BBE-F95B-587D-584F7030E600}"/>
+              </a:ext>
+            </a:extLst>
+          </p:cNvPr>
+          <p:cNvSpPr txBox="1"/>
+          <p:nvPr/>
+        </p:nvSpPr>
+        <p:spPr>
+          <a:xfrm>
+            <a:off x="5368123" y="-69689"/>
+            <a:ext cx="3256280" cy="630942"/>
+          </a:xfrm>
+          <a:prstGeom prst="rect">
+            <a:avLst/>
+          </a:prstGeom>
+          <a:noFill/>
+        </p:spPr>
+        <p:txBody>
+          <a:bodyPr wrap="square">
+            <a:spAutoFit/>
+          </a:bodyPr>
+          <a:lstStyle/>
+          <a:p>
+            <a:pPr>
+              <a:lnSpc>
+                <a:spcPct val="200000"/>
+              </a:lnSpc>
+            </a:pPr>
+            <a:r>
+              <a:rPr kumimoji="1" lang="ja-JP" altLang="en-US" sz="2000" b="1" dirty="0"/>
+              <a:t>３．測定</a:t>
+            </a:r>
+            <a:endParaRPr kumimoji="1" lang="en-US" altLang="ja-JP" sz="2000" b="1" dirty="0"/>
+          </a:p>
+        </p:txBody>
+      </p:sp>
+      <p:sp>
+        <p:nvSpPr>
+          <p:cNvPr id="12" name="テキスト ボックス 11">
+            <a:extLst>
+              <a:ext uri="{FF2B5EF4-FFF2-40B4-BE49-F238E27FC236}">
+                <a16:creationId xmlns:a16="http://schemas.microsoft.com/office/drawing/2014/main" id="{17BEF9F5-DCEC-7F34-7A5A-B389EB09987E}"/>
+              </a:ext>
+            </a:extLst>
+          </p:cNvPr>
+          <p:cNvSpPr txBox="1"/>
+          <p:nvPr/>
+        </p:nvSpPr>
+        <p:spPr>
+          <a:xfrm>
+            <a:off x="2131811" y="4453666"/>
+            <a:ext cx="2031325" cy="646331"/>
+          </a:xfrm>
+          <a:prstGeom prst="rect">
+            <a:avLst/>
+          </a:prstGeom>
+          <a:noFill/>
+        </p:spPr>
+        <p:txBody>
+          <a:bodyPr wrap="none" rtlCol="0">
+            <a:spAutoFit/>
+          </a:bodyPr>
+          <a:lstStyle/>
+          <a:p>
+            <a:r>
+              <a:rPr kumimoji="1" lang="ja-JP" altLang="en-US" dirty="0"/>
+              <a:t>①右上の「測定」</a:t>
+            </a:r>
+            <a:endParaRPr kumimoji="1" lang="en-US" altLang="ja-JP" dirty="0"/>
+          </a:p>
+          <a:p>
+            <a:r>
+              <a:rPr kumimoji="1" lang="ja-JP" altLang="en-US" dirty="0"/>
+              <a:t>　をクリック</a:t>
+            </a:r>
+          </a:p>
+        </p:txBody>
+      </p:sp>
+      <p:pic>
+        <p:nvPicPr>
+          <p:cNvPr id="3" name="図 2">
+            <a:extLst>
+              <a:ext uri="{FF2B5EF4-FFF2-40B4-BE49-F238E27FC236}">
+                <a16:creationId xmlns:a16="http://schemas.microsoft.com/office/drawing/2014/main" id="{43571788-9DE7-7521-77D0-8BC21D8902C0}"/>
+              </a:ext>
+            </a:extLst>
+          </p:cNvPr>
+          <p:cNvPicPr>
+            <a:picLocks noChangeAspect="1"/>
+          </p:cNvPicPr>
+          <p:nvPr/>
+        </p:nvPicPr>
+        <p:blipFill>
+          <a:blip r:embed="rId3"/>
+          <a:stretch>
+            <a:fillRect/>
+          </a:stretch>
+        </p:blipFill>
+        <p:spPr>
+          <a:xfrm>
+            <a:off x="2202027" y="1963648"/>
+            <a:ext cx="2081659" cy="1530418"/>
+          </a:xfrm>
+          <a:prstGeom prst="rect">
+            <a:avLst/>
+          </a:prstGeom>
+        </p:spPr>
+      </p:pic>
+      <p:sp>
+        <p:nvSpPr>
+          <p:cNvPr id="13" name="矢印: 右 12">
+            <a:extLst>
+              <a:ext uri="{FF2B5EF4-FFF2-40B4-BE49-F238E27FC236}">
+                <a16:creationId xmlns:a16="http://schemas.microsoft.com/office/drawing/2014/main" id="{66F6358C-E18A-985F-7C26-C98681249F88}"/>
+              </a:ext>
+            </a:extLst>
+          </p:cNvPr>
+          <p:cNvSpPr/>
+          <p:nvPr/>
+        </p:nvSpPr>
+        <p:spPr>
+          <a:xfrm>
+            <a:off x="5081286" y="2502954"/>
+            <a:ext cx="754791" cy="225903"/>
+          </a:xfrm>
+          <a:prstGeom prst="rightArrow">
+            <a:avLst/>
+          </a:prstGeom>
+          <a:solidFill>
+            <a:schemeClr val="tx1"/>
+          </a:solidFill>
+          <a:ln>
+            <a:solidFill>
+              <a:schemeClr val="bg1"/>
+            </a:solidFill>
+          </a:ln>
+        </p:spPr>
+        <p:style>
+          <a:lnRef idx="2">
+            <a:schemeClr val="accent1">
+              <a:shade val="50000"/>
+            </a:schemeClr>
+          </a:lnRef>
+          <a:fillRef idx="1">
+            <a:schemeClr val="accent1"/>
+          </a:fillRef>
+          <a:effectRef idx="0">
+            <a:schemeClr val="accent1"/>
+          </a:effectRef>
+          <a:fontRef idx="minor">
+            <a:schemeClr val="lt1"/>
+          </a:fontRef>
+        </p:style>
+        <p:txBody>
+          <a:bodyPr rtlCol="0" anchor="ctr"/>
+          <a:lstStyle/>
+          <a:p>
+            <a:pPr algn="ctr"/>
+            <a:endParaRPr kumimoji="1" lang="ja-JP" altLang="en-US"/>
+          </a:p>
+        </p:txBody>
+      </p:sp>
+      <p:pic>
+        <p:nvPicPr>
+          <p:cNvPr id="15" name="図 14">
+            <a:extLst>
+              <a:ext uri="{FF2B5EF4-FFF2-40B4-BE49-F238E27FC236}">
+                <a16:creationId xmlns:a16="http://schemas.microsoft.com/office/drawing/2014/main" id="{7D07B543-C8C6-A22B-2DDF-945A2D4D46BA}"/>
+              </a:ext>
+            </a:extLst>
+          </p:cNvPr>
+          <p:cNvPicPr>
+            <a:picLocks noChangeAspect="1"/>
+          </p:cNvPicPr>
+          <p:nvPr/>
+        </p:nvPicPr>
+        <p:blipFill>
+          <a:blip r:embed="rId4"/>
+          <a:stretch>
+            <a:fillRect/>
+          </a:stretch>
+        </p:blipFill>
+        <p:spPr>
+          <a:xfrm rot="14829248">
+            <a:off x="3831604" y="2478712"/>
+            <a:ext cx="482360" cy="746293"/>
+          </a:xfrm>
+          <a:prstGeom prst="rect">
+            <a:avLst/>
+          </a:prstGeom>
+        </p:spPr>
+      </p:pic>
+      <p:sp>
+        <p:nvSpPr>
+          <p:cNvPr id="19" name="テキスト ボックス 18">
+            <a:extLst>
+              <a:ext uri="{FF2B5EF4-FFF2-40B4-BE49-F238E27FC236}">
+                <a16:creationId xmlns:a16="http://schemas.microsoft.com/office/drawing/2014/main" id="{FE80F33A-844F-4873-C5B5-A67B4FFB64F1}"/>
+              </a:ext>
+            </a:extLst>
+          </p:cNvPr>
+          <p:cNvSpPr txBox="1"/>
+          <p:nvPr/>
+        </p:nvSpPr>
+        <p:spPr>
+          <a:xfrm>
+            <a:off x="6984938" y="4471676"/>
+            <a:ext cx="3736920" cy="369332"/>
+          </a:xfrm>
+          <a:prstGeom prst="rect">
+            <a:avLst/>
+          </a:prstGeom>
+          <a:noFill/>
+        </p:spPr>
+        <p:txBody>
+          <a:bodyPr wrap="none" rtlCol="0">
+            <a:spAutoFit/>
+          </a:bodyPr>
+          <a:lstStyle/>
+          <a:p>
+            <a:r>
+              <a:rPr kumimoji="1" lang="ja-JP" altLang="en-US" dirty="0"/>
+              <a:t>②測定したい始点</a:t>
+            </a:r>
+            <a:r>
+              <a:rPr kumimoji="1" lang="en-US" altLang="ja-JP" dirty="0"/>
+              <a:t>/</a:t>
+            </a:r>
+            <a:r>
+              <a:rPr kumimoji="1" lang="ja-JP" altLang="en-US" dirty="0"/>
+              <a:t>終点をクリック</a:t>
+            </a:r>
+          </a:p>
+        </p:txBody>
+      </p:sp>
+      <p:pic>
+        <p:nvPicPr>
+          <p:cNvPr id="21" name="図 20">
+            <a:extLst>
+              <a:ext uri="{FF2B5EF4-FFF2-40B4-BE49-F238E27FC236}">
+                <a16:creationId xmlns:a16="http://schemas.microsoft.com/office/drawing/2014/main" id="{C646F9BC-4543-698D-F3A3-14941CA03F76}"/>
+              </a:ext>
+            </a:extLst>
+          </p:cNvPr>
+          <p:cNvPicPr>
+            <a:picLocks noChangeAspect="1"/>
+          </p:cNvPicPr>
+          <p:nvPr/>
+        </p:nvPicPr>
+        <p:blipFill>
+          <a:blip r:embed="rId4"/>
+          <a:stretch>
+            <a:fillRect/>
+          </a:stretch>
+        </p:blipFill>
+        <p:spPr>
+          <a:xfrm rot="11349670">
+            <a:off x="7505118" y="2617579"/>
+            <a:ext cx="326129" cy="504577"/>
+          </a:xfrm>
+          <a:prstGeom prst="rect">
+            <a:avLst/>
+          </a:prstGeom>
+        </p:spPr>
+      </p:pic>
+      <p:pic>
+        <p:nvPicPr>
+          <p:cNvPr id="22" name="図 21">
+            <a:extLst>
+              <a:ext uri="{FF2B5EF4-FFF2-40B4-BE49-F238E27FC236}">
+                <a16:creationId xmlns:a16="http://schemas.microsoft.com/office/drawing/2014/main" id="{9714740B-9F2B-7B4D-5362-34C9B789B446}"/>
+              </a:ext>
+            </a:extLst>
+          </p:cNvPr>
+          <p:cNvPicPr>
+            <a:picLocks noChangeAspect="1"/>
+          </p:cNvPicPr>
+          <p:nvPr/>
+        </p:nvPicPr>
+        <p:blipFill>
+          <a:blip r:embed="rId4"/>
+          <a:stretch>
+            <a:fillRect/>
+          </a:stretch>
+        </p:blipFill>
+        <p:spPr>
+          <a:xfrm rot="11349670">
+            <a:off x="8018567" y="2617579"/>
+            <a:ext cx="326129" cy="504577"/>
+          </a:xfrm>
+          <a:prstGeom prst="rect">
+            <a:avLst/>
+          </a:prstGeom>
+        </p:spPr>
+      </p:pic>
+    </p:spTree>
+    <p:extLst>
+      <p:ext uri="{BB962C8B-B14F-4D97-AF65-F5344CB8AC3E}">
+        <p14:creationId xmlns:p14="http://schemas.microsoft.com/office/powerpoint/2010/main" val="434371638"/>
+      </p:ext>
+    </p:extLst>
+  </p:cSld>
+  <p:clrMapOvr>
+    <a:masterClrMapping/>
+  </p:clrMapOvr>
+</p:sld>
+</file>
+
+<file path=ppt/slides/slide5.xml><?xml version="1.0" encoding="utf-8"?>
+<p:sld xmlns:a="http://schemas.openxmlformats.org/drawingml/2006/main" xmlns:r="http://schemas.openxmlformats.org/officeDocument/2006/relationships" xmlns:p="http://schemas.openxmlformats.org/presentationml/2006/main">
+  <p:cSld>
+    <p:spTree>
+      <p:nvGrpSpPr>
+        <p:cNvPr id="1" name=""/>
+        <p:cNvGrpSpPr/>
+        <p:nvPr/>
+      </p:nvGrpSpPr>
+      <p:grpSpPr>
+        <a:xfrm>
+          <a:off x="0" y="0"/>
+          <a:ext cx="0" cy="0"/>
+          <a:chOff x="0" y="0"/>
+          <a:chExt cx="0" cy="0"/>
+        </a:xfrm>
+      </p:grpSpPr>
+      <p:cxnSp>
+        <p:nvCxnSpPr>
+          <p:cNvPr id="5" name="直線コネクタ 4">
+            <a:extLst>
+              <a:ext uri="{FF2B5EF4-FFF2-40B4-BE49-F238E27FC236}">
+                <a16:creationId xmlns:a16="http://schemas.microsoft.com/office/drawing/2014/main" id="{D70E85B8-DE03-2F0B-A359-DDC33E0BF934}"/>
+              </a:ext>
+            </a:extLst>
+          </p:cNvPr>
+          <p:cNvCxnSpPr/>
+          <p:nvPr/>
+        </p:nvCxnSpPr>
+        <p:spPr>
+          <a:xfrm>
+            <a:off x="0" y="640080"/>
+            <a:ext cx="12192000" cy="0"/>
+          </a:xfrm>
+          <a:prstGeom prst="line">
+            <a:avLst/>
+          </a:prstGeom>
+          <a:ln w="28575">
+            <a:solidFill>
+              <a:schemeClr val="tx1"/>
+            </a:solidFill>
+          </a:ln>
+        </p:spPr>
+        <p:style>
+          <a:lnRef idx="1">
+            <a:schemeClr val="accent1"/>
+          </a:lnRef>
+          <a:fillRef idx="0">
+            <a:schemeClr val="accent1"/>
+          </a:fillRef>
+          <a:effectRef idx="0">
+            <a:schemeClr val="accent1"/>
+          </a:effectRef>
+          <a:fontRef idx="minor">
+            <a:schemeClr val="tx1"/>
+          </a:fontRef>
+        </p:style>
+      </p:cxnSp>
+      <p:sp>
+        <p:nvSpPr>
+          <p:cNvPr id="7" name="テキスト ボックス 6">
+            <a:extLst>
+              <a:ext uri="{FF2B5EF4-FFF2-40B4-BE49-F238E27FC236}">
+                <a16:creationId xmlns:a16="http://schemas.microsoft.com/office/drawing/2014/main" id="{697EA1EE-8BBE-F95B-587D-584F7030E600}"/>
+              </a:ext>
+            </a:extLst>
+          </p:cNvPr>
+          <p:cNvSpPr txBox="1"/>
+          <p:nvPr/>
+        </p:nvSpPr>
+        <p:spPr>
+          <a:xfrm>
+            <a:off x="5368123" y="-69689"/>
+            <a:ext cx="3256280" cy="630942"/>
+          </a:xfrm>
+          <a:prstGeom prst="rect">
+            <a:avLst/>
+          </a:prstGeom>
+          <a:noFill/>
+        </p:spPr>
+        <p:txBody>
+          <a:bodyPr wrap="square">
+            <a:spAutoFit/>
+          </a:bodyPr>
+          <a:lstStyle/>
+          <a:p>
+            <a:pPr>
+              <a:lnSpc>
+                <a:spcPct val="200000"/>
+              </a:lnSpc>
+            </a:pPr>
+            <a:r>
+              <a:rPr kumimoji="1" lang="ja-JP" altLang="en-US" sz="2000" b="1" dirty="0"/>
+              <a:t>４．その他</a:t>
+            </a:r>
+            <a:endParaRPr kumimoji="1" lang="en-US" altLang="ja-JP" sz="2000" b="1" dirty="0"/>
+          </a:p>
+        </p:txBody>
+      </p:sp>
+      <p:sp>
+        <p:nvSpPr>
+          <p:cNvPr id="2" name="テキスト ボックス 1">
+            <a:extLst>
+              <a:ext uri="{FF2B5EF4-FFF2-40B4-BE49-F238E27FC236}">
+                <a16:creationId xmlns:a16="http://schemas.microsoft.com/office/drawing/2014/main" id="{361274E3-A419-D66F-A112-3F7E30AEC11D}"/>
+              </a:ext>
+            </a:extLst>
+          </p:cNvPr>
+          <p:cNvSpPr txBox="1"/>
+          <p:nvPr/>
+        </p:nvSpPr>
+        <p:spPr>
+          <a:xfrm>
+            <a:off x="92597" y="949123"/>
+            <a:ext cx="2031325" cy="369332"/>
+          </a:xfrm>
+          <a:prstGeom prst="rect">
+            <a:avLst/>
+          </a:prstGeom>
+          <a:noFill/>
+        </p:spPr>
+        <p:txBody>
+          <a:bodyPr wrap="none" rtlCol="0">
+            <a:spAutoFit/>
+          </a:bodyPr>
+          <a:lstStyle/>
+          <a:p>
+            <a:r>
+              <a:rPr kumimoji="1" lang="ja-JP" altLang="en-US" b="1" u="sng" dirty="0"/>
+              <a:t>測定ラベルの移動</a:t>
+            </a:r>
+          </a:p>
+        </p:txBody>
+      </p:sp>
+      <p:sp>
+        <p:nvSpPr>
+          <p:cNvPr id="6" name="テキスト ボックス 5">
+            <a:extLst>
+              <a:ext uri="{FF2B5EF4-FFF2-40B4-BE49-F238E27FC236}">
+                <a16:creationId xmlns:a16="http://schemas.microsoft.com/office/drawing/2014/main" id="{1F588549-E1BA-6FAB-ED58-7BBE47649521}"/>
+              </a:ext>
+            </a:extLst>
+          </p:cNvPr>
+          <p:cNvSpPr txBox="1"/>
+          <p:nvPr/>
+        </p:nvSpPr>
+        <p:spPr>
+          <a:xfrm>
+            <a:off x="3988492" y="932173"/>
+            <a:ext cx="2031325" cy="369332"/>
+          </a:xfrm>
+          <a:prstGeom prst="rect">
+            <a:avLst/>
+          </a:prstGeom>
+          <a:noFill/>
+        </p:spPr>
+        <p:txBody>
+          <a:bodyPr wrap="none" rtlCol="0">
+            <a:spAutoFit/>
+          </a:bodyPr>
+          <a:lstStyle/>
+          <a:p>
+            <a:r>
+              <a:rPr kumimoji="1" lang="ja-JP" altLang="en-US" b="1" u="sng" dirty="0"/>
+              <a:t>測定ラベルの削除</a:t>
+            </a:r>
+          </a:p>
+        </p:txBody>
+      </p:sp>
+      <p:sp>
+        <p:nvSpPr>
+          <p:cNvPr id="8" name="テキスト ボックス 7">
+            <a:extLst>
+              <a:ext uri="{FF2B5EF4-FFF2-40B4-BE49-F238E27FC236}">
+                <a16:creationId xmlns:a16="http://schemas.microsoft.com/office/drawing/2014/main" id="{81A1C692-3FC0-A961-CC56-2644D7AFF2BE}"/>
+              </a:ext>
+            </a:extLst>
+          </p:cNvPr>
+          <p:cNvSpPr txBox="1"/>
+          <p:nvPr/>
+        </p:nvSpPr>
+        <p:spPr>
+          <a:xfrm>
+            <a:off x="7361498" y="949123"/>
+            <a:ext cx="2723823" cy="369332"/>
+          </a:xfrm>
+          <a:prstGeom prst="rect">
+            <a:avLst/>
+          </a:prstGeom>
+          <a:noFill/>
+        </p:spPr>
+        <p:txBody>
+          <a:bodyPr wrap="none" rtlCol="0">
+            <a:spAutoFit/>
+          </a:bodyPr>
+          <a:lstStyle/>
+          <a:p>
+            <a:r>
+              <a:rPr kumimoji="1" lang="ja-JP" altLang="en-US" b="1" u="sng" dirty="0"/>
+              <a:t>測定結果のスタイル変更</a:t>
+            </a:r>
+          </a:p>
+        </p:txBody>
+      </p:sp>
+      <p:pic>
+        <p:nvPicPr>
+          <p:cNvPr id="10" name="図 9">
+            <a:extLst>
+              <a:ext uri="{FF2B5EF4-FFF2-40B4-BE49-F238E27FC236}">
+                <a16:creationId xmlns:a16="http://schemas.microsoft.com/office/drawing/2014/main" id="{67D0755D-0A28-622F-8A61-45C54EA522DC}"/>
+              </a:ext>
+            </a:extLst>
+          </p:cNvPr>
+          <p:cNvPicPr>
+            <a:picLocks noChangeAspect="1"/>
+          </p:cNvPicPr>
+          <p:nvPr/>
+        </p:nvPicPr>
+        <p:blipFill>
+          <a:blip r:embed="rId2"/>
+          <a:stretch>
+            <a:fillRect/>
+          </a:stretch>
+        </p:blipFill>
+        <p:spPr>
+          <a:xfrm>
+            <a:off x="92597" y="1794076"/>
+            <a:ext cx="2759262" cy="1439891"/>
+          </a:xfrm>
+          <a:prstGeom prst="rect">
+            <a:avLst/>
+          </a:prstGeom>
+        </p:spPr>
+      </p:pic>
+      <p:sp>
+        <p:nvSpPr>
+          <p:cNvPr id="11" name="テキスト ボックス 10">
+            <a:extLst>
+              <a:ext uri="{FF2B5EF4-FFF2-40B4-BE49-F238E27FC236}">
+                <a16:creationId xmlns:a16="http://schemas.microsoft.com/office/drawing/2014/main" id="{D1E61302-8DBB-9393-71A0-CF1F228A70D7}"/>
+              </a:ext>
+            </a:extLst>
+          </p:cNvPr>
+          <p:cNvSpPr txBox="1"/>
+          <p:nvPr/>
+        </p:nvSpPr>
+        <p:spPr>
+          <a:xfrm>
+            <a:off x="225733" y="4064796"/>
+            <a:ext cx="2492990" cy="646331"/>
+          </a:xfrm>
+          <a:prstGeom prst="rect">
+            <a:avLst/>
+          </a:prstGeom>
+          <a:noFill/>
+        </p:spPr>
+        <p:txBody>
+          <a:bodyPr wrap="none" rtlCol="0">
+            <a:spAutoFit/>
+          </a:bodyPr>
+          <a:lstStyle/>
+          <a:p>
+            <a:r>
+              <a:rPr kumimoji="1" lang="ja-JP" altLang="en-US" dirty="0"/>
+              <a:t>ラベルを任意の位置に</a:t>
+            </a:r>
+            <a:endParaRPr kumimoji="1" lang="en-US" altLang="ja-JP" dirty="0"/>
+          </a:p>
+          <a:p>
+            <a:r>
+              <a:rPr kumimoji="1" lang="ja-JP" altLang="en-US" dirty="0"/>
+              <a:t>ドラッグで移動可</a:t>
+            </a:r>
+            <a:endParaRPr kumimoji="1" lang="en-US" altLang="ja-JP" dirty="0"/>
+          </a:p>
+        </p:txBody>
+      </p:sp>
+      <p:cxnSp>
+        <p:nvCxnSpPr>
+          <p:cNvPr id="16" name="直線コネクタ 15">
+            <a:extLst>
+              <a:ext uri="{FF2B5EF4-FFF2-40B4-BE49-F238E27FC236}">
+                <a16:creationId xmlns:a16="http://schemas.microsoft.com/office/drawing/2014/main" id="{CC739358-16C7-3A2C-57C1-F9444A5E4476}"/>
+              </a:ext>
+            </a:extLst>
+          </p:cNvPr>
+          <p:cNvCxnSpPr/>
+          <p:nvPr/>
+        </p:nvCxnSpPr>
+        <p:spPr>
+          <a:xfrm>
+            <a:off x="3426106" y="949123"/>
+            <a:ext cx="0" cy="5268797"/>
+          </a:xfrm>
+          <a:prstGeom prst="line">
+            <a:avLst/>
+          </a:prstGeom>
+          <a:ln>
+            <a:solidFill>
+              <a:schemeClr val="tx1"/>
+            </a:solidFill>
+          </a:ln>
+        </p:spPr>
+        <p:style>
+          <a:lnRef idx="1">
+            <a:schemeClr val="accent1"/>
+          </a:lnRef>
+          <a:fillRef idx="0">
+            <a:schemeClr val="accent1"/>
+          </a:fillRef>
+          <a:effectRef idx="0">
+            <a:schemeClr val="accent1"/>
+          </a:effectRef>
+          <a:fontRef idx="minor">
+            <a:schemeClr val="tx1"/>
+          </a:fontRef>
+        </p:style>
+      </p:cxnSp>
+      <p:cxnSp>
+        <p:nvCxnSpPr>
+          <p:cNvPr id="17" name="直線コネクタ 16">
+            <a:extLst>
+              <a:ext uri="{FF2B5EF4-FFF2-40B4-BE49-F238E27FC236}">
+                <a16:creationId xmlns:a16="http://schemas.microsoft.com/office/drawing/2014/main" id="{BA39D129-6204-F386-23EE-BCE6E8E21811}"/>
+              </a:ext>
+            </a:extLst>
+          </p:cNvPr>
+          <p:cNvCxnSpPr/>
+          <p:nvPr/>
+        </p:nvCxnSpPr>
+        <p:spPr>
+          <a:xfrm>
+            <a:off x="7187878" y="949123"/>
+            <a:ext cx="0" cy="5268797"/>
+          </a:xfrm>
+          <a:prstGeom prst="line">
+            <a:avLst/>
+          </a:prstGeom>
+          <a:ln>
+            <a:solidFill>
+              <a:schemeClr val="tx1"/>
+            </a:solidFill>
+          </a:ln>
+        </p:spPr>
+        <p:style>
+          <a:lnRef idx="1">
+            <a:schemeClr val="accent1"/>
+          </a:lnRef>
+          <a:fillRef idx="0">
+            <a:schemeClr val="accent1"/>
+          </a:fillRef>
+          <a:effectRef idx="0">
+            <a:schemeClr val="accent1"/>
+          </a:effectRef>
+          <a:fontRef idx="minor">
+            <a:schemeClr val="tx1"/>
+          </a:fontRef>
+        </p:style>
+      </p:cxnSp>
+      <p:pic>
+        <p:nvPicPr>
+          <p:cNvPr id="20" name="図 19">
+            <a:extLst>
+              <a:ext uri="{FF2B5EF4-FFF2-40B4-BE49-F238E27FC236}">
+                <a16:creationId xmlns:a16="http://schemas.microsoft.com/office/drawing/2014/main" id="{691A9768-CC3E-FC99-A60B-F59DD090F929}"/>
+              </a:ext>
+            </a:extLst>
+          </p:cNvPr>
+          <p:cNvPicPr>
+            <a:picLocks noChangeAspect="1"/>
+          </p:cNvPicPr>
+          <p:nvPr/>
+        </p:nvPicPr>
+        <p:blipFill>
+          <a:blip r:embed="rId3"/>
+          <a:stretch>
+            <a:fillRect/>
+          </a:stretch>
+        </p:blipFill>
+        <p:spPr>
+          <a:xfrm>
+            <a:off x="3605234" y="1384587"/>
+            <a:ext cx="3525777" cy="2121707"/>
+          </a:xfrm>
+          <a:prstGeom prst="rect">
+            <a:avLst/>
+          </a:prstGeom>
+        </p:spPr>
+      </p:pic>
+      <p:sp>
+        <p:nvSpPr>
+          <p:cNvPr id="23" name="テキスト ボックス 22">
+            <a:extLst>
+              <a:ext uri="{FF2B5EF4-FFF2-40B4-BE49-F238E27FC236}">
+                <a16:creationId xmlns:a16="http://schemas.microsoft.com/office/drawing/2014/main" id="{4A8A40D2-48CD-52DF-0BEA-B1D9668A60EB}"/>
+              </a:ext>
+            </a:extLst>
+          </p:cNvPr>
+          <p:cNvSpPr txBox="1"/>
+          <p:nvPr/>
+        </p:nvSpPr>
+        <p:spPr>
+          <a:xfrm>
+            <a:off x="3603010" y="4064796"/>
+            <a:ext cx="3264035" cy="1200329"/>
+          </a:xfrm>
+          <a:prstGeom prst="rect">
+            <a:avLst/>
+          </a:prstGeom>
+          <a:noFill/>
+        </p:spPr>
+        <p:txBody>
+          <a:bodyPr wrap="none" rtlCol="0">
+            <a:spAutoFit/>
+          </a:bodyPr>
+          <a:lstStyle/>
+          <a:p>
+            <a:r>
+              <a:rPr kumimoji="1" lang="ja-JP" altLang="en-US" dirty="0"/>
+              <a:t>①ラベル右上の「</a:t>
+            </a:r>
+            <a:r>
+              <a:rPr kumimoji="1" lang="en-US" altLang="ja-JP" dirty="0"/>
+              <a:t>×</a:t>
+            </a:r>
+            <a:r>
+              <a:rPr kumimoji="1" lang="ja-JP" altLang="en-US" dirty="0"/>
+              <a:t>」ボタン</a:t>
+            </a:r>
+            <a:endParaRPr kumimoji="1" lang="en-US" altLang="ja-JP" dirty="0"/>
+          </a:p>
+          <a:p>
+            <a:r>
+              <a:rPr kumimoji="1" lang="ja-JP" altLang="en-US" dirty="0"/>
+              <a:t>　をクリック</a:t>
+            </a:r>
+            <a:endParaRPr kumimoji="1" lang="en-US" altLang="ja-JP" dirty="0"/>
+          </a:p>
+          <a:p>
+            <a:r>
+              <a:rPr kumimoji="1" lang="ja-JP" altLang="en-US" dirty="0"/>
+              <a:t>②削除確認のポップアップが</a:t>
+            </a:r>
+            <a:endParaRPr kumimoji="1" lang="en-US" altLang="ja-JP" dirty="0"/>
+          </a:p>
+          <a:p>
+            <a:r>
+              <a:rPr kumimoji="1" lang="ja-JP" altLang="en-US" dirty="0"/>
+              <a:t>　自動表示。</a:t>
+            </a:r>
+            <a:r>
+              <a:rPr kumimoji="1" lang="en-US" altLang="ja-JP" dirty="0"/>
+              <a:t>OK</a:t>
+            </a:r>
+            <a:r>
+              <a:rPr kumimoji="1" lang="ja-JP" altLang="en-US" dirty="0"/>
+              <a:t>で削除</a:t>
+            </a:r>
+            <a:endParaRPr kumimoji="1" lang="en-US" altLang="ja-JP" dirty="0"/>
+          </a:p>
+        </p:txBody>
+      </p:sp>
+      <p:pic>
+        <p:nvPicPr>
+          <p:cNvPr id="25" name="図 24">
+            <a:extLst>
+              <a:ext uri="{FF2B5EF4-FFF2-40B4-BE49-F238E27FC236}">
+                <a16:creationId xmlns:a16="http://schemas.microsoft.com/office/drawing/2014/main" id="{8382CA0F-F951-9CC3-B0B7-BDC51C1BB956}"/>
+              </a:ext>
+            </a:extLst>
+          </p:cNvPr>
+          <p:cNvPicPr>
+            <a:picLocks noChangeAspect="1"/>
+          </p:cNvPicPr>
+          <p:nvPr/>
+        </p:nvPicPr>
+        <p:blipFill>
+          <a:blip r:embed="rId4"/>
+          <a:stretch>
+            <a:fillRect/>
+          </a:stretch>
+        </p:blipFill>
+        <p:spPr>
+          <a:xfrm>
+            <a:off x="7279887" y="1495727"/>
+            <a:ext cx="1714649" cy="1463167"/>
+          </a:xfrm>
+          <a:prstGeom prst="rect">
+            <a:avLst/>
+          </a:prstGeom>
+        </p:spPr>
+      </p:pic>
+      <p:pic>
+        <p:nvPicPr>
+          <p:cNvPr id="26" name="図 25">
+            <a:extLst>
+              <a:ext uri="{FF2B5EF4-FFF2-40B4-BE49-F238E27FC236}">
+                <a16:creationId xmlns:a16="http://schemas.microsoft.com/office/drawing/2014/main" id="{5E35B17D-C4C3-0067-7574-7A5835FA203D}"/>
+              </a:ext>
+            </a:extLst>
+          </p:cNvPr>
+          <p:cNvPicPr>
+            <a:picLocks noChangeAspect="1"/>
+          </p:cNvPicPr>
+          <p:nvPr/>
+        </p:nvPicPr>
+        <p:blipFill>
+          <a:blip r:embed="rId5"/>
+          <a:stretch>
+            <a:fillRect/>
+          </a:stretch>
+        </p:blipFill>
+        <p:spPr>
+          <a:xfrm>
+            <a:off x="8729205" y="1871707"/>
+            <a:ext cx="360974" cy="558487"/>
+          </a:xfrm>
+          <a:prstGeom prst="rect">
+            <a:avLst/>
+          </a:prstGeom>
+        </p:spPr>
+      </p:pic>
+      <p:sp>
+        <p:nvSpPr>
+          <p:cNvPr id="27" name="矢印: 右 26">
+            <a:extLst>
+              <a:ext uri="{FF2B5EF4-FFF2-40B4-BE49-F238E27FC236}">
+                <a16:creationId xmlns:a16="http://schemas.microsoft.com/office/drawing/2014/main" id="{2A10D28C-F683-8D71-E3B5-7986D35978BA}"/>
+              </a:ext>
+            </a:extLst>
+          </p:cNvPr>
+          <p:cNvSpPr/>
+          <p:nvPr/>
+        </p:nvSpPr>
+        <p:spPr>
+          <a:xfrm>
+            <a:off x="9086544" y="1925047"/>
+            <a:ext cx="360974" cy="505147"/>
+          </a:xfrm>
+          <a:prstGeom prst="rightArrow">
+            <a:avLst/>
+          </a:prstGeom>
+          <a:solidFill>
+            <a:schemeClr val="tx1"/>
+          </a:solidFill>
+          <a:ln>
+            <a:solidFill>
+              <a:schemeClr val="bg1"/>
+            </a:solidFill>
+          </a:ln>
+        </p:spPr>
+        <p:style>
+          <a:lnRef idx="2">
+            <a:schemeClr val="accent1">
+              <a:shade val="50000"/>
+            </a:schemeClr>
+          </a:lnRef>
+          <a:fillRef idx="1">
+            <a:schemeClr val="accent1"/>
+          </a:fillRef>
+          <a:effectRef idx="0">
+            <a:schemeClr val="accent1"/>
+          </a:effectRef>
+          <a:fontRef idx="minor">
+            <a:schemeClr val="lt1"/>
+          </a:fontRef>
+        </p:style>
+        <p:txBody>
+          <a:bodyPr rtlCol="0" anchor="ctr"/>
+          <a:lstStyle/>
+          <a:p>
+            <a:pPr algn="ctr"/>
+            <a:endParaRPr kumimoji="1" lang="ja-JP" altLang="en-US"/>
+          </a:p>
+        </p:txBody>
+      </p:sp>
+      <p:pic>
+        <p:nvPicPr>
+          <p:cNvPr id="29" name="図 28">
+            <a:extLst>
+              <a:ext uri="{FF2B5EF4-FFF2-40B4-BE49-F238E27FC236}">
+                <a16:creationId xmlns:a16="http://schemas.microsoft.com/office/drawing/2014/main" id="{987C8E8D-AC34-001A-D985-6291646E5EFC}"/>
+              </a:ext>
+            </a:extLst>
+          </p:cNvPr>
+          <p:cNvPicPr>
+            <a:picLocks noChangeAspect="1"/>
+          </p:cNvPicPr>
+          <p:nvPr/>
+        </p:nvPicPr>
+        <p:blipFill>
+          <a:blip r:embed="rId6"/>
+          <a:stretch>
+            <a:fillRect/>
+          </a:stretch>
+        </p:blipFill>
+        <p:spPr>
+          <a:xfrm>
+            <a:off x="9780606" y="1407736"/>
+            <a:ext cx="2060511" cy="2705595"/>
+          </a:xfrm>
+          <a:prstGeom prst="rect">
+            <a:avLst/>
+          </a:prstGeom>
+        </p:spPr>
+      </p:pic>
+      <p:pic>
+        <p:nvPicPr>
+          <p:cNvPr id="30" name="図 29">
+            <a:extLst>
+              <a:ext uri="{FF2B5EF4-FFF2-40B4-BE49-F238E27FC236}">
+                <a16:creationId xmlns:a16="http://schemas.microsoft.com/office/drawing/2014/main" id="{50EBC807-3BF3-4EBA-7D0D-D637609C5BAD}"/>
+              </a:ext>
+            </a:extLst>
+          </p:cNvPr>
+          <p:cNvPicPr>
+            <a:picLocks noChangeAspect="1"/>
+          </p:cNvPicPr>
+          <p:nvPr/>
+        </p:nvPicPr>
+        <p:blipFill>
+          <a:blip r:embed="rId5"/>
+          <a:stretch>
+            <a:fillRect/>
+          </a:stretch>
+        </p:blipFill>
+        <p:spPr>
+          <a:xfrm rot="13157337">
+            <a:off x="9942852" y="1204179"/>
+            <a:ext cx="284936" cy="440844"/>
+          </a:xfrm>
+          <a:prstGeom prst="rect">
+            <a:avLst/>
+          </a:prstGeom>
+        </p:spPr>
+      </p:pic>
+      <p:sp>
+        <p:nvSpPr>
+          <p:cNvPr id="31" name="テキスト ボックス 30">
+            <a:extLst>
+              <a:ext uri="{FF2B5EF4-FFF2-40B4-BE49-F238E27FC236}">
+                <a16:creationId xmlns:a16="http://schemas.microsoft.com/office/drawing/2014/main" id="{734A42FF-00E1-033E-B000-FE35BAAB1720}"/>
+              </a:ext>
+            </a:extLst>
+          </p:cNvPr>
+          <p:cNvSpPr txBox="1"/>
+          <p:nvPr/>
+        </p:nvSpPr>
+        <p:spPr>
+          <a:xfrm>
+            <a:off x="7187878" y="4251802"/>
+            <a:ext cx="4525598" cy="1754326"/>
+          </a:xfrm>
+          <a:prstGeom prst="rect">
+            <a:avLst/>
+          </a:prstGeom>
+          <a:noFill/>
+        </p:spPr>
+        <p:txBody>
+          <a:bodyPr wrap="none" rtlCol="0">
+            <a:spAutoFit/>
+          </a:bodyPr>
+          <a:lstStyle/>
+          <a:p>
+            <a:r>
+              <a:rPr kumimoji="1" lang="ja-JP" altLang="en-US" dirty="0"/>
+              <a:t>①画面右上の「歯車」マークをクリック</a:t>
+            </a:r>
+            <a:endParaRPr kumimoji="1" lang="en-US" altLang="ja-JP" dirty="0"/>
+          </a:p>
+          <a:p>
+            <a:r>
+              <a:rPr kumimoji="1" lang="ja-JP" altLang="en-US" dirty="0"/>
+              <a:t>②画面右に設定画面が現れる。</a:t>
+            </a:r>
+            <a:endParaRPr kumimoji="1" lang="en-US" altLang="ja-JP" dirty="0"/>
+          </a:p>
+          <a:p>
+            <a:r>
+              <a:rPr kumimoji="1" lang="ja-JP" altLang="en-US" dirty="0"/>
+              <a:t>③変更したいスタイルを選択。</a:t>
+            </a:r>
+            <a:endParaRPr kumimoji="1" lang="en-US" altLang="ja-JP" dirty="0"/>
+          </a:p>
+          <a:p>
+            <a:r>
+              <a:rPr kumimoji="1" lang="ja-JP" altLang="en-US" dirty="0"/>
+              <a:t>　変更後自動で反映。</a:t>
+            </a:r>
+            <a:endParaRPr kumimoji="1" lang="en-US" altLang="ja-JP" dirty="0"/>
+          </a:p>
+          <a:p>
+            <a:r>
+              <a:rPr kumimoji="1" lang="ja-JP" altLang="en-US" dirty="0"/>
+              <a:t>④元画面に戻るには、右上の「</a:t>
+            </a:r>
+            <a:r>
+              <a:rPr kumimoji="1" lang="en-US" altLang="ja-JP" dirty="0"/>
+              <a:t>×</a:t>
+            </a:r>
+            <a:r>
+              <a:rPr kumimoji="1" lang="ja-JP" altLang="en-US" dirty="0"/>
+              <a:t>」ボタン</a:t>
+            </a:r>
+            <a:endParaRPr kumimoji="1" lang="en-US" altLang="ja-JP" dirty="0"/>
+          </a:p>
+          <a:p>
+            <a:r>
+              <a:rPr kumimoji="1" lang="ja-JP" altLang="en-US" dirty="0"/>
+              <a:t>　をクリック</a:t>
+            </a:r>
+            <a:endParaRPr kumimoji="1" lang="en-US" altLang="ja-JP" dirty="0"/>
+          </a:p>
+        </p:txBody>
+      </p:sp>
+    </p:spTree>
+    <p:extLst>
+      <p:ext uri="{BB962C8B-B14F-4D97-AF65-F5344CB8AC3E}">
+        <p14:creationId xmlns:p14="http://schemas.microsoft.com/office/powerpoint/2010/main" val="721053319"/>
       </p:ext>
     </p:extLst>
   </p:cSld>
@@ -4026,76 +6221,16 @@
         <a:srgbClr val="954F72"/>
       </a:folHlink>
     </a:clrScheme>
-    <a:fontScheme name="Office テーマ">
+    <a:fontScheme name="ユーザー定義 1">
       <a:majorFont>
-        <a:latin typeface="Calibri Light" panose="020F0302020204030204"/>
-        <a:ea typeface=""/>
+        <a:latin typeface="Segoe UI"/>
+        <a:ea typeface="メイリオ"/>
         <a:cs typeface=""/>
-        <a:font script="Jpan" typeface="游ゴシック Light"/>
-        <a:font script="Hang" typeface="맑은 고딕"/>
-        <a:font script="Hans" typeface="等线 Light"/>
-        <a:font script="Hant" typeface="新細明體"/>
-        <a:font script="Arab" typeface="Times New Roman"/>
-        <a:font script="Hebr" typeface="Times New Roman"/>
-        <a:font script="Thai" typeface="Angsana New"/>
-        <a:font script="Ethi" typeface="Nyala"/>
-        <a:font script="Beng" typeface="Vrinda"/>
-        <a:font script="Gujr" typeface="Shruti"/>
-        <a:font script="Khmr" typeface="MoolBoran"/>
-        <a:font script="Knda" typeface="Tunga"/>
-        <a:font script="Guru" typeface="Raavi"/>
-        <a:font script="Cans" typeface="Euphemia"/>
-        <a:font script="Cher" typeface="Plantagenet Cherokee"/>
-        <a:font script="Yiii" typeface="Microsoft Yi Baiti"/>
-        <a:font script="Tibt" typeface="Microsoft Himalaya"/>
-        <a:font script="Thaa" typeface="MV Boli"/>
-        <a:font script="Deva" typeface="Mangal"/>
-        <a:font script="Telu" typeface="Gautami"/>
-        <a:font script="Taml" typeface="Latha"/>
-        <a:font script="Syrc" typeface="Estrangelo Edessa"/>
-        <a:font script="Orya" typeface="Kalinga"/>
-        <a:font script="Mlym" typeface="Kartika"/>
-        <a:font script="Laoo" typeface="DokChampa"/>
-        <a:font script="Sinh" typeface="Iskoola Pota"/>
-        <a:font script="Mong" typeface="Mongolian Baiti"/>
-        <a:font script="Viet" typeface="Times New Roman"/>
-        <a:font script="Uigh" typeface="Microsoft Uighur"/>
-        <a:font script="Geor" typeface="Sylfaen"/>
       </a:majorFont>
       <a:minorFont>
-        <a:latin typeface="Calibri" panose="020F0502020204030204"/>
-        <a:ea typeface=""/>
+        <a:latin typeface="Segoe UI"/>
+        <a:ea typeface="メイリオ"/>
         <a:cs typeface=""/>
-        <a:font script="Jpan" typeface="游ゴシック"/>
-        <a:font script="Hang" typeface="맑은 고딕"/>
-        <a:font script="Hans" typeface="等线"/>
-        <a:font script="Hant" typeface="新細明體"/>
-        <a:font script="Arab" typeface="Arial"/>
-        <a:font script="Hebr" typeface="Arial"/>
-        <a:font script="Thai" typeface="Cordia New"/>
-        <a:font script="Ethi" typeface="Nyala"/>
-        <a:font script="Beng" typeface="Vrinda"/>
-        <a:font script="Gujr" typeface="Shruti"/>
-        <a:font script="Khmr" typeface="DaunPenh"/>
-        <a:font script="Knda" typeface="Tunga"/>
-        <a:font script="Guru" typeface="Raavi"/>
-        <a:font script="Cans" typeface="Euphemia"/>
-        <a:font script="Cher" typeface="Plantagenet Cherokee"/>
-        <a:font script="Yiii" typeface="Microsoft Yi Baiti"/>
-        <a:font script="Tibt" typeface="Microsoft Himalaya"/>
-        <a:font script="Thaa" typeface="MV Boli"/>
-        <a:font script="Deva" typeface="Mangal"/>
-        <a:font script="Telu" typeface="Gautami"/>
-        <a:font script="Taml" typeface="Latha"/>
-        <a:font script="Syrc" typeface="Estrangelo Edessa"/>
-        <a:font script="Orya" typeface="Kalinga"/>
-        <a:font script="Mlym" typeface="Kartika"/>
-        <a:font script="Laoo" typeface="DokChampa"/>
-        <a:font script="Sinh" typeface="Iskoola Pota"/>
-        <a:font script="Mong" typeface="Mongolian Baiti"/>
-        <a:font script="Viet" typeface="Arial"/>
-        <a:font script="Uigh" typeface="Microsoft Uighur"/>
-        <a:font script="Geor" typeface="Sylfaen"/>
       </a:minorFont>
     </a:fontScheme>
     <a:fmtScheme name="Office テーマ">
